--- a/Lecture04_MultivariateOLS2/Lecture4_MultivariateOLS2_2022F.pptx
+++ b/Lecture04_MultivariateOLS2/Lecture4_MultivariateOLS2_2022F.pptx
@@ -5,7 +5,7 @@
     <p:sldMasterId id="2147483738" r:id="rId1"/>
   </p:sldMasterIdLst>
   <p:notesMasterIdLst>
-    <p:notesMasterId r:id="rId61"/>
+    <p:notesMasterId r:id="rId63"/>
   </p:notesMasterIdLst>
   <p:sldIdLst>
     <p:sldId id="256" r:id="rId2"/>
@@ -33,40 +33,42 @@
     <p:sldId id="439" r:id="rId24"/>
     <p:sldId id="440" r:id="rId25"/>
     <p:sldId id="441" r:id="rId26"/>
-    <p:sldId id="442" r:id="rId27"/>
-    <p:sldId id="443" r:id="rId28"/>
-    <p:sldId id="445" r:id="rId29"/>
-    <p:sldId id="444" r:id="rId30"/>
-    <p:sldId id="446" r:id="rId31"/>
-    <p:sldId id="402" r:id="rId32"/>
-    <p:sldId id="447" r:id="rId33"/>
-    <p:sldId id="448" r:id="rId34"/>
-    <p:sldId id="449" r:id="rId35"/>
-    <p:sldId id="450" r:id="rId36"/>
-    <p:sldId id="452" r:id="rId37"/>
-    <p:sldId id="451" r:id="rId38"/>
-    <p:sldId id="396" r:id="rId39"/>
-    <p:sldId id="382" r:id="rId40"/>
-    <p:sldId id="454" r:id="rId41"/>
-    <p:sldId id="453" r:id="rId42"/>
-    <p:sldId id="455" r:id="rId43"/>
-    <p:sldId id="456" r:id="rId44"/>
-    <p:sldId id="457" r:id="rId45"/>
-    <p:sldId id="458" r:id="rId46"/>
-    <p:sldId id="459" r:id="rId47"/>
-    <p:sldId id="460" r:id="rId48"/>
-    <p:sldId id="463" r:id="rId49"/>
-    <p:sldId id="461" r:id="rId50"/>
-    <p:sldId id="462" r:id="rId51"/>
-    <p:sldId id="438" r:id="rId52"/>
-    <p:sldId id="464" r:id="rId53"/>
-    <p:sldId id="465" r:id="rId54"/>
-    <p:sldId id="471" r:id="rId55"/>
-    <p:sldId id="466" r:id="rId56"/>
-    <p:sldId id="468" r:id="rId57"/>
-    <p:sldId id="467" r:id="rId58"/>
-    <p:sldId id="469" r:id="rId59"/>
-    <p:sldId id="470" r:id="rId60"/>
+    <p:sldId id="474" r:id="rId27"/>
+    <p:sldId id="475" r:id="rId28"/>
+    <p:sldId id="442" r:id="rId29"/>
+    <p:sldId id="443" r:id="rId30"/>
+    <p:sldId id="445" r:id="rId31"/>
+    <p:sldId id="444" r:id="rId32"/>
+    <p:sldId id="446" r:id="rId33"/>
+    <p:sldId id="402" r:id="rId34"/>
+    <p:sldId id="447" r:id="rId35"/>
+    <p:sldId id="448" r:id="rId36"/>
+    <p:sldId id="449" r:id="rId37"/>
+    <p:sldId id="450" r:id="rId38"/>
+    <p:sldId id="452" r:id="rId39"/>
+    <p:sldId id="451" r:id="rId40"/>
+    <p:sldId id="396" r:id="rId41"/>
+    <p:sldId id="382" r:id="rId42"/>
+    <p:sldId id="454" r:id="rId43"/>
+    <p:sldId id="453" r:id="rId44"/>
+    <p:sldId id="455" r:id="rId45"/>
+    <p:sldId id="456" r:id="rId46"/>
+    <p:sldId id="457" r:id="rId47"/>
+    <p:sldId id="458" r:id="rId48"/>
+    <p:sldId id="459" r:id="rId49"/>
+    <p:sldId id="460" r:id="rId50"/>
+    <p:sldId id="463" r:id="rId51"/>
+    <p:sldId id="461" r:id="rId52"/>
+    <p:sldId id="462" r:id="rId53"/>
+    <p:sldId id="438" r:id="rId54"/>
+    <p:sldId id="464" r:id="rId55"/>
+    <p:sldId id="465" r:id="rId56"/>
+    <p:sldId id="471" r:id="rId57"/>
+    <p:sldId id="466" r:id="rId58"/>
+    <p:sldId id="468" r:id="rId59"/>
+    <p:sldId id="467" r:id="rId60"/>
+    <p:sldId id="469" r:id="rId61"/>
+    <p:sldId id="470" r:id="rId62"/>
   </p:sldIdLst>
   <p:sldSz cx="12192000" cy="6858000"/>
   <p:notesSz cx="7010400" cy="9296400"/>
@@ -266,7 +268,7 @@
           <a:p>
             <a:fld id="{EF911157-0FC2-4F06-8D61-FD647FE4E19D}" type="datetimeFigureOut">
               <a:rPr lang="en-US" smtClean="0"/>
-              <a:t>8/11/2022</a:t>
+              <a:t>8/15/2022</a:t>
             </a:fld>
             <a:endParaRPr lang="en-US"/>
           </a:p>
@@ -1846,7 +1848,10 @@
           <a:bodyPr/>
           <a:lstStyle/>
           <a:p>
-            <a:endParaRPr lang="en-US" dirty="0"/>
+            <a:r>
+              <a:rPr lang="en-US" dirty="0"/>
+              <a:t>This is from last time – the impact of including a dummy is an intercept shift</a:t>
+            </a:r>
           </a:p>
         </p:txBody>
       </p:sp>
@@ -1876,7 +1881,7 @@
     </p:spTree>
     <p:extLst>
       <p:ext uri="{BB962C8B-B14F-4D97-AF65-F5344CB8AC3E}">
-        <p14:creationId xmlns:p14="http://schemas.microsoft.com/office/powerpoint/2010/main" val="3979735033"/>
+        <p14:creationId xmlns:p14="http://schemas.microsoft.com/office/powerpoint/2010/main" val="3621164651"/>
       </p:ext>
     </p:extLst>
   </p:cSld>
@@ -1930,7 +1935,10 @@
           <a:bodyPr/>
           <a:lstStyle/>
           <a:p>
-            <a:endParaRPr lang="en-US" dirty="0"/>
+            <a:r>
+              <a:rPr lang="en-US" dirty="0"/>
+              <a:t>An interaction is a change in slope for two groups</a:t>
+            </a:r>
           </a:p>
         </p:txBody>
       </p:sp>
@@ -1960,7 +1968,7 @@
     </p:spTree>
     <p:extLst>
       <p:ext uri="{BB962C8B-B14F-4D97-AF65-F5344CB8AC3E}">
-        <p14:creationId xmlns:p14="http://schemas.microsoft.com/office/powerpoint/2010/main" val="2642015428"/>
+        <p14:creationId xmlns:p14="http://schemas.microsoft.com/office/powerpoint/2010/main" val="3632715752"/>
       </p:ext>
     </p:extLst>
   </p:cSld>
@@ -2044,7 +2052,7 @@
     </p:spTree>
     <p:extLst>
       <p:ext uri="{BB962C8B-B14F-4D97-AF65-F5344CB8AC3E}">
-        <p14:creationId xmlns:p14="http://schemas.microsoft.com/office/powerpoint/2010/main" val="326157103"/>
+        <p14:creationId xmlns:p14="http://schemas.microsoft.com/office/powerpoint/2010/main" val="3979735033"/>
       </p:ext>
     </p:extLst>
   </p:cSld>
@@ -2128,7 +2136,7 @@
     </p:spTree>
     <p:extLst>
       <p:ext uri="{BB962C8B-B14F-4D97-AF65-F5344CB8AC3E}">
-        <p14:creationId xmlns:p14="http://schemas.microsoft.com/office/powerpoint/2010/main" val="3911304001"/>
+        <p14:creationId xmlns:p14="http://schemas.microsoft.com/office/powerpoint/2010/main" val="2642015428"/>
       </p:ext>
     </p:extLst>
   </p:cSld>
@@ -2212,7 +2220,7 @@
     </p:spTree>
     <p:extLst>
       <p:ext uri="{BB962C8B-B14F-4D97-AF65-F5344CB8AC3E}">
-        <p14:creationId xmlns:p14="http://schemas.microsoft.com/office/powerpoint/2010/main" val="435643768"/>
+        <p14:creationId xmlns:p14="http://schemas.microsoft.com/office/powerpoint/2010/main" val="326157103"/>
       </p:ext>
     </p:extLst>
   </p:cSld>
@@ -2287,7 +2295,7 @@
           <a:p>
             <a:fld id="{4AF79E1B-2C51-4B9B-8EA4-26DE9E345AFF}" type="slidenum">
               <a:rPr lang="en-US" smtClean="0"/>
-              <a:t>32</a:t>
+              <a:t>31</a:t>
             </a:fld>
             <a:endParaRPr lang="en-US"/>
           </a:p>
@@ -2296,7 +2304,7 @@
     </p:spTree>
     <p:extLst>
       <p:ext uri="{BB962C8B-B14F-4D97-AF65-F5344CB8AC3E}">
-        <p14:creationId xmlns:p14="http://schemas.microsoft.com/office/powerpoint/2010/main" val="2167178153"/>
+        <p14:creationId xmlns:p14="http://schemas.microsoft.com/office/powerpoint/2010/main" val="3911304001"/>
       </p:ext>
     </p:extLst>
   </p:cSld>
@@ -2350,6 +2358,14 @@
           <a:bodyPr/>
           <a:lstStyle/>
           <a:p>
+            <a:r>
+              <a:rPr lang="en-US" dirty="0"/>
+              <a:t>Note on 1 – R will mostly do this for you, but don’t leave it up </a:t>
+            </a:r>
+            <a:r>
+              <a:rPr lang="en-US"/>
+              <a:t>to chance</a:t>
+            </a:r>
             <a:endParaRPr lang="en-US" dirty="0"/>
           </a:p>
         </p:txBody>
@@ -2371,7 +2387,7 @@
           <a:p>
             <a:fld id="{4AF79E1B-2C51-4B9B-8EA4-26DE9E345AFF}" type="slidenum">
               <a:rPr lang="en-US" smtClean="0"/>
-              <a:t>33</a:t>
+              <a:t>32</a:t>
             </a:fld>
             <a:endParaRPr lang="en-US"/>
           </a:p>
@@ -2380,7 +2396,7 @@
     </p:spTree>
     <p:extLst>
       <p:ext uri="{BB962C8B-B14F-4D97-AF65-F5344CB8AC3E}">
-        <p14:creationId xmlns:p14="http://schemas.microsoft.com/office/powerpoint/2010/main" val="3209251084"/>
+        <p14:creationId xmlns:p14="http://schemas.microsoft.com/office/powerpoint/2010/main" val="435643768"/>
       </p:ext>
     </p:extLst>
   </p:cSld>
@@ -2548,7 +2564,7 @@
     </p:spTree>
     <p:extLst>
       <p:ext uri="{BB962C8B-B14F-4D97-AF65-F5344CB8AC3E}">
-        <p14:creationId xmlns:p14="http://schemas.microsoft.com/office/powerpoint/2010/main" val="764653464"/>
+        <p14:creationId xmlns:p14="http://schemas.microsoft.com/office/powerpoint/2010/main" val="2167178153"/>
       </p:ext>
     </p:extLst>
   </p:cSld>
@@ -2632,7 +2648,7 @@
     </p:spTree>
     <p:extLst>
       <p:ext uri="{BB962C8B-B14F-4D97-AF65-F5344CB8AC3E}">
-        <p14:creationId xmlns:p14="http://schemas.microsoft.com/office/powerpoint/2010/main" val="2134699028"/>
+        <p14:creationId xmlns:p14="http://schemas.microsoft.com/office/powerpoint/2010/main" val="3209251084"/>
       </p:ext>
     </p:extLst>
   </p:cSld>
@@ -2716,7 +2732,7 @@
     </p:spTree>
     <p:extLst>
       <p:ext uri="{BB962C8B-B14F-4D97-AF65-F5344CB8AC3E}">
-        <p14:creationId xmlns:p14="http://schemas.microsoft.com/office/powerpoint/2010/main" val="4058768743"/>
+        <p14:creationId xmlns:p14="http://schemas.microsoft.com/office/powerpoint/2010/main" val="764653464"/>
       </p:ext>
     </p:extLst>
   </p:cSld>
@@ -2800,6 +2816,174 @@
     </p:spTree>
     <p:extLst>
       <p:ext uri="{BB962C8B-B14F-4D97-AF65-F5344CB8AC3E}">
+        <p14:creationId xmlns:p14="http://schemas.microsoft.com/office/powerpoint/2010/main" val="2134699028"/>
+      </p:ext>
+    </p:extLst>
+  </p:cSld>
+  <p:clrMapOvr>
+    <a:masterClrMapping/>
+  </p:clrMapOvr>
+</p:notes>
+</file>
+
+<file path=ppt/notesSlides/notesSlide34.xml><?xml version="1.0" encoding="utf-8"?>
+<p:notes xmlns:a="http://schemas.openxmlformats.org/drawingml/2006/main" xmlns:r="http://schemas.openxmlformats.org/officeDocument/2006/relationships" xmlns:p="http://schemas.openxmlformats.org/presentationml/2006/main">
+  <p:cSld>
+    <p:spTree>
+      <p:nvGrpSpPr>
+        <p:cNvPr id="1" name=""/>
+        <p:cNvGrpSpPr/>
+        <p:nvPr/>
+      </p:nvGrpSpPr>
+      <p:grpSpPr>
+        <a:xfrm>
+          <a:off x="0" y="0"/>
+          <a:ext cx="0" cy="0"/>
+          <a:chOff x="0" y="0"/>
+          <a:chExt cx="0" cy="0"/>
+        </a:xfrm>
+      </p:grpSpPr>
+      <p:sp>
+        <p:nvSpPr>
+          <p:cNvPr id="2" name="Slide Image Placeholder 1"/>
+          <p:cNvSpPr>
+            <a:spLocks noGrp="1" noRot="1" noChangeAspect="1"/>
+          </p:cNvSpPr>
+          <p:nvPr>
+            <p:ph type="sldImg"/>
+          </p:nvPr>
+        </p:nvSpPr>
+        <p:spPr/>
+      </p:sp>
+      <p:sp>
+        <p:nvSpPr>
+          <p:cNvPr id="3" name="Notes Placeholder 2"/>
+          <p:cNvSpPr>
+            <a:spLocks noGrp="1"/>
+          </p:cNvSpPr>
+          <p:nvPr>
+            <p:ph type="body" idx="1"/>
+          </p:nvPr>
+        </p:nvSpPr>
+        <p:spPr/>
+        <p:txBody>
+          <a:bodyPr/>
+          <a:lstStyle/>
+          <a:p>
+            <a:endParaRPr lang="en-US" dirty="0"/>
+          </a:p>
+        </p:txBody>
+      </p:sp>
+      <p:sp>
+        <p:nvSpPr>
+          <p:cNvPr id="4" name="Slide Number Placeholder 3"/>
+          <p:cNvSpPr>
+            <a:spLocks noGrp="1"/>
+          </p:cNvSpPr>
+          <p:nvPr>
+            <p:ph type="sldNum" sz="quarter" idx="5"/>
+          </p:nvPr>
+        </p:nvSpPr>
+        <p:spPr/>
+        <p:txBody>
+          <a:bodyPr/>
+          <a:lstStyle/>
+          <a:p>
+            <a:fld id="{4AF79E1B-2C51-4B9B-8EA4-26DE9E345AFF}" type="slidenum">
+              <a:rPr lang="en-US" smtClean="0"/>
+              <a:t>38</a:t>
+            </a:fld>
+            <a:endParaRPr lang="en-US"/>
+          </a:p>
+        </p:txBody>
+      </p:sp>
+    </p:spTree>
+    <p:extLst>
+      <p:ext uri="{BB962C8B-B14F-4D97-AF65-F5344CB8AC3E}">
+        <p14:creationId xmlns:p14="http://schemas.microsoft.com/office/powerpoint/2010/main" val="4058768743"/>
+      </p:ext>
+    </p:extLst>
+  </p:cSld>
+  <p:clrMapOvr>
+    <a:masterClrMapping/>
+  </p:clrMapOvr>
+</p:notes>
+</file>
+
+<file path=ppt/notesSlides/notesSlide35.xml><?xml version="1.0" encoding="utf-8"?>
+<p:notes xmlns:a="http://schemas.openxmlformats.org/drawingml/2006/main" xmlns:r="http://schemas.openxmlformats.org/officeDocument/2006/relationships" xmlns:p="http://schemas.openxmlformats.org/presentationml/2006/main">
+  <p:cSld>
+    <p:spTree>
+      <p:nvGrpSpPr>
+        <p:cNvPr id="1" name=""/>
+        <p:cNvGrpSpPr/>
+        <p:nvPr/>
+      </p:nvGrpSpPr>
+      <p:grpSpPr>
+        <a:xfrm>
+          <a:off x="0" y="0"/>
+          <a:ext cx="0" cy="0"/>
+          <a:chOff x="0" y="0"/>
+          <a:chExt cx="0" cy="0"/>
+        </a:xfrm>
+      </p:grpSpPr>
+      <p:sp>
+        <p:nvSpPr>
+          <p:cNvPr id="2" name="Slide Image Placeholder 1"/>
+          <p:cNvSpPr>
+            <a:spLocks noGrp="1" noRot="1" noChangeAspect="1"/>
+          </p:cNvSpPr>
+          <p:nvPr>
+            <p:ph type="sldImg"/>
+          </p:nvPr>
+        </p:nvSpPr>
+        <p:spPr/>
+      </p:sp>
+      <p:sp>
+        <p:nvSpPr>
+          <p:cNvPr id="3" name="Notes Placeholder 2"/>
+          <p:cNvSpPr>
+            <a:spLocks noGrp="1"/>
+          </p:cNvSpPr>
+          <p:nvPr>
+            <p:ph type="body" idx="1"/>
+          </p:nvPr>
+        </p:nvSpPr>
+        <p:spPr/>
+        <p:txBody>
+          <a:bodyPr/>
+          <a:lstStyle/>
+          <a:p>
+            <a:endParaRPr lang="en-US" dirty="0"/>
+          </a:p>
+        </p:txBody>
+      </p:sp>
+      <p:sp>
+        <p:nvSpPr>
+          <p:cNvPr id="4" name="Slide Number Placeholder 3"/>
+          <p:cNvSpPr>
+            <a:spLocks noGrp="1"/>
+          </p:cNvSpPr>
+          <p:nvPr>
+            <p:ph type="sldNum" sz="quarter" idx="5"/>
+          </p:nvPr>
+        </p:nvSpPr>
+        <p:spPr/>
+        <p:txBody>
+          <a:bodyPr/>
+          <a:lstStyle/>
+          <a:p>
+            <a:fld id="{4AF79E1B-2C51-4B9B-8EA4-26DE9E345AFF}" type="slidenum">
+              <a:rPr lang="en-US" smtClean="0"/>
+              <a:t>39</a:t>
+            </a:fld>
+            <a:endParaRPr lang="en-US"/>
+          </a:p>
+        </p:txBody>
+      </p:sp>
+    </p:spTree>
+    <p:extLst>
+      <p:ext uri="{BB962C8B-B14F-4D97-AF65-F5344CB8AC3E}">
         <p14:creationId xmlns:p14="http://schemas.microsoft.com/office/powerpoint/2010/main" val="2949886084"/>
       </p:ext>
     </p:extLst>
@@ -2810,7 +2994,7 @@
 </p:notes>
 </file>
 
-<file path=ppt/notesSlides/notesSlide34.xml><?xml version="1.0" encoding="utf-8"?>
+<file path=ppt/notesSlides/notesSlide36.xml><?xml version="1.0" encoding="utf-8"?>
 <p:notes xmlns:a="http://schemas.openxmlformats.org/drawingml/2006/main" xmlns:r="http://schemas.openxmlformats.org/officeDocument/2006/relationships" xmlns:p="http://schemas.openxmlformats.org/presentationml/2006/main">
   <p:cSld>
     <p:spTree>
@@ -3160,7 +3344,7 @@
           <a:p>
             <a:fld id="{4AF79E1B-2C51-4B9B-8EA4-26DE9E345AFF}" type="slidenum">
               <a:rPr lang="en-US" smtClean="0"/>
-              <a:t>38</a:t>
+              <a:t>40</a:t>
             </a:fld>
             <a:endParaRPr lang="en-US"/>
           </a:p>
@@ -3179,7 +3363,7 @@
 </p:notes>
 </file>
 
-<file path=ppt/notesSlides/notesSlide35.xml><?xml version="1.0" encoding="utf-8"?>
+<file path=ppt/notesSlides/notesSlide37.xml><?xml version="1.0" encoding="utf-8"?>
 <p:notes xmlns:a="http://schemas.openxmlformats.org/drawingml/2006/main" xmlns:r="http://schemas.openxmlformats.org/officeDocument/2006/relationships" xmlns:p="http://schemas.openxmlformats.org/presentationml/2006/main">
   <p:cSld>
     <p:spTree>
@@ -3529,7 +3713,7 @@
           <a:p>
             <a:fld id="{4AF79E1B-2C51-4B9B-8EA4-26DE9E345AFF}" type="slidenum">
               <a:rPr lang="en-US" smtClean="0"/>
-              <a:t>51</a:t>
+              <a:t>53</a:t>
             </a:fld>
             <a:endParaRPr lang="en-US"/>
           </a:p>
@@ -3548,7 +3732,7 @@
 </p:notes>
 </file>
 
-<file path=ppt/notesSlides/notesSlide36.xml><?xml version="1.0" encoding="utf-8"?>
+<file path=ppt/notesSlides/notesSlide38.xml><?xml version="1.0" encoding="utf-8"?>
 <p:notes xmlns:a="http://schemas.openxmlformats.org/drawingml/2006/main" xmlns:r="http://schemas.openxmlformats.org/officeDocument/2006/relationships" xmlns:p="http://schemas.openxmlformats.org/presentationml/2006/main">
   <p:cSld>
     <p:spTree>
@@ -3624,7 +3808,7 @@
           <a:p>
             <a:fld id="{4AF79E1B-2C51-4B9B-8EA4-26DE9E345AFF}" type="slidenum">
               <a:rPr lang="en-US" smtClean="0"/>
-              <a:t>52</a:t>
+              <a:t>54</a:t>
             </a:fld>
             <a:endParaRPr lang="en-US"/>
           </a:p>
@@ -3643,7 +3827,7 @@
 </p:notes>
 </file>
 
-<file path=ppt/notesSlides/notesSlide37.xml><?xml version="1.0" encoding="utf-8"?>
+<file path=ppt/notesSlides/notesSlide39.xml><?xml version="1.0" encoding="utf-8"?>
 <p:notes xmlns:a="http://schemas.openxmlformats.org/drawingml/2006/main" xmlns:r="http://schemas.openxmlformats.org/officeDocument/2006/relationships" xmlns:p="http://schemas.openxmlformats.org/presentationml/2006/main">
   <p:cSld>
     <p:spTree>
@@ -3711,7 +3895,7 @@
           <a:p>
             <a:fld id="{4AF79E1B-2C51-4B9B-8EA4-26DE9E345AFF}" type="slidenum">
               <a:rPr lang="en-US" smtClean="0"/>
-              <a:t>55</a:t>
+              <a:t>57</a:t>
             </a:fld>
             <a:endParaRPr lang="en-US"/>
           </a:p>
@@ -4403,7 +4587,7 @@
             <a:fld id="{0972D05C-DCFB-4BB6-B49C-AC126BF3ED2C}" type="datetimeFigureOut">
               <a:rPr lang="en-US" smtClean="0"/>
               <a:pPr/>
-              <a:t>8/11/2022</a:t>
+              <a:t>8/15/2022</a:t>
             </a:fld>
             <a:endParaRPr lang="en-US"/>
           </a:p>
@@ -4633,7 +4817,7 @@
             <a:fld id="{0972D05C-DCFB-4BB6-B49C-AC126BF3ED2C}" type="datetimeFigureOut">
               <a:rPr lang="en-US" smtClean="0"/>
               <a:pPr/>
-              <a:t>8/11/2022</a:t>
+              <a:t>8/15/2022</a:t>
             </a:fld>
             <a:endParaRPr lang="en-US"/>
           </a:p>
@@ -4815,7 +4999,7 @@
             <a:fld id="{0972D05C-DCFB-4BB6-B49C-AC126BF3ED2C}" type="datetimeFigureOut">
               <a:rPr lang="en-US" smtClean="0"/>
               <a:pPr/>
-              <a:t>8/11/2022</a:t>
+              <a:t>8/15/2022</a:t>
             </a:fld>
             <a:endParaRPr lang="en-US"/>
           </a:p>
@@ -4987,7 +5171,7 @@
             <a:fld id="{0972D05C-DCFB-4BB6-B49C-AC126BF3ED2C}" type="datetimeFigureOut">
               <a:rPr lang="en-US" smtClean="0"/>
               <a:pPr/>
-              <a:t>8/11/2022</a:t>
+              <a:t>8/15/2022</a:t>
             </a:fld>
             <a:endParaRPr lang="en-US"/>
           </a:p>
@@ -5243,7 +5427,7 @@
             <a:fld id="{0972D05C-DCFB-4BB6-B49C-AC126BF3ED2C}" type="datetimeFigureOut">
               <a:rPr lang="en-US" smtClean="0"/>
               <a:pPr/>
-              <a:t>8/11/2022</a:t>
+              <a:t>8/15/2022</a:t>
             </a:fld>
             <a:endParaRPr lang="en-US"/>
           </a:p>
@@ -5571,7 +5755,7 @@
             <a:fld id="{0972D05C-DCFB-4BB6-B49C-AC126BF3ED2C}" type="datetimeFigureOut">
               <a:rPr lang="en-US" smtClean="0"/>
               <a:pPr/>
-              <a:t>8/11/2022</a:t>
+              <a:t>8/15/2022</a:t>
             </a:fld>
             <a:endParaRPr lang="en-US"/>
           </a:p>
@@ -6024,7 +6208,7 @@
             <a:fld id="{0972D05C-DCFB-4BB6-B49C-AC126BF3ED2C}" type="datetimeFigureOut">
               <a:rPr lang="en-US" smtClean="0"/>
               <a:pPr/>
-              <a:t>8/11/2022</a:t>
+              <a:t>8/15/2022</a:t>
             </a:fld>
             <a:endParaRPr lang="en-US"/>
           </a:p>
@@ -6144,7 +6328,7 @@
             <a:fld id="{0972D05C-DCFB-4BB6-B49C-AC126BF3ED2C}" type="datetimeFigureOut">
               <a:rPr lang="en-US" smtClean="0"/>
               <a:pPr/>
-              <a:t>8/11/2022</a:t>
+              <a:t>8/15/2022</a:t>
             </a:fld>
             <a:endParaRPr lang="en-US"/>
           </a:p>
@@ -6241,7 +6425,7 @@
             <a:fld id="{0972D05C-DCFB-4BB6-B49C-AC126BF3ED2C}" type="datetimeFigureOut">
               <a:rPr lang="en-US" smtClean="0"/>
               <a:pPr/>
-              <a:t>8/11/2022</a:t>
+              <a:t>8/15/2022</a:t>
             </a:fld>
             <a:endParaRPr lang="en-US"/>
           </a:p>
@@ -6530,7 +6714,7 @@
             <a:fld id="{0972D05C-DCFB-4BB6-B49C-AC126BF3ED2C}" type="datetimeFigureOut">
               <a:rPr lang="en-US" smtClean="0"/>
               <a:pPr/>
-              <a:t>8/11/2022</a:t>
+              <a:t>8/15/2022</a:t>
             </a:fld>
             <a:endParaRPr lang="en-US"/>
           </a:p>
@@ -6854,7 +7038,7 @@
             <a:fld id="{0972D05C-DCFB-4BB6-B49C-AC126BF3ED2C}" type="datetimeFigureOut">
               <a:rPr lang="en-US" smtClean="0"/>
               <a:pPr/>
-              <a:t>8/11/2022</a:t>
+              <a:t>8/15/2022</a:t>
             </a:fld>
             <a:endParaRPr lang="en-US"/>
           </a:p>
@@ -7109,7 +7293,7 @@
             <a:fld id="{0972D05C-DCFB-4BB6-B49C-AC126BF3ED2C}" type="datetimeFigureOut">
               <a:rPr lang="en-US" smtClean="0"/>
               <a:pPr/>
-              <a:t>8/11/2022</a:t>
+              <a:t>8/15/2022</a:t>
             </a:fld>
             <a:endParaRPr lang="en-US" dirty="0"/>
           </a:p>
@@ -16801,6 +16985,246 @@
               <a:rPr lang="en-US" sz="3600" dirty="0">
                 <a:cs typeface="Times New Roman" panose="02020603050405020304" pitchFamily="18" charset="0"/>
               </a:rPr>
+              <a:t>Discrete Regressors </a:t>
+            </a:r>
+            <a:endParaRPr lang="en-US" sz="3600" dirty="0">
+              <a:latin typeface="Times New Roman" panose="02020603050405020304" pitchFamily="18" charset="0"/>
+              <a:cs typeface="Times New Roman" panose="02020603050405020304" pitchFamily="18" charset="0"/>
+            </a:endParaRPr>
+          </a:p>
+        </p:txBody>
+      </p:sp>
+      <p:sp>
+        <p:nvSpPr>
+          <p:cNvPr id="4" name="Content Placeholder 3">
+            <a:extLst>
+              <a:ext uri="{FF2B5EF4-FFF2-40B4-BE49-F238E27FC236}">
+                <a16:creationId xmlns:a16="http://schemas.microsoft.com/office/drawing/2014/main" id="{FC090224-F0D7-141A-ABD0-0F81A3283FE4}"/>
+              </a:ext>
+            </a:extLst>
+          </p:cNvPr>
+          <p:cNvSpPr>
+            <a:spLocks noGrp="1"/>
+          </p:cNvSpPr>
+          <p:nvPr>
+            <p:ph idx="1"/>
+          </p:nvPr>
+        </p:nvSpPr>
+        <p:spPr/>
+        <p:txBody>
+          <a:bodyPr/>
+          <a:lstStyle/>
+          <a:p>
+            <a:endParaRPr lang="en-US"/>
+          </a:p>
+        </p:txBody>
+      </p:sp>
+      <p:pic>
+        <p:nvPicPr>
+          <p:cNvPr id="5" name="Picture 4">
+            <a:extLst>
+              <a:ext uri="{FF2B5EF4-FFF2-40B4-BE49-F238E27FC236}">
+                <a16:creationId xmlns:a16="http://schemas.microsoft.com/office/drawing/2014/main" id="{0CF25538-BA28-96A4-30C3-1B5231BC887C}"/>
+              </a:ext>
+            </a:extLst>
+          </p:cNvPr>
+          <p:cNvPicPr>
+            <a:picLocks noChangeAspect="1"/>
+          </p:cNvPicPr>
+          <p:nvPr/>
+        </p:nvPicPr>
+        <p:blipFill>
+          <a:blip r:embed="rId3"/>
+          <a:stretch>
+            <a:fillRect/>
+          </a:stretch>
+        </p:blipFill>
+        <p:spPr>
+          <a:xfrm>
+            <a:off x="609600" y="962232"/>
+            <a:ext cx="10058400" cy="5223782"/>
+          </a:xfrm>
+          <a:prstGeom prst="rect">
+            <a:avLst/>
+          </a:prstGeom>
+        </p:spPr>
+      </p:pic>
+    </p:spTree>
+    <p:extLst>
+      <p:ext uri="{BB962C8B-B14F-4D97-AF65-F5344CB8AC3E}">
+        <p14:creationId xmlns:p14="http://schemas.microsoft.com/office/powerpoint/2010/main" val="1837373737"/>
+      </p:ext>
+    </p:extLst>
+  </p:cSld>
+  <p:clrMapOvr>
+    <a:masterClrMapping/>
+  </p:clrMapOvr>
+</p:sld>
+</file>
+
+<file path=ppt/slides/slide27.xml><?xml version="1.0" encoding="utf-8"?>
+<p:sld xmlns:a="http://schemas.openxmlformats.org/drawingml/2006/main" xmlns:r="http://schemas.openxmlformats.org/officeDocument/2006/relationships" xmlns:p="http://schemas.openxmlformats.org/presentationml/2006/main">
+  <p:cSld>
+    <p:spTree>
+      <p:nvGrpSpPr>
+        <p:cNvPr id="1" name=""/>
+        <p:cNvGrpSpPr/>
+        <p:nvPr/>
+      </p:nvGrpSpPr>
+      <p:grpSpPr>
+        <a:xfrm>
+          <a:off x="0" y="0"/>
+          <a:ext cx="0" cy="0"/>
+          <a:chOff x="0" y="0"/>
+          <a:chExt cx="0" cy="0"/>
+        </a:xfrm>
+      </p:grpSpPr>
+      <p:sp>
+        <p:nvSpPr>
+          <p:cNvPr id="2" name="Title 1"/>
+          <p:cNvSpPr>
+            <a:spLocks noGrp="1"/>
+          </p:cNvSpPr>
+          <p:nvPr>
+            <p:ph type="title"/>
+          </p:nvPr>
+        </p:nvSpPr>
+        <p:spPr>
+          <a:xfrm>
+            <a:off x="609600" y="337392"/>
+            <a:ext cx="10439400" cy="624840"/>
+          </a:xfrm>
+        </p:spPr>
+        <p:txBody>
+          <a:bodyPr>
+            <a:noAutofit/>
+          </a:bodyPr>
+          <a:lstStyle/>
+          <a:p>
+            <a:r>
+              <a:rPr lang="en-US" sz="3600" dirty="0">
+                <a:cs typeface="Times New Roman" panose="02020603050405020304" pitchFamily="18" charset="0"/>
+              </a:rPr>
+              <a:t>Discrete Regressors </a:t>
+            </a:r>
+            <a:endParaRPr lang="en-US" sz="3600" dirty="0">
+              <a:latin typeface="Times New Roman" panose="02020603050405020304" pitchFamily="18" charset="0"/>
+              <a:cs typeface="Times New Roman" panose="02020603050405020304" pitchFamily="18" charset="0"/>
+            </a:endParaRPr>
+          </a:p>
+        </p:txBody>
+      </p:sp>
+      <p:sp>
+        <p:nvSpPr>
+          <p:cNvPr id="4" name="Content Placeholder 3">
+            <a:extLst>
+              <a:ext uri="{FF2B5EF4-FFF2-40B4-BE49-F238E27FC236}">
+                <a16:creationId xmlns:a16="http://schemas.microsoft.com/office/drawing/2014/main" id="{FC090224-F0D7-141A-ABD0-0F81A3283FE4}"/>
+              </a:ext>
+            </a:extLst>
+          </p:cNvPr>
+          <p:cNvSpPr>
+            <a:spLocks noGrp="1"/>
+          </p:cNvSpPr>
+          <p:nvPr>
+            <p:ph idx="1"/>
+          </p:nvPr>
+        </p:nvSpPr>
+        <p:spPr/>
+        <p:txBody>
+          <a:bodyPr/>
+          <a:lstStyle/>
+          <a:p>
+            <a:endParaRPr lang="en-US"/>
+          </a:p>
+        </p:txBody>
+      </p:sp>
+      <p:pic>
+        <p:nvPicPr>
+          <p:cNvPr id="6" name="Picture 5">
+            <a:extLst>
+              <a:ext uri="{FF2B5EF4-FFF2-40B4-BE49-F238E27FC236}">
+                <a16:creationId xmlns:a16="http://schemas.microsoft.com/office/drawing/2014/main" id="{6277A6ED-387F-668B-FBF9-A499F6CFA73C}"/>
+              </a:ext>
+            </a:extLst>
+          </p:cNvPr>
+          <p:cNvPicPr>
+            <a:picLocks noChangeAspect="1"/>
+          </p:cNvPicPr>
+          <p:nvPr/>
+        </p:nvPicPr>
+        <p:blipFill>
+          <a:blip r:embed="rId3"/>
+          <a:stretch>
+            <a:fillRect/>
+          </a:stretch>
+        </p:blipFill>
+        <p:spPr>
+          <a:xfrm>
+            <a:off x="643128" y="1066800"/>
+            <a:ext cx="10058400" cy="5258312"/>
+          </a:xfrm>
+          <a:prstGeom prst="rect">
+            <a:avLst/>
+          </a:prstGeom>
+        </p:spPr>
+      </p:pic>
+    </p:spTree>
+    <p:extLst>
+      <p:ext uri="{BB962C8B-B14F-4D97-AF65-F5344CB8AC3E}">
+        <p14:creationId xmlns:p14="http://schemas.microsoft.com/office/powerpoint/2010/main" val="2381917075"/>
+      </p:ext>
+    </p:extLst>
+  </p:cSld>
+  <p:clrMapOvr>
+    <a:masterClrMapping/>
+  </p:clrMapOvr>
+</p:sld>
+</file>
+
+<file path=ppt/slides/slide28.xml><?xml version="1.0" encoding="utf-8"?>
+<p:sld xmlns:a="http://schemas.openxmlformats.org/drawingml/2006/main" xmlns:r="http://schemas.openxmlformats.org/officeDocument/2006/relationships" xmlns:p="http://schemas.openxmlformats.org/presentationml/2006/main">
+  <p:cSld>
+    <p:spTree>
+      <p:nvGrpSpPr>
+        <p:cNvPr id="1" name=""/>
+        <p:cNvGrpSpPr/>
+        <p:nvPr/>
+      </p:nvGrpSpPr>
+      <p:grpSpPr>
+        <a:xfrm>
+          <a:off x="0" y="0"/>
+          <a:ext cx="0" cy="0"/>
+          <a:chOff x="0" y="0"/>
+          <a:chExt cx="0" cy="0"/>
+        </a:xfrm>
+      </p:grpSpPr>
+      <p:sp>
+        <p:nvSpPr>
+          <p:cNvPr id="2" name="Title 1"/>
+          <p:cNvSpPr>
+            <a:spLocks noGrp="1"/>
+          </p:cNvSpPr>
+          <p:nvPr>
+            <p:ph type="title"/>
+          </p:nvPr>
+        </p:nvSpPr>
+        <p:spPr>
+          <a:xfrm>
+            <a:off x="609600" y="337392"/>
+            <a:ext cx="10439400" cy="624840"/>
+          </a:xfrm>
+        </p:spPr>
+        <p:txBody>
+          <a:bodyPr>
+            <a:noAutofit/>
+          </a:bodyPr>
+          <a:lstStyle/>
+          <a:p>
+            <a:r>
+              <a:rPr lang="en-US" sz="3600" dirty="0">
+                <a:cs typeface="Times New Roman" panose="02020603050405020304" pitchFamily="18" charset="0"/>
+              </a:rPr>
               <a:t>How do we Interpret Interaction Terms?</a:t>
             </a:r>
             <a:endParaRPr lang="en-US" sz="3600" dirty="0">
@@ -17647,7 +18071,7 @@
 </p:sld>
 </file>
 
-<file path=ppt/slides/slide27.xml><?xml version="1.0" encoding="utf-8"?>
+<file path=ppt/slides/slide29.xml><?xml version="1.0" encoding="utf-8"?>
 <p:sld xmlns:a="http://schemas.openxmlformats.org/drawingml/2006/main" xmlns:r="http://schemas.openxmlformats.org/officeDocument/2006/relationships" xmlns:p="http://schemas.openxmlformats.org/presentationml/2006/main">
   <p:cSld>
     <p:spTree>
@@ -18804,7 +19228,90 @@
 </p:sld>
 </file>
 
-<file path=ppt/slides/slide28.xml><?xml version="1.0" encoding="utf-8"?>
+<file path=ppt/slides/slide3.xml><?xml version="1.0" encoding="utf-8"?>
+<p:sld xmlns:a="http://schemas.openxmlformats.org/drawingml/2006/main" xmlns:r="http://schemas.openxmlformats.org/officeDocument/2006/relationships" xmlns:p="http://schemas.openxmlformats.org/presentationml/2006/main">
+  <p:cSld>
+    <p:spTree>
+      <p:nvGrpSpPr>
+        <p:cNvPr id="1" name=""/>
+        <p:cNvGrpSpPr/>
+        <p:nvPr/>
+      </p:nvGrpSpPr>
+      <p:grpSpPr>
+        <a:xfrm>
+          <a:off x="0" y="0"/>
+          <a:ext cx="0" cy="0"/>
+          <a:chOff x="0" y="0"/>
+          <a:chExt cx="0" cy="0"/>
+        </a:xfrm>
+      </p:grpSpPr>
+      <p:sp>
+        <p:nvSpPr>
+          <p:cNvPr id="2" name="Title 1">
+            <a:extLst>
+              <a:ext uri="{FF2B5EF4-FFF2-40B4-BE49-F238E27FC236}">
+                <a16:creationId xmlns:a16="http://schemas.microsoft.com/office/drawing/2014/main" id="{F6693EDF-660D-4391-A114-A6C54268E445}"/>
+              </a:ext>
+            </a:extLst>
+          </p:cNvPr>
+          <p:cNvSpPr>
+            <a:spLocks noGrp="1"/>
+          </p:cNvSpPr>
+          <p:nvPr>
+            <p:ph type="ctrTitle"/>
+          </p:nvPr>
+        </p:nvSpPr>
+        <p:spPr/>
+        <p:txBody>
+          <a:bodyPr/>
+          <a:lstStyle/>
+          <a:p>
+            <a:r>
+              <a:rPr lang="en-US" dirty="0"/>
+              <a:t>Variable Selection: Transformations</a:t>
+            </a:r>
+          </a:p>
+        </p:txBody>
+      </p:sp>
+      <p:sp>
+        <p:nvSpPr>
+          <p:cNvPr id="3" name="Subtitle 2">
+            <a:extLst>
+              <a:ext uri="{FF2B5EF4-FFF2-40B4-BE49-F238E27FC236}">
+                <a16:creationId xmlns:a16="http://schemas.microsoft.com/office/drawing/2014/main" id="{9A7FADE3-4D7C-4B3A-B023-71CD85AECCCB}"/>
+              </a:ext>
+            </a:extLst>
+          </p:cNvPr>
+          <p:cNvSpPr>
+            <a:spLocks noGrp="1"/>
+          </p:cNvSpPr>
+          <p:nvPr>
+            <p:ph type="subTitle" idx="1"/>
+          </p:nvPr>
+        </p:nvSpPr>
+        <p:spPr/>
+        <p:txBody>
+          <a:bodyPr/>
+          <a:lstStyle/>
+          <a:p>
+            <a:endParaRPr lang="en-US"/>
+          </a:p>
+        </p:txBody>
+      </p:sp>
+    </p:spTree>
+    <p:extLst>
+      <p:ext uri="{BB962C8B-B14F-4D97-AF65-F5344CB8AC3E}">
+        <p14:creationId xmlns:p14="http://schemas.microsoft.com/office/powerpoint/2010/main" val="893877000"/>
+      </p:ext>
+    </p:extLst>
+  </p:cSld>
+  <p:clrMapOvr>
+    <a:masterClrMapping/>
+  </p:clrMapOvr>
+</p:sld>
+</file>
+
+<file path=ppt/slides/slide30.xml><?xml version="1.0" encoding="utf-8"?>
 <p:sld xmlns:a="http://schemas.openxmlformats.org/drawingml/2006/main" xmlns:r="http://schemas.openxmlformats.org/officeDocument/2006/relationships" xmlns:p="http://schemas.openxmlformats.org/presentationml/2006/main">
   <p:cSld>
     <p:spTree>
@@ -19834,7 +20341,7 @@
 </p:sld>
 </file>
 
-<file path=ppt/slides/slide29.xml><?xml version="1.0" encoding="utf-8"?>
+<file path=ppt/slides/slide31.xml><?xml version="1.0" encoding="utf-8"?>
 <p:sld xmlns:a="http://schemas.openxmlformats.org/drawingml/2006/main" xmlns:r="http://schemas.openxmlformats.org/officeDocument/2006/relationships" xmlns:p="http://schemas.openxmlformats.org/presentationml/2006/main">
   <p:cSld>
     <p:spTree>
@@ -20939,90 +21446,7 @@
 </p:sld>
 </file>
 
-<file path=ppt/slides/slide3.xml><?xml version="1.0" encoding="utf-8"?>
-<p:sld xmlns:a="http://schemas.openxmlformats.org/drawingml/2006/main" xmlns:r="http://schemas.openxmlformats.org/officeDocument/2006/relationships" xmlns:p="http://schemas.openxmlformats.org/presentationml/2006/main">
-  <p:cSld>
-    <p:spTree>
-      <p:nvGrpSpPr>
-        <p:cNvPr id="1" name=""/>
-        <p:cNvGrpSpPr/>
-        <p:nvPr/>
-      </p:nvGrpSpPr>
-      <p:grpSpPr>
-        <a:xfrm>
-          <a:off x="0" y="0"/>
-          <a:ext cx="0" cy="0"/>
-          <a:chOff x="0" y="0"/>
-          <a:chExt cx="0" cy="0"/>
-        </a:xfrm>
-      </p:grpSpPr>
-      <p:sp>
-        <p:nvSpPr>
-          <p:cNvPr id="2" name="Title 1">
-            <a:extLst>
-              <a:ext uri="{FF2B5EF4-FFF2-40B4-BE49-F238E27FC236}">
-                <a16:creationId xmlns:a16="http://schemas.microsoft.com/office/drawing/2014/main" id="{F6693EDF-660D-4391-A114-A6C54268E445}"/>
-              </a:ext>
-            </a:extLst>
-          </p:cNvPr>
-          <p:cNvSpPr>
-            <a:spLocks noGrp="1"/>
-          </p:cNvSpPr>
-          <p:nvPr>
-            <p:ph type="ctrTitle"/>
-          </p:nvPr>
-        </p:nvSpPr>
-        <p:spPr/>
-        <p:txBody>
-          <a:bodyPr/>
-          <a:lstStyle/>
-          <a:p>
-            <a:r>
-              <a:rPr lang="en-US" dirty="0"/>
-              <a:t>Variable Selection: Transformations</a:t>
-            </a:r>
-          </a:p>
-        </p:txBody>
-      </p:sp>
-      <p:sp>
-        <p:nvSpPr>
-          <p:cNvPr id="3" name="Subtitle 2">
-            <a:extLst>
-              <a:ext uri="{FF2B5EF4-FFF2-40B4-BE49-F238E27FC236}">
-                <a16:creationId xmlns:a16="http://schemas.microsoft.com/office/drawing/2014/main" id="{9A7FADE3-4D7C-4B3A-B023-71CD85AECCCB}"/>
-              </a:ext>
-            </a:extLst>
-          </p:cNvPr>
-          <p:cNvSpPr>
-            <a:spLocks noGrp="1"/>
-          </p:cNvSpPr>
-          <p:nvPr>
-            <p:ph type="subTitle" idx="1"/>
-          </p:nvPr>
-        </p:nvSpPr>
-        <p:spPr/>
-        <p:txBody>
-          <a:bodyPr/>
-          <a:lstStyle/>
-          <a:p>
-            <a:endParaRPr lang="en-US"/>
-          </a:p>
-        </p:txBody>
-      </p:sp>
-    </p:spTree>
-    <p:extLst>
-      <p:ext uri="{BB962C8B-B14F-4D97-AF65-F5344CB8AC3E}">
-        <p14:creationId xmlns:p14="http://schemas.microsoft.com/office/powerpoint/2010/main" val="893877000"/>
-      </p:ext>
-    </p:extLst>
-  </p:cSld>
-  <p:clrMapOvr>
-    <a:masterClrMapping/>
-  </p:clrMapOvr>
-</p:sld>
-</file>
-
-<file path=ppt/slides/slide30.xml><?xml version="1.0" encoding="utf-8"?>
+<file path=ppt/slides/slide32.xml><?xml version="1.0" encoding="utf-8"?>
 <p:sld xmlns:a="http://schemas.openxmlformats.org/drawingml/2006/main" xmlns:r="http://schemas.openxmlformats.org/officeDocument/2006/relationships" xmlns:p="http://schemas.openxmlformats.org/presentationml/2006/main">
   <p:cSld>
     <p:spTree>
@@ -21336,7 +21760,7 @@
 </p:sld>
 </file>
 
-<file path=ppt/slides/slide31.xml><?xml version="1.0" encoding="utf-8"?>
+<file path=ppt/slides/slide33.xml><?xml version="1.0" encoding="utf-8"?>
 <p:sld xmlns:a="http://schemas.openxmlformats.org/drawingml/2006/main" xmlns:r="http://schemas.openxmlformats.org/officeDocument/2006/relationships" xmlns:p="http://schemas.openxmlformats.org/presentationml/2006/main">
   <p:cSld>
     <p:spTree>
@@ -21419,7 +21843,7 @@
 </p:sld>
 </file>
 
-<file path=ppt/slides/slide32.xml><?xml version="1.0" encoding="utf-8"?>
+<file path=ppt/slides/slide34.xml><?xml version="1.0" encoding="utf-8"?>
 <p:sld xmlns:a="http://schemas.openxmlformats.org/drawingml/2006/main" xmlns:r="http://schemas.openxmlformats.org/officeDocument/2006/relationships" xmlns:p="http://schemas.openxmlformats.org/presentationml/2006/main">
   <p:cSld>
     <p:spTree>
@@ -21548,7 +21972,7 @@
 </p:sld>
 </file>
 
-<file path=ppt/slides/slide33.xml><?xml version="1.0" encoding="utf-8"?>
+<file path=ppt/slides/slide35.xml><?xml version="1.0" encoding="utf-8"?>
 <p:sld xmlns:a="http://schemas.openxmlformats.org/drawingml/2006/main" xmlns:r="http://schemas.openxmlformats.org/officeDocument/2006/relationships" xmlns:p="http://schemas.openxmlformats.org/presentationml/2006/main">
   <p:cSld>
     <p:spTree>
@@ -21704,7 +22128,7 @@
 </p:sld>
 </file>
 
-<file path=ppt/slides/slide34.xml><?xml version="1.0" encoding="utf-8"?>
+<file path=ppt/slides/slide36.xml><?xml version="1.0" encoding="utf-8"?>
 <p:sld xmlns:a="http://schemas.openxmlformats.org/drawingml/2006/main" xmlns:r="http://schemas.openxmlformats.org/officeDocument/2006/relationships" xmlns:p="http://schemas.openxmlformats.org/presentationml/2006/main">
   <p:cSld>
     <p:spTree>
@@ -22167,7 +22591,7 @@
 </p:sld>
 </file>
 
-<file path=ppt/slides/slide35.xml><?xml version="1.0" encoding="utf-8"?>
+<file path=ppt/slides/slide37.xml><?xml version="1.0" encoding="utf-8"?>
 <p:sld xmlns:a="http://schemas.openxmlformats.org/drawingml/2006/main" xmlns:r="http://schemas.openxmlformats.org/officeDocument/2006/relationships" xmlns:p="http://schemas.openxmlformats.org/presentationml/2006/main">
   <p:cSld>
     <p:spTree>
@@ -22638,7 +23062,7 @@
 </p:sld>
 </file>
 
-<file path=ppt/slides/slide36.xml><?xml version="1.0" encoding="utf-8"?>
+<file path=ppt/slides/slide38.xml><?xml version="1.0" encoding="utf-8"?>
 <p:sld xmlns:a="http://schemas.openxmlformats.org/drawingml/2006/main" xmlns:r="http://schemas.openxmlformats.org/officeDocument/2006/relationships" xmlns:p="http://schemas.openxmlformats.org/presentationml/2006/main">
   <p:cSld>
     <p:spTree>
@@ -23320,7 +23744,7 @@
 </p:sld>
 </file>
 
-<file path=ppt/slides/slide37.xml><?xml version="1.0" encoding="utf-8"?>
+<file path=ppt/slides/slide39.xml><?xml version="1.0" encoding="utf-8"?>
 <p:sld xmlns:a="http://schemas.openxmlformats.org/drawingml/2006/main" xmlns:r="http://schemas.openxmlformats.org/officeDocument/2006/relationships" xmlns:p="http://schemas.openxmlformats.org/presentationml/2006/main">
   <p:cSld>
     <p:spTree>
@@ -24092,410 +24516,6 @@
     <p:extLst>
       <p:ext uri="{BB962C8B-B14F-4D97-AF65-F5344CB8AC3E}">
         <p14:creationId xmlns:p14="http://schemas.microsoft.com/office/powerpoint/2010/main" val="2741632345"/>
-      </p:ext>
-    </p:extLst>
-  </p:cSld>
-  <p:clrMapOvr>
-    <a:masterClrMapping/>
-  </p:clrMapOvr>
-</p:sld>
-</file>
-
-<file path=ppt/slides/slide38.xml><?xml version="1.0" encoding="utf-8"?>
-<p:sld xmlns:a="http://schemas.openxmlformats.org/drawingml/2006/main" xmlns:r="http://schemas.openxmlformats.org/officeDocument/2006/relationships" xmlns:p="http://schemas.openxmlformats.org/presentationml/2006/main">
-  <p:cSld>
-    <p:spTree>
-      <p:nvGrpSpPr>
-        <p:cNvPr id="1" name=""/>
-        <p:cNvGrpSpPr/>
-        <p:nvPr/>
-      </p:nvGrpSpPr>
-      <p:grpSpPr>
-        <a:xfrm>
-          <a:off x="0" y="0"/>
-          <a:ext cx="0" cy="0"/>
-          <a:chOff x="0" y="0"/>
-          <a:chExt cx="0" cy="0"/>
-        </a:xfrm>
-      </p:grpSpPr>
-      <p:sp>
-        <p:nvSpPr>
-          <p:cNvPr id="2" name="Title 1"/>
-          <p:cNvSpPr>
-            <a:spLocks noGrp="1"/>
-          </p:cNvSpPr>
-          <p:nvPr>
-            <p:ph type="ctrTitle"/>
-          </p:nvPr>
-        </p:nvSpPr>
-        <p:spPr>
-          <a:xfrm>
-            <a:off x="1261872" y="758952"/>
-            <a:ext cx="10625328" cy="4041648"/>
-          </a:xfrm>
-        </p:spPr>
-        <p:txBody>
-          <a:bodyPr>
-            <a:normAutofit/>
-          </a:bodyPr>
-          <a:lstStyle/>
-          <a:p>
-            <a:r>
-              <a:rPr lang="en-US" sz="5400" dirty="0">
-                <a:latin typeface="Times New Roman" panose="02020603050405020304" pitchFamily="18" charset="0"/>
-                <a:cs typeface="Times New Roman" panose="02020603050405020304" pitchFamily="18" charset="0"/>
-              </a:rPr>
-              <a:t>Getting the “Right” Standard Errors</a:t>
-            </a:r>
-          </a:p>
-        </p:txBody>
-      </p:sp>
-      <p:sp>
-        <p:nvSpPr>
-          <p:cNvPr id="3" name="Content Placeholder 2"/>
-          <p:cNvSpPr>
-            <a:spLocks noGrp="1"/>
-          </p:cNvSpPr>
-          <p:nvPr>
-            <p:ph type="subTitle" idx="1"/>
-          </p:nvPr>
-        </p:nvSpPr>
-        <p:spPr/>
-        <p:txBody>
-          <a:bodyPr>
-            <a:normAutofit/>
-          </a:bodyPr>
-          <a:lstStyle/>
-          <a:p>
-            <a:pPr marL="274320" lvl="1" indent="0">
-              <a:buNone/>
-            </a:pPr>
-            <a:endParaRPr lang="en-CA" sz="2000" dirty="0">
-              <a:solidFill>
-                <a:schemeClr val="tx1"/>
-              </a:solidFill>
-              <a:latin typeface="Open Sans"/>
-              <a:ea typeface="Open Sans" panose="020B0606030504020204" pitchFamily="34" charset="0"/>
-              <a:cs typeface="Open Sans" panose="020B0606030504020204" pitchFamily="34" charset="0"/>
-            </a:endParaRPr>
-          </a:p>
-        </p:txBody>
-      </p:sp>
-    </p:spTree>
-    <p:extLst>
-      <p:ext uri="{BB962C8B-B14F-4D97-AF65-F5344CB8AC3E}">
-        <p14:creationId xmlns:p14="http://schemas.microsoft.com/office/powerpoint/2010/main" val="818739658"/>
-      </p:ext>
-    </p:extLst>
-  </p:cSld>
-  <p:clrMapOvr>
-    <a:masterClrMapping/>
-  </p:clrMapOvr>
-</p:sld>
-</file>
-
-<file path=ppt/slides/slide39.xml><?xml version="1.0" encoding="utf-8"?>
-<p:sld xmlns:a="http://schemas.openxmlformats.org/drawingml/2006/main" xmlns:r="http://schemas.openxmlformats.org/officeDocument/2006/relationships" xmlns:p="http://schemas.openxmlformats.org/presentationml/2006/main">
-  <p:cSld>
-    <p:spTree>
-      <p:nvGrpSpPr>
-        <p:cNvPr id="1" name=""/>
-        <p:cNvGrpSpPr/>
-        <p:nvPr/>
-      </p:nvGrpSpPr>
-      <p:grpSpPr>
-        <a:xfrm>
-          <a:off x="0" y="0"/>
-          <a:ext cx="0" cy="0"/>
-          <a:chOff x="0" y="0"/>
-          <a:chExt cx="0" cy="0"/>
-        </a:xfrm>
-      </p:grpSpPr>
-      <p:sp>
-        <p:nvSpPr>
-          <p:cNvPr id="2" name="Title 1"/>
-          <p:cNvSpPr>
-            <a:spLocks noGrp="1"/>
-          </p:cNvSpPr>
-          <p:nvPr>
-            <p:ph type="title"/>
-          </p:nvPr>
-        </p:nvSpPr>
-        <p:spPr>
-          <a:xfrm>
-            <a:off x="609600" y="337392"/>
-            <a:ext cx="10439400" cy="624840"/>
-          </a:xfrm>
-        </p:spPr>
-        <p:txBody>
-          <a:bodyPr>
-            <a:noAutofit/>
-          </a:bodyPr>
-          <a:lstStyle/>
-          <a:p>
-            <a:r>
-              <a:rPr lang="en-US" sz="3600" dirty="0">
-                <a:cs typeface="Times New Roman" panose="02020603050405020304" pitchFamily="18" charset="0"/>
-              </a:rPr>
-              <a:t>Standard Errors </a:t>
-            </a:r>
-            <a:endParaRPr lang="en-US" sz="3600" dirty="0">
-              <a:latin typeface="Times New Roman" panose="02020603050405020304" pitchFamily="18" charset="0"/>
-              <a:cs typeface="Times New Roman" panose="02020603050405020304" pitchFamily="18" charset="0"/>
-            </a:endParaRPr>
-          </a:p>
-        </p:txBody>
-      </p:sp>
-      <mc:AlternateContent xmlns:mc="http://schemas.openxmlformats.org/markup-compatibility/2006" xmlns:a14="http://schemas.microsoft.com/office/drawing/2010/main">
-        <mc:Choice Requires="a14">
-          <p:sp>
-            <p:nvSpPr>
-              <p:cNvPr id="3" name="Content Placeholder 2"/>
-              <p:cNvSpPr>
-                <a:spLocks noGrp="1"/>
-              </p:cNvSpPr>
-              <p:nvPr>
-                <p:ph idx="1"/>
-              </p:nvPr>
-            </p:nvSpPr>
-            <p:spPr>
-              <a:xfrm>
-                <a:off x="1219199" y="1066801"/>
-                <a:ext cx="9405791" cy="5141388"/>
-              </a:xfrm>
-            </p:spPr>
-            <p:txBody>
-              <a:bodyPr>
-                <a:normAutofit/>
-              </a:bodyPr>
-              <a:lstStyle/>
-              <a:p>
-                <a:r>
-                  <a:rPr lang="en-US" sz="2400" dirty="0">
-                    <a:cs typeface="Times New Roman" panose="02020603050405020304" pitchFamily="18" charset="0"/>
-                  </a:rPr>
-                  <a:t>Even after ensuring that the model is correctly specified, we need an idea of </a:t>
-                </a:r>
-                <a:r>
-                  <a:rPr lang="en-US" sz="2400" b="1" dirty="0">
-                    <a:solidFill>
-                      <a:schemeClr val="accent2">
-                        <a:lumMod val="75000"/>
-                      </a:schemeClr>
-                    </a:solidFill>
-                    <a:cs typeface="Times New Roman" panose="02020603050405020304" pitchFamily="18" charset="0"/>
-                  </a:rPr>
-                  <a:t>how precise </a:t>
-                </a:r>
-                <a:r>
-                  <a:rPr lang="en-US" sz="2400" dirty="0">
-                    <a:cs typeface="Times New Roman" panose="02020603050405020304" pitchFamily="18" charset="0"/>
-                  </a:rPr>
-                  <a:t>our estimates are</a:t>
-                </a:r>
-              </a:p>
-              <a:p>
-                <a:r>
-                  <a:rPr lang="en-US" sz="2400" dirty="0">
-                    <a:solidFill>
-                      <a:schemeClr val="tx1"/>
-                    </a:solidFill>
-                    <a:cs typeface="Times New Roman" panose="02020603050405020304" pitchFamily="18" charset="0"/>
-                  </a:rPr>
-                  <a:t>Recall that </a:t>
-                </a:r>
-                <a14:m>
-                  <m:oMath xmlns:m="http://schemas.openxmlformats.org/officeDocument/2006/math">
-                    <m:r>
-                      <a:rPr lang="en-US" sz="2400" b="0" i="1" smtClean="0">
-                        <a:solidFill>
-                          <a:schemeClr val="tx1"/>
-                        </a:solidFill>
-                        <a:latin typeface="Cambria Math" panose="02040503050406030204" pitchFamily="18" charset="0"/>
-                        <a:cs typeface="Times New Roman" panose="02020603050405020304" pitchFamily="18" charset="0"/>
-                      </a:rPr>
-                      <m:t>𝑠𝑒</m:t>
-                    </m:r>
-                    <m:r>
-                      <a:rPr lang="en-US" sz="2400" b="0" i="1" smtClean="0">
-                        <a:solidFill>
-                          <a:schemeClr val="tx1"/>
-                        </a:solidFill>
-                        <a:latin typeface="Cambria Math" panose="02040503050406030204" pitchFamily="18" charset="0"/>
-                        <a:cs typeface="Times New Roman" panose="02020603050405020304" pitchFamily="18" charset="0"/>
-                      </a:rPr>
-                      <m:t>(</m:t>
-                    </m:r>
-                    <m:acc>
-                      <m:accPr>
-                        <m:chr m:val="̂"/>
-                        <m:ctrlPr>
-                          <a:rPr lang="en-US" sz="2400" b="0" i="1" smtClean="0">
-                            <a:solidFill>
-                              <a:schemeClr val="tx1"/>
-                            </a:solidFill>
-                            <a:latin typeface="Cambria Math" panose="02040503050406030204" pitchFamily="18" charset="0"/>
-                            <a:cs typeface="Times New Roman" panose="02020603050405020304" pitchFamily="18" charset="0"/>
-                          </a:rPr>
-                        </m:ctrlPr>
-                      </m:accPr>
-                      <m:e>
-                        <m:sSub>
-                          <m:sSubPr>
-                            <m:ctrlPr>
-                              <a:rPr lang="en-US" sz="2400" b="0" i="1" smtClean="0">
-                                <a:solidFill>
-                                  <a:schemeClr val="tx1"/>
-                                </a:solidFill>
-                                <a:latin typeface="Cambria Math" panose="02040503050406030204" pitchFamily="18" charset="0"/>
-                                <a:cs typeface="Times New Roman" panose="02020603050405020304" pitchFamily="18" charset="0"/>
-                              </a:rPr>
-                            </m:ctrlPr>
-                          </m:sSubPr>
-                          <m:e>
-                            <m:r>
-                              <a:rPr lang="en-US" sz="2400" b="0" i="1" smtClean="0">
-                                <a:solidFill>
-                                  <a:schemeClr val="tx1"/>
-                                </a:solidFill>
-                                <a:latin typeface="Cambria Math" panose="02040503050406030204" pitchFamily="18" charset="0"/>
-                                <a:cs typeface="Times New Roman" panose="02020603050405020304" pitchFamily="18" charset="0"/>
-                              </a:rPr>
-                              <m:t>𝛽</m:t>
-                            </m:r>
-                          </m:e>
-                          <m:sub>
-                            <m:r>
-                              <a:rPr lang="en-US" sz="2400" b="0" i="1" smtClean="0">
-                                <a:solidFill>
-                                  <a:schemeClr val="tx1"/>
-                                </a:solidFill>
-                                <a:latin typeface="Cambria Math" panose="02040503050406030204" pitchFamily="18" charset="0"/>
-                                <a:cs typeface="Times New Roman" panose="02020603050405020304" pitchFamily="18" charset="0"/>
-                              </a:rPr>
-                              <m:t>1</m:t>
-                            </m:r>
-                          </m:sub>
-                        </m:sSub>
-                      </m:e>
-                    </m:acc>
-                    <m:r>
-                      <a:rPr lang="en-US" sz="2400" b="0" i="1" smtClean="0">
-                        <a:solidFill>
-                          <a:schemeClr val="tx1"/>
-                        </a:solidFill>
-                        <a:latin typeface="Cambria Math" panose="02040503050406030204" pitchFamily="18" charset="0"/>
-                        <a:cs typeface="Times New Roman" panose="02020603050405020304" pitchFamily="18" charset="0"/>
-                      </a:rPr>
-                      <m:t>)</m:t>
-                    </m:r>
-                  </m:oMath>
-                </a14:m>
-                <a:r>
-                  <a:rPr lang="en-US" sz="2400" dirty="0">
-                    <a:solidFill>
-                      <a:schemeClr val="tx1"/>
-                    </a:solidFill>
-                    <a:cs typeface="Times New Roman" panose="02020603050405020304" pitchFamily="18" charset="0"/>
-                  </a:rPr>
-                  <a:t> tells us something </a:t>
-                </a:r>
-                <a:r>
-                  <a:rPr lang="en-US" sz="2400" dirty="0">
-                    <a:cs typeface="Times New Roman" panose="02020603050405020304" pitchFamily="18" charset="0"/>
-                  </a:rPr>
-                  <a:t>about sampling distribution:</a:t>
-                </a:r>
-              </a:p>
-              <a:p>
-                <a:pPr lvl="1"/>
-                <a:r>
-                  <a:rPr lang="en-US" sz="2400" dirty="0">
-                    <a:cs typeface="Times New Roman" panose="02020603050405020304" pitchFamily="18" charset="0"/>
-                  </a:rPr>
-                  <a:t>Range of plausible estimates, </a:t>
-                </a:r>
-              </a:p>
-              <a:p>
-                <a:pPr lvl="1"/>
-                <a:r>
-                  <a:rPr lang="en-US" sz="2400" dirty="0">
-                    <a:cs typeface="Times New Roman" panose="02020603050405020304" pitchFamily="18" charset="0"/>
-                  </a:rPr>
-                  <a:t>Confidence intervals, </a:t>
-                </a:r>
-              </a:p>
-              <a:p>
-                <a:pPr lvl="1"/>
-                <a:r>
-                  <a:rPr lang="en-US" sz="2400" dirty="0">
-                    <a:cs typeface="Times New Roman" panose="02020603050405020304" pitchFamily="18" charset="0"/>
-                  </a:rPr>
-                  <a:t>Statistical significance</a:t>
-                </a:r>
-              </a:p>
-              <a:p>
-                <a:pPr lvl="1"/>
-                <a:r>
-                  <a:rPr lang="en-US" sz="2400" dirty="0">
-                    <a:cs typeface="Times New Roman" panose="02020603050405020304" pitchFamily="18" charset="0"/>
-                  </a:rPr>
-                  <a:t>Eliminating certain DGPs</a:t>
-                </a:r>
-                <a:endParaRPr lang="en-US" sz="2400" dirty="0">
-                  <a:solidFill>
-                    <a:schemeClr val="accent2">
-                      <a:lumMod val="75000"/>
-                    </a:schemeClr>
-                  </a:solidFill>
-                  <a:cs typeface="Times New Roman" panose="02020603050405020304" pitchFamily="18" charset="0"/>
-                </a:endParaRPr>
-              </a:p>
-            </p:txBody>
-          </p:sp>
-        </mc:Choice>
-        <mc:Fallback xmlns="">
-          <p:sp>
-            <p:nvSpPr>
-              <p:cNvPr id="3" name="Content Placeholder 2"/>
-              <p:cNvSpPr>
-                <a:spLocks noGrp="1" noRot="1" noChangeAspect="1" noMove="1" noResize="1" noEditPoints="1" noAdjustHandles="1" noChangeArrowheads="1" noChangeShapeType="1" noTextEdit="1"/>
-              </p:cNvSpPr>
-              <p:nvPr>
-                <p:ph idx="1"/>
-              </p:nvPr>
-            </p:nvSpPr>
-            <p:spPr>
-              <a:xfrm>
-                <a:off x="1219199" y="1066801"/>
-                <a:ext cx="9405791" cy="5141388"/>
-              </a:xfrm>
-              <a:blipFill>
-                <a:blip r:embed="rId2"/>
-                <a:stretch>
-                  <a:fillRect l="-454" t="-1305" r="-1491"/>
-                </a:stretch>
-              </a:blipFill>
-            </p:spPr>
-            <p:txBody>
-              <a:bodyPr/>
-              <a:lstStyle/>
-              <a:p>
-                <a:r>
-                  <a:rPr lang="en-US">
-                    <a:noFill/>
-                  </a:rPr>
-                  <a:t> </a:t>
-                </a:r>
-              </a:p>
-            </p:txBody>
-          </p:sp>
-        </mc:Fallback>
-      </mc:AlternateContent>
-    </p:spTree>
-    <p:extLst>
-      <p:ext uri="{BB962C8B-B14F-4D97-AF65-F5344CB8AC3E}">
-        <p14:creationId xmlns:p14="http://schemas.microsoft.com/office/powerpoint/2010/main" val="1438862503"/>
       </p:ext>
     </p:extLst>
   </p:cSld>
@@ -25163,6 +25183,99 @@
             <a:spLocks noGrp="1"/>
           </p:cNvSpPr>
           <p:nvPr>
+            <p:ph type="ctrTitle"/>
+          </p:nvPr>
+        </p:nvSpPr>
+        <p:spPr>
+          <a:xfrm>
+            <a:off x="1261872" y="758952"/>
+            <a:ext cx="10625328" cy="4041648"/>
+          </a:xfrm>
+        </p:spPr>
+        <p:txBody>
+          <a:bodyPr>
+            <a:normAutofit/>
+          </a:bodyPr>
+          <a:lstStyle/>
+          <a:p>
+            <a:r>
+              <a:rPr lang="en-US" sz="5400" dirty="0">
+                <a:latin typeface="Times New Roman" panose="02020603050405020304" pitchFamily="18" charset="0"/>
+                <a:cs typeface="Times New Roman" panose="02020603050405020304" pitchFamily="18" charset="0"/>
+              </a:rPr>
+              <a:t>Getting the “Right” Standard Errors</a:t>
+            </a:r>
+          </a:p>
+        </p:txBody>
+      </p:sp>
+      <p:sp>
+        <p:nvSpPr>
+          <p:cNvPr id="3" name="Content Placeholder 2"/>
+          <p:cNvSpPr>
+            <a:spLocks noGrp="1"/>
+          </p:cNvSpPr>
+          <p:nvPr>
+            <p:ph type="subTitle" idx="1"/>
+          </p:nvPr>
+        </p:nvSpPr>
+        <p:spPr/>
+        <p:txBody>
+          <a:bodyPr>
+            <a:normAutofit/>
+          </a:bodyPr>
+          <a:lstStyle/>
+          <a:p>
+            <a:pPr marL="274320" lvl="1" indent="0">
+              <a:buNone/>
+            </a:pPr>
+            <a:endParaRPr lang="en-CA" sz="2000" dirty="0">
+              <a:solidFill>
+                <a:schemeClr val="tx1"/>
+              </a:solidFill>
+              <a:latin typeface="Open Sans"/>
+              <a:ea typeface="Open Sans" panose="020B0606030504020204" pitchFamily="34" charset="0"/>
+              <a:cs typeface="Open Sans" panose="020B0606030504020204" pitchFamily="34" charset="0"/>
+            </a:endParaRPr>
+          </a:p>
+        </p:txBody>
+      </p:sp>
+    </p:spTree>
+    <p:extLst>
+      <p:ext uri="{BB962C8B-B14F-4D97-AF65-F5344CB8AC3E}">
+        <p14:creationId xmlns:p14="http://schemas.microsoft.com/office/powerpoint/2010/main" val="818739658"/>
+      </p:ext>
+    </p:extLst>
+  </p:cSld>
+  <p:clrMapOvr>
+    <a:masterClrMapping/>
+  </p:clrMapOvr>
+</p:sld>
+</file>
+
+<file path=ppt/slides/slide41.xml><?xml version="1.0" encoding="utf-8"?>
+<p:sld xmlns:a="http://schemas.openxmlformats.org/drawingml/2006/main" xmlns:r="http://schemas.openxmlformats.org/officeDocument/2006/relationships" xmlns:p="http://schemas.openxmlformats.org/presentationml/2006/main">
+  <p:cSld>
+    <p:spTree>
+      <p:nvGrpSpPr>
+        <p:cNvPr id="1" name=""/>
+        <p:cNvGrpSpPr/>
+        <p:nvPr/>
+      </p:nvGrpSpPr>
+      <p:grpSpPr>
+        <a:xfrm>
+          <a:off x="0" y="0"/>
+          <a:ext cx="0" cy="0"/>
+          <a:chOff x="0" y="0"/>
+          <a:chExt cx="0" cy="0"/>
+        </a:xfrm>
+      </p:grpSpPr>
+      <p:sp>
+        <p:nvSpPr>
+          <p:cNvPr id="2" name="Title 1"/>
+          <p:cNvSpPr>
+            <a:spLocks noGrp="1"/>
+          </p:cNvSpPr>
+          <p:nvPr>
             <p:ph type="title"/>
           </p:nvPr>
         </p:nvSpPr>
@@ -25387,6 +25500,317 @@
                   </a:rPr>
                   <a:t>Eliminating certain DGPs</a:t>
                 </a:r>
+                <a:endParaRPr lang="en-US" sz="2400" dirty="0">
+                  <a:solidFill>
+                    <a:schemeClr val="accent2">
+                      <a:lumMod val="75000"/>
+                    </a:schemeClr>
+                  </a:solidFill>
+                  <a:cs typeface="Times New Roman" panose="02020603050405020304" pitchFamily="18" charset="0"/>
+                </a:endParaRPr>
+              </a:p>
+            </p:txBody>
+          </p:sp>
+        </mc:Choice>
+        <mc:Fallback xmlns="">
+          <p:sp>
+            <p:nvSpPr>
+              <p:cNvPr id="3" name="Content Placeholder 2"/>
+              <p:cNvSpPr>
+                <a:spLocks noGrp="1" noRot="1" noChangeAspect="1" noMove="1" noResize="1" noEditPoints="1" noAdjustHandles="1" noChangeArrowheads="1" noChangeShapeType="1" noTextEdit="1"/>
+              </p:cNvSpPr>
+              <p:nvPr>
+                <p:ph idx="1"/>
+              </p:nvPr>
+            </p:nvSpPr>
+            <p:spPr>
+              <a:xfrm>
+                <a:off x="1219199" y="1066801"/>
+                <a:ext cx="9405791" cy="5141388"/>
+              </a:xfrm>
+              <a:blipFill>
+                <a:blip r:embed="rId2"/>
+                <a:stretch>
+                  <a:fillRect l="-454" t="-1305" r="-1491"/>
+                </a:stretch>
+              </a:blipFill>
+            </p:spPr>
+            <p:txBody>
+              <a:bodyPr/>
+              <a:lstStyle/>
+              <a:p>
+                <a:r>
+                  <a:rPr lang="en-US">
+                    <a:noFill/>
+                  </a:rPr>
+                  <a:t> </a:t>
+                </a:r>
+              </a:p>
+            </p:txBody>
+          </p:sp>
+        </mc:Fallback>
+      </mc:AlternateContent>
+    </p:spTree>
+    <p:extLst>
+      <p:ext uri="{BB962C8B-B14F-4D97-AF65-F5344CB8AC3E}">
+        <p14:creationId xmlns:p14="http://schemas.microsoft.com/office/powerpoint/2010/main" val="1438862503"/>
+      </p:ext>
+    </p:extLst>
+  </p:cSld>
+  <p:clrMapOvr>
+    <a:masterClrMapping/>
+  </p:clrMapOvr>
+</p:sld>
+</file>
+
+<file path=ppt/slides/slide42.xml><?xml version="1.0" encoding="utf-8"?>
+<p:sld xmlns:a="http://schemas.openxmlformats.org/drawingml/2006/main" xmlns:r="http://schemas.openxmlformats.org/officeDocument/2006/relationships" xmlns:p="http://schemas.openxmlformats.org/presentationml/2006/main">
+  <p:cSld>
+    <p:spTree>
+      <p:nvGrpSpPr>
+        <p:cNvPr id="1" name=""/>
+        <p:cNvGrpSpPr/>
+        <p:nvPr/>
+      </p:nvGrpSpPr>
+      <p:grpSpPr>
+        <a:xfrm>
+          <a:off x="0" y="0"/>
+          <a:ext cx="0" cy="0"/>
+          <a:chOff x="0" y="0"/>
+          <a:chExt cx="0" cy="0"/>
+        </a:xfrm>
+      </p:grpSpPr>
+      <p:sp>
+        <p:nvSpPr>
+          <p:cNvPr id="2" name="Title 1"/>
+          <p:cNvSpPr>
+            <a:spLocks noGrp="1"/>
+          </p:cNvSpPr>
+          <p:nvPr>
+            <p:ph type="title"/>
+          </p:nvPr>
+        </p:nvSpPr>
+        <p:spPr>
+          <a:xfrm>
+            <a:off x="609600" y="337392"/>
+            <a:ext cx="10439400" cy="624840"/>
+          </a:xfrm>
+        </p:spPr>
+        <p:txBody>
+          <a:bodyPr>
+            <a:noAutofit/>
+          </a:bodyPr>
+          <a:lstStyle/>
+          <a:p>
+            <a:r>
+              <a:rPr lang="en-US" sz="3600" dirty="0">
+                <a:cs typeface="Times New Roman" panose="02020603050405020304" pitchFamily="18" charset="0"/>
+              </a:rPr>
+              <a:t>Standard Errors </a:t>
+            </a:r>
+            <a:endParaRPr lang="en-US" sz="3600" dirty="0">
+              <a:latin typeface="Times New Roman" panose="02020603050405020304" pitchFamily="18" charset="0"/>
+              <a:cs typeface="Times New Roman" panose="02020603050405020304" pitchFamily="18" charset="0"/>
+            </a:endParaRPr>
+          </a:p>
+        </p:txBody>
+      </p:sp>
+      <mc:AlternateContent xmlns:mc="http://schemas.openxmlformats.org/markup-compatibility/2006" xmlns:a14="http://schemas.microsoft.com/office/drawing/2010/main">
+        <mc:Choice Requires="a14">
+          <p:sp>
+            <p:nvSpPr>
+              <p:cNvPr id="3" name="Content Placeholder 2"/>
+              <p:cNvSpPr>
+                <a:spLocks noGrp="1"/>
+              </p:cNvSpPr>
+              <p:nvPr>
+                <p:ph idx="1"/>
+              </p:nvPr>
+            </p:nvSpPr>
+            <p:spPr>
+              <a:xfrm>
+                <a:off x="1219199" y="1066801"/>
+                <a:ext cx="9405791" cy="5141388"/>
+              </a:xfrm>
+            </p:spPr>
+            <p:txBody>
+              <a:bodyPr>
+                <a:normAutofit/>
+              </a:bodyPr>
+              <a:lstStyle/>
+              <a:p>
+                <a:r>
+                  <a:rPr lang="en-US" sz="2400" dirty="0">
+                    <a:cs typeface="Times New Roman" panose="02020603050405020304" pitchFamily="18" charset="0"/>
+                  </a:rPr>
+                  <a:t>Even after ensuring that the model is correctly specified, we need an idea of </a:t>
+                </a:r>
+                <a:r>
+                  <a:rPr lang="en-US" sz="2400" b="1" dirty="0">
+                    <a:solidFill>
+                      <a:schemeClr val="accent2">
+                        <a:lumMod val="75000"/>
+                      </a:schemeClr>
+                    </a:solidFill>
+                    <a:cs typeface="Times New Roman" panose="02020603050405020304" pitchFamily="18" charset="0"/>
+                  </a:rPr>
+                  <a:t>how precise </a:t>
+                </a:r>
+                <a:r>
+                  <a:rPr lang="en-US" sz="2400" dirty="0">
+                    <a:cs typeface="Times New Roman" panose="02020603050405020304" pitchFamily="18" charset="0"/>
+                  </a:rPr>
+                  <a:t>our estimates are</a:t>
+                </a:r>
+              </a:p>
+              <a:p>
+                <a:r>
+                  <a:rPr lang="en-US" sz="2400" dirty="0">
+                    <a:solidFill>
+                      <a:schemeClr val="tx1"/>
+                    </a:solidFill>
+                    <a:cs typeface="Times New Roman" panose="02020603050405020304" pitchFamily="18" charset="0"/>
+                  </a:rPr>
+                  <a:t>Recall that </a:t>
+                </a:r>
+                <a14:m>
+                  <m:oMath xmlns:m="http://schemas.openxmlformats.org/officeDocument/2006/math">
+                    <m:r>
+                      <a:rPr lang="en-US" sz="2400" b="0" i="1" smtClean="0">
+                        <a:solidFill>
+                          <a:schemeClr val="tx1"/>
+                        </a:solidFill>
+                        <a:latin typeface="Cambria Math" panose="02040503050406030204" pitchFamily="18" charset="0"/>
+                        <a:cs typeface="Times New Roman" panose="02020603050405020304" pitchFamily="18" charset="0"/>
+                      </a:rPr>
+                      <m:t>𝑠𝑒</m:t>
+                    </m:r>
+                    <m:r>
+                      <a:rPr lang="en-US" sz="2400" b="0" i="1" smtClean="0">
+                        <a:solidFill>
+                          <a:schemeClr val="tx1"/>
+                        </a:solidFill>
+                        <a:latin typeface="Cambria Math" panose="02040503050406030204" pitchFamily="18" charset="0"/>
+                        <a:cs typeface="Times New Roman" panose="02020603050405020304" pitchFamily="18" charset="0"/>
+                      </a:rPr>
+                      <m:t>(</m:t>
+                    </m:r>
+                    <m:acc>
+                      <m:accPr>
+                        <m:chr m:val="̂"/>
+                        <m:ctrlPr>
+                          <a:rPr lang="en-US" sz="2400" b="0" i="1" smtClean="0">
+                            <a:solidFill>
+                              <a:schemeClr val="tx1"/>
+                            </a:solidFill>
+                            <a:latin typeface="Cambria Math" panose="02040503050406030204" pitchFamily="18" charset="0"/>
+                            <a:cs typeface="Times New Roman" panose="02020603050405020304" pitchFamily="18" charset="0"/>
+                          </a:rPr>
+                        </m:ctrlPr>
+                      </m:accPr>
+                      <m:e>
+                        <m:sSub>
+                          <m:sSubPr>
+                            <m:ctrlPr>
+                              <a:rPr lang="en-US" sz="2400" b="0" i="1" smtClean="0">
+                                <a:solidFill>
+                                  <a:schemeClr val="tx1"/>
+                                </a:solidFill>
+                                <a:latin typeface="Cambria Math" panose="02040503050406030204" pitchFamily="18" charset="0"/>
+                                <a:cs typeface="Times New Roman" panose="02020603050405020304" pitchFamily="18" charset="0"/>
+                              </a:rPr>
+                            </m:ctrlPr>
+                          </m:sSubPr>
+                          <m:e>
+                            <m:r>
+                              <a:rPr lang="en-US" sz="2400" b="0" i="1" smtClean="0">
+                                <a:solidFill>
+                                  <a:schemeClr val="tx1"/>
+                                </a:solidFill>
+                                <a:latin typeface="Cambria Math" panose="02040503050406030204" pitchFamily="18" charset="0"/>
+                                <a:cs typeface="Times New Roman" panose="02020603050405020304" pitchFamily="18" charset="0"/>
+                              </a:rPr>
+                              <m:t>𝛽</m:t>
+                            </m:r>
+                          </m:e>
+                          <m:sub>
+                            <m:r>
+                              <a:rPr lang="en-US" sz="2400" b="0" i="1" smtClean="0">
+                                <a:solidFill>
+                                  <a:schemeClr val="tx1"/>
+                                </a:solidFill>
+                                <a:latin typeface="Cambria Math" panose="02040503050406030204" pitchFamily="18" charset="0"/>
+                                <a:cs typeface="Times New Roman" panose="02020603050405020304" pitchFamily="18" charset="0"/>
+                              </a:rPr>
+                              <m:t>1</m:t>
+                            </m:r>
+                          </m:sub>
+                        </m:sSub>
+                      </m:e>
+                    </m:acc>
+                    <m:r>
+                      <a:rPr lang="en-US" sz="2400" b="0" i="1" smtClean="0">
+                        <a:solidFill>
+                          <a:schemeClr val="tx1"/>
+                        </a:solidFill>
+                        <a:latin typeface="Cambria Math" panose="02040503050406030204" pitchFamily="18" charset="0"/>
+                        <a:cs typeface="Times New Roman" panose="02020603050405020304" pitchFamily="18" charset="0"/>
+                      </a:rPr>
+                      <m:t>)</m:t>
+                    </m:r>
+                  </m:oMath>
+                </a14:m>
+                <a:r>
+                  <a:rPr lang="en-US" sz="2400" dirty="0">
+                    <a:solidFill>
+                      <a:schemeClr val="tx1"/>
+                    </a:solidFill>
+                    <a:cs typeface="Times New Roman" panose="02020603050405020304" pitchFamily="18" charset="0"/>
+                  </a:rPr>
+                  <a:t> tells us something </a:t>
+                </a:r>
+                <a:r>
+                  <a:rPr lang="en-US" sz="2400" dirty="0">
+                    <a:cs typeface="Times New Roman" panose="02020603050405020304" pitchFamily="18" charset="0"/>
+                  </a:rPr>
+                  <a:t>about sampling distribution:</a:t>
+                </a:r>
+              </a:p>
+              <a:p>
+                <a:pPr lvl="1"/>
+                <a:r>
+                  <a:rPr lang="en-US" sz="2400" dirty="0">
+                    <a:cs typeface="Times New Roman" panose="02020603050405020304" pitchFamily="18" charset="0"/>
+                  </a:rPr>
+                  <a:t>Range of plausible estimates, </a:t>
+                </a:r>
+              </a:p>
+              <a:p>
+                <a:pPr lvl="1"/>
+                <a:r>
+                  <a:rPr lang="en-US" sz="2400" dirty="0">
+                    <a:cs typeface="Times New Roman" panose="02020603050405020304" pitchFamily="18" charset="0"/>
+                  </a:rPr>
+                  <a:t>Confidence intervals, </a:t>
+                </a:r>
+              </a:p>
+              <a:p>
+                <a:pPr lvl="1"/>
+                <a:r>
+                  <a:rPr lang="en-US" sz="2400" dirty="0">
+                    <a:cs typeface="Times New Roman" panose="02020603050405020304" pitchFamily="18" charset="0"/>
+                  </a:rPr>
+                  <a:t>Statistical significance</a:t>
+                </a:r>
+              </a:p>
+              <a:p>
+                <a:pPr lvl="1"/>
+                <a:r>
+                  <a:rPr lang="en-US" sz="2400" dirty="0">
+                    <a:cs typeface="Times New Roman" panose="02020603050405020304" pitchFamily="18" charset="0"/>
+                  </a:rPr>
+                  <a:t>Eliminating certain DGPs</a:t>
+                </a:r>
               </a:p>
               <a:p>
                 <a:r>
@@ -25674,7 +26098,7 @@
 </p:sld>
 </file>
 
-<file path=ppt/slides/slide41.xml><?xml version="1.0" encoding="utf-8"?>
+<file path=ppt/slides/slide43.xml><?xml version="1.0" encoding="utf-8"?>
 <p:sld xmlns:a="http://schemas.openxmlformats.org/drawingml/2006/main" xmlns:r="http://schemas.openxmlformats.org/officeDocument/2006/relationships" xmlns:p="http://schemas.openxmlformats.org/presentationml/2006/main">
   <p:cSld>
     <p:spTree>
@@ -25836,7 +26260,7 @@
 </p:sld>
 </file>
 
-<file path=ppt/slides/slide42.xml><?xml version="1.0" encoding="utf-8"?>
+<file path=ppt/slides/slide44.xml><?xml version="1.0" encoding="utf-8"?>
 <p:sld xmlns:a="http://schemas.openxmlformats.org/drawingml/2006/main" xmlns:r="http://schemas.openxmlformats.org/officeDocument/2006/relationships" xmlns:p="http://schemas.openxmlformats.org/presentationml/2006/main">
   <p:cSld>
     <p:spTree>
@@ -26050,7 +26474,7 @@
 </p:sld>
 </file>
 
-<file path=ppt/slides/slide43.xml><?xml version="1.0" encoding="utf-8"?>
+<file path=ppt/slides/slide45.xml><?xml version="1.0" encoding="utf-8"?>
 <p:sld xmlns:a="http://schemas.openxmlformats.org/drawingml/2006/main" xmlns:r="http://schemas.openxmlformats.org/officeDocument/2006/relationships" xmlns:p="http://schemas.openxmlformats.org/presentationml/2006/main">
   <p:cSld>
     <p:spTree>
@@ -26592,7 +27016,7 @@
 </p:sld>
 </file>
 
-<file path=ppt/slides/slide44.xml><?xml version="1.0" encoding="utf-8"?>
+<file path=ppt/slides/slide46.xml><?xml version="1.0" encoding="utf-8"?>
 <p:sld xmlns:a="http://schemas.openxmlformats.org/drawingml/2006/main" xmlns:r="http://schemas.openxmlformats.org/officeDocument/2006/relationships" xmlns:p="http://schemas.openxmlformats.org/presentationml/2006/main">
   <p:cSld>
     <p:spTree>
@@ -27274,7 +27698,7 @@
 </p:sld>
 </file>
 
-<file path=ppt/slides/slide45.xml><?xml version="1.0" encoding="utf-8"?>
+<file path=ppt/slides/slide47.xml><?xml version="1.0" encoding="utf-8"?>
 <p:sld xmlns:a="http://schemas.openxmlformats.org/drawingml/2006/main" xmlns:r="http://schemas.openxmlformats.org/officeDocument/2006/relationships" xmlns:p="http://schemas.openxmlformats.org/presentationml/2006/main">
   <p:cSld>
     <p:spTree>
@@ -28102,7 +28526,7 @@
 </p:sld>
 </file>
 
-<file path=ppt/slides/slide46.xml><?xml version="1.0" encoding="utf-8"?>
+<file path=ppt/slides/slide48.xml><?xml version="1.0" encoding="utf-8"?>
 <p:sld xmlns:a="http://schemas.openxmlformats.org/drawingml/2006/main" xmlns:r="http://schemas.openxmlformats.org/officeDocument/2006/relationships" xmlns:p="http://schemas.openxmlformats.org/presentationml/2006/main">
   <p:cSld>
     <p:spTree>
@@ -28999,7 +29423,7 @@
 </p:sld>
 </file>
 
-<file path=ppt/slides/slide47.xml><?xml version="1.0" encoding="utf-8"?>
+<file path=ppt/slides/slide49.xml><?xml version="1.0" encoding="utf-8"?>
 <p:sld xmlns:a="http://schemas.openxmlformats.org/drawingml/2006/main" xmlns:r="http://schemas.openxmlformats.org/officeDocument/2006/relationships" xmlns:p="http://schemas.openxmlformats.org/presentationml/2006/main">
   <p:cSld>
     <p:spTree>
@@ -29141,650 +29565,6 @@
     <p:extLst>
       <p:ext uri="{BB962C8B-B14F-4D97-AF65-F5344CB8AC3E}">
         <p14:creationId xmlns:p14="http://schemas.microsoft.com/office/powerpoint/2010/main" val="3242835079"/>
-      </p:ext>
-    </p:extLst>
-  </p:cSld>
-  <p:clrMapOvr>
-    <a:masterClrMapping/>
-  </p:clrMapOvr>
-</p:sld>
-</file>
-
-<file path=ppt/slides/slide48.xml><?xml version="1.0" encoding="utf-8"?>
-<p:sld xmlns:a="http://schemas.openxmlformats.org/drawingml/2006/main" xmlns:r="http://schemas.openxmlformats.org/officeDocument/2006/relationships" xmlns:p="http://schemas.openxmlformats.org/presentationml/2006/main">
-  <p:cSld>
-    <p:spTree>
-      <p:nvGrpSpPr>
-        <p:cNvPr id="1" name=""/>
-        <p:cNvGrpSpPr/>
-        <p:nvPr/>
-      </p:nvGrpSpPr>
-      <p:grpSpPr>
-        <a:xfrm>
-          <a:off x="0" y="0"/>
-          <a:ext cx="0" cy="0"/>
-          <a:chOff x="0" y="0"/>
-          <a:chExt cx="0" cy="0"/>
-        </a:xfrm>
-      </p:grpSpPr>
-      <p:sp>
-        <p:nvSpPr>
-          <p:cNvPr id="2" name="Title 1"/>
-          <p:cNvSpPr>
-            <a:spLocks noGrp="1"/>
-          </p:cNvSpPr>
-          <p:nvPr>
-            <p:ph type="title"/>
-          </p:nvPr>
-        </p:nvSpPr>
-        <p:spPr>
-          <a:xfrm>
-            <a:off x="609600" y="337392"/>
-            <a:ext cx="10439400" cy="624840"/>
-          </a:xfrm>
-        </p:spPr>
-        <p:txBody>
-          <a:bodyPr>
-            <a:noAutofit/>
-          </a:bodyPr>
-          <a:lstStyle/>
-          <a:p>
-            <a:r>
-              <a:rPr lang="en-US" sz="3600" dirty="0">
-                <a:cs typeface="Times New Roman" panose="02020603050405020304" pitchFamily="18" charset="0"/>
-              </a:rPr>
-              <a:t>Clustered Standard Errors</a:t>
-            </a:r>
-            <a:endParaRPr lang="en-US" sz="3600" dirty="0">
-              <a:latin typeface="Times New Roman" panose="02020603050405020304" pitchFamily="18" charset="0"/>
-              <a:cs typeface="Times New Roman" panose="02020603050405020304" pitchFamily="18" charset="0"/>
-            </a:endParaRPr>
-          </a:p>
-        </p:txBody>
-      </p:sp>
-      <mc:AlternateContent xmlns:mc="http://schemas.openxmlformats.org/markup-compatibility/2006" xmlns:a14="http://schemas.microsoft.com/office/drawing/2010/main">
-        <mc:Choice Requires="a14">
-          <p:sp>
-            <p:nvSpPr>
-              <p:cNvPr id="3" name="Content Placeholder 2"/>
-              <p:cNvSpPr>
-                <a:spLocks noGrp="1"/>
-              </p:cNvSpPr>
-              <p:nvPr>
-                <p:ph idx="1"/>
-              </p:nvPr>
-            </p:nvSpPr>
-            <p:spPr>
-              <a:xfrm>
-                <a:off x="1143000" y="1066800"/>
-                <a:ext cx="9982201" cy="5141388"/>
-              </a:xfrm>
-            </p:spPr>
-            <p:txBody>
-              <a:bodyPr>
-                <a:noAutofit/>
-              </a:bodyPr>
-              <a:lstStyle/>
-              <a:p>
-                <a:r>
-                  <a:rPr lang="en-US" sz="2400" dirty="0">
-                    <a:cs typeface="Times New Roman" panose="02020603050405020304" pitchFamily="18" charset="0"/>
-                  </a:rPr>
-                  <a:t>Errors might be correlated in a </a:t>
-                </a:r>
-                <a:r>
-                  <a:rPr lang="en-US" sz="2400" b="1" dirty="0">
-                    <a:solidFill>
-                      <a:schemeClr val="accent2">
-                        <a:lumMod val="75000"/>
-                      </a:schemeClr>
-                    </a:solidFill>
-                    <a:cs typeface="Times New Roman" panose="02020603050405020304" pitchFamily="18" charset="0"/>
-                  </a:rPr>
-                  <a:t>hierarchical structure</a:t>
-                </a:r>
-              </a:p>
-              <a:p>
-                <a:pPr lvl="1"/>
-                <a:r>
-                  <a:rPr lang="en-US" sz="2400" dirty="0">
-                    <a:solidFill>
-                      <a:schemeClr val="tx1"/>
-                    </a:solidFill>
-                    <a:cs typeface="Times New Roman" panose="02020603050405020304" pitchFamily="18" charset="0"/>
-                  </a:rPr>
-                  <a:t>Example: effect of a health intervention across villages in rural area?</a:t>
-                </a:r>
-              </a:p>
-              <a:p>
-                <a:pPr lvl="1"/>
-                <a:r>
-                  <a:rPr lang="en-US" sz="2400" dirty="0">
-                    <a:solidFill>
-                      <a:schemeClr val="tx1"/>
-                    </a:solidFill>
-                    <a:cs typeface="Times New Roman" panose="02020603050405020304" pitchFamily="18" charset="0"/>
-                  </a:rPr>
-                  <a:t>Different village structures mean people in same village have similar “shocks”</a:t>
-                </a:r>
-              </a:p>
-              <a:p>
-                <a:pPr lvl="1"/>
-                <a:r>
-                  <a:rPr lang="en-US" sz="2400" dirty="0">
-                    <a:solidFill>
-                      <a:schemeClr val="tx1"/>
-                    </a:solidFill>
-                    <a:cs typeface="Times New Roman" panose="02020603050405020304" pitchFamily="18" charset="0"/>
-                  </a:rPr>
-                  <a:t>Errors might be correlated within villages</a:t>
-                </a:r>
-              </a:p>
-              <a:p>
-                <a:r>
-                  <a:rPr lang="en-US" sz="2400" dirty="0">
-                    <a:cs typeface="Times New Roman" panose="02020603050405020304" pitchFamily="18" charset="0"/>
-                  </a:rPr>
-                  <a:t>There is a </a:t>
-                </a:r>
-                <a:r>
-                  <a:rPr lang="en-US" sz="2400" b="1" dirty="0">
-                    <a:solidFill>
-                      <a:schemeClr val="accent2">
-                        <a:lumMod val="75000"/>
-                      </a:schemeClr>
-                    </a:solidFill>
-                    <a:cs typeface="Times New Roman" panose="02020603050405020304" pitchFamily="18" charset="0"/>
-                  </a:rPr>
-                  <a:t>sandwich estimator </a:t>
-                </a:r>
-                <a:r>
-                  <a:rPr lang="en-US" sz="2400" dirty="0">
-                    <a:cs typeface="Times New Roman" panose="02020603050405020304" pitchFamily="18" charset="0"/>
-                  </a:rPr>
-                  <a:t>that lets </a:t>
-                </a:r>
-                <a14:m>
-                  <m:oMath xmlns:m="http://schemas.openxmlformats.org/officeDocument/2006/math">
-                    <m:r>
-                      <a:rPr lang="en-US" sz="2400" b="0" i="1" smtClean="0">
-                        <a:latin typeface="Cambria Math" panose="02040503050406030204" pitchFamily="18" charset="0"/>
-                        <a:cs typeface="Times New Roman" panose="02020603050405020304" pitchFamily="18" charset="0"/>
-                      </a:rPr>
-                      <m:t>𝑋</m:t>
-                    </m:r>
-                  </m:oMath>
-                </a14:m>
-                <a:r>
-                  <a:rPr lang="en-US" sz="2400" dirty="0">
-                    <a:solidFill>
-                      <a:schemeClr val="tx1"/>
-                    </a:solidFill>
-                    <a:cs typeface="Times New Roman" panose="02020603050405020304" pitchFamily="18" charset="0"/>
-                  </a:rPr>
-                  <a:t> interact with other </a:t>
-                </a:r>
-                <a14:m>
-                  <m:oMath xmlns:m="http://schemas.openxmlformats.org/officeDocument/2006/math">
-                    <m:r>
-                      <a:rPr lang="en-US" sz="2400" b="0" i="1" smtClean="0">
-                        <a:solidFill>
-                          <a:schemeClr val="tx1"/>
-                        </a:solidFill>
-                        <a:latin typeface="Cambria Math" panose="02040503050406030204" pitchFamily="18" charset="0"/>
-                        <a:cs typeface="Times New Roman" panose="02020603050405020304" pitchFamily="18" charset="0"/>
-                      </a:rPr>
-                      <m:t>𝑋𝑠</m:t>
-                    </m:r>
-                  </m:oMath>
-                </a14:m>
-                <a:r>
-                  <a:rPr lang="en-US" sz="2400" dirty="0">
-                    <a:solidFill>
-                      <a:schemeClr val="tx1"/>
-                    </a:solidFill>
-                    <a:cs typeface="Times New Roman" panose="02020603050405020304" pitchFamily="18" charset="0"/>
-                  </a:rPr>
-                  <a:t> </a:t>
-                </a:r>
-                <a:r>
-                  <a:rPr lang="en-US" sz="2400" b="1" dirty="0">
-                    <a:solidFill>
-                      <a:schemeClr val="tx1"/>
-                    </a:solidFill>
-                    <a:cs typeface="Times New Roman" panose="02020603050405020304" pitchFamily="18" charset="0"/>
-                  </a:rPr>
-                  <a:t>in the same group</a:t>
-                </a:r>
-              </a:p>
-              <a:p>
-                <a:pPr lvl="1"/>
-                <a:r>
-                  <a:rPr lang="en-US" sz="2400" dirty="0">
-                    <a:solidFill>
-                      <a:schemeClr val="tx1"/>
-                    </a:solidFill>
-                    <a:cs typeface="Times New Roman" panose="02020603050405020304" pitchFamily="18" charset="0"/>
-                  </a:rPr>
-                  <a:t>Flexibly handles clustered standard errors!</a:t>
-                </a:r>
-              </a:p>
-              <a:p>
-                <a:pPr lvl="1"/>
-                <a:r>
-                  <a:rPr lang="en-US" sz="2400" dirty="0">
-                    <a:solidFill>
-                      <a:schemeClr val="tx1"/>
-                    </a:solidFill>
-                    <a:cs typeface="Times New Roman" panose="02020603050405020304" pitchFamily="18" charset="0"/>
-                  </a:rPr>
-                  <a:t>But need to be careful how you choose the clusters</a:t>
-                </a:r>
-              </a:p>
-              <a:p>
-                <a:pPr lvl="1"/>
-                <a:r>
-                  <a:rPr lang="en-US" sz="2400" dirty="0">
-                    <a:solidFill>
-                      <a:schemeClr val="tx1"/>
-                    </a:solidFill>
-                    <a:cs typeface="Times New Roman" panose="02020603050405020304" pitchFamily="18" charset="0"/>
-                  </a:rPr>
-                  <a:t>Good rule to remember: </a:t>
-                </a:r>
-                <a:r>
-                  <a:rPr lang="en-US" sz="2400" b="1" dirty="0">
-                    <a:solidFill>
-                      <a:schemeClr val="accent2">
-                        <a:lumMod val="75000"/>
-                      </a:schemeClr>
-                    </a:solidFill>
-                    <a:cs typeface="Times New Roman" panose="02020603050405020304" pitchFamily="18" charset="0"/>
-                  </a:rPr>
-                  <a:t>cluster at the level of the treatment</a:t>
-                </a:r>
-                <a:endParaRPr lang="en-US" sz="2400" dirty="0">
-                  <a:solidFill>
-                    <a:schemeClr val="accent2">
-                      <a:lumMod val="75000"/>
-                    </a:schemeClr>
-                  </a:solidFill>
-                  <a:cs typeface="Times New Roman" panose="02020603050405020304" pitchFamily="18" charset="0"/>
-                </a:endParaRPr>
-              </a:p>
-              <a:p>
-                <a:pPr marL="0" indent="0">
-                  <a:buNone/>
-                </a:pPr>
-                <a:endParaRPr lang="en-US" sz="2400" dirty="0">
-                  <a:cs typeface="Times New Roman" panose="02020603050405020304" pitchFamily="18" charset="0"/>
-                </a:endParaRPr>
-              </a:p>
-            </p:txBody>
-          </p:sp>
-        </mc:Choice>
-        <mc:Fallback xmlns="">
-          <p:sp>
-            <p:nvSpPr>
-              <p:cNvPr id="3" name="Content Placeholder 2"/>
-              <p:cNvSpPr>
-                <a:spLocks noGrp="1" noRot="1" noChangeAspect="1" noMove="1" noResize="1" noEditPoints="1" noAdjustHandles="1" noChangeArrowheads="1" noChangeShapeType="1" noTextEdit="1"/>
-              </p:cNvSpPr>
-              <p:nvPr>
-                <p:ph idx="1"/>
-              </p:nvPr>
-            </p:nvSpPr>
-            <p:spPr>
-              <a:xfrm>
-                <a:off x="1143000" y="1066800"/>
-                <a:ext cx="9982201" cy="5141388"/>
-              </a:xfrm>
-              <a:blipFill>
-                <a:blip r:embed="rId2"/>
-                <a:stretch>
-                  <a:fillRect l="-489" t="-1305" r="-428"/>
-                </a:stretch>
-              </a:blipFill>
-            </p:spPr>
-            <p:txBody>
-              <a:bodyPr/>
-              <a:lstStyle/>
-              <a:p>
-                <a:r>
-                  <a:rPr lang="en-US">
-                    <a:noFill/>
-                  </a:rPr>
-                  <a:t> </a:t>
-                </a:r>
-              </a:p>
-            </p:txBody>
-          </p:sp>
-        </mc:Fallback>
-      </mc:AlternateContent>
-      <p:pic>
-        <p:nvPicPr>
-          <p:cNvPr id="4" name="Picture 2" descr="RStudio - RStudio">
-            <a:extLst>
-              <a:ext uri="{FF2B5EF4-FFF2-40B4-BE49-F238E27FC236}">
-                <a16:creationId xmlns:a16="http://schemas.microsoft.com/office/drawing/2014/main" id="{0C030185-65C0-8CA5-54AB-69B2C3DD3C7D}"/>
-              </a:ext>
-            </a:extLst>
-          </p:cNvPr>
-          <p:cNvPicPr>
-            <a:picLocks noChangeAspect="1" noChangeArrowheads="1"/>
-          </p:cNvPicPr>
-          <p:nvPr/>
-        </p:nvPicPr>
-        <p:blipFill>
-          <a:blip r:embed="rId3">
-            <a:extLst>
-              <a:ext uri="{28A0092B-C50C-407E-A947-70E740481C1C}">
-                <a14:useLocalDpi xmlns:a14="http://schemas.microsoft.com/office/drawing/2010/main" val="0"/>
-              </a:ext>
-            </a:extLst>
-          </a:blip>
-          <a:srcRect/>
-          <a:stretch>
-            <a:fillRect/>
-          </a:stretch>
-        </p:blipFill>
-        <p:spPr bwMode="auto">
-          <a:xfrm>
-            <a:off x="9527629" y="5209968"/>
-            <a:ext cx="1371600" cy="1371600"/>
-          </a:xfrm>
-          <a:prstGeom prst="rect">
-            <a:avLst/>
-          </a:prstGeom>
-          <a:noFill/>
-          <a:extLst>
-            <a:ext uri="{909E8E84-426E-40DD-AFC4-6F175D3DCCD1}">
-              <a14:hiddenFill xmlns:a14="http://schemas.microsoft.com/office/drawing/2010/main">
-                <a:solidFill>
-                  <a:srgbClr val="FFFFFF"/>
-                </a:solidFill>
-              </a14:hiddenFill>
-            </a:ext>
-          </a:extLst>
-        </p:spPr>
-      </p:pic>
-    </p:spTree>
-    <p:extLst>
-      <p:ext uri="{BB962C8B-B14F-4D97-AF65-F5344CB8AC3E}">
-        <p14:creationId xmlns:p14="http://schemas.microsoft.com/office/powerpoint/2010/main" val="3100364421"/>
-      </p:ext>
-    </p:extLst>
-  </p:cSld>
-  <p:clrMapOvr>
-    <a:masterClrMapping/>
-  </p:clrMapOvr>
-</p:sld>
-</file>
-
-<file path=ppt/slides/slide49.xml><?xml version="1.0" encoding="utf-8"?>
-<p:sld xmlns:a="http://schemas.openxmlformats.org/drawingml/2006/main" xmlns:r="http://schemas.openxmlformats.org/officeDocument/2006/relationships" xmlns:p="http://schemas.openxmlformats.org/presentationml/2006/main">
-  <p:cSld>
-    <p:spTree>
-      <p:nvGrpSpPr>
-        <p:cNvPr id="1" name=""/>
-        <p:cNvGrpSpPr/>
-        <p:nvPr/>
-      </p:nvGrpSpPr>
-      <p:grpSpPr>
-        <a:xfrm>
-          <a:off x="0" y="0"/>
-          <a:ext cx="0" cy="0"/>
-          <a:chOff x="0" y="0"/>
-          <a:chExt cx="0" cy="0"/>
-        </a:xfrm>
-      </p:grpSpPr>
-      <p:sp>
-        <p:nvSpPr>
-          <p:cNvPr id="2" name="Title 1"/>
-          <p:cNvSpPr>
-            <a:spLocks noGrp="1"/>
-          </p:cNvSpPr>
-          <p:nvPr>
-            <p:ph type="title"/>
-          </p:nvPr>
-        </p:nvSpPr>
-        <p:spPr>
-          <a:xfrm>
-            <a:off x="609600" y="337392"/>
-            <a:ext cx="10439400" cy="624840"/>
-          </a:xfrm>
-        </p:spPr>
-        <p:txBody>
-          <a:bodyPr>
-            <a:noAutofit/>
-          </a:bodyPr>
-          <a:lstStyle/>
-          <a:p>
-            <a:r>
-              <a:rPr lang="en-US" sz="3600" dirty="0">
-                <a:cs typeface="Times New Roman" panose="02020603050405020304" pitchFamily="18" charset="0"/>
-              </a:rPr>
-              <a:t>Bootstrapped Standard Errors</a:t>
-            </a:r>
-            <a:endParaRPr lang="en-US" sz="3600" dirty="0">
-              <a:latin typeface="Times New Roman" panose="02020603050405020304" pitchFamily="18" charset="0"/>
-              <a:cs typeface="Times New Roman" panose="02020603050405020304" pitchFamily="18" charset="0"/>
-            </a:endParaRPr>
-          </a:p>
-        </p:txBody>
-      </p:sp>
-      <mc:AlternateContent xmlns:mc="http://schemas.openxmlformats.org/markup-compatibility/2006" xmlns:a14="http://schemas.microsoft.com/office/drawing/2010/main">
-        <mc:Choice Requires="a14">
-          <p:sp>
-            <p:nvSpPr>
-              <p:cNvPr id="3" name="Content Placeholder 2"/>
-              <p:cNvSpPr>
-                <a:spLocks noGrp="1"/>
-              </p:cNvSpPr>
-              <p:nvPr>
-                <p:ph idx="1"/>
-              </p:nvPr>
-            </p:nvSpPr>
-            <p:spPr>
-              <a:xfrm>
-                <a:off x="990600" y="954612"/>
-                <a:ext cx="9982201" cy="5141388"/>
-              </a:xfrm>
-            </p:spPr>
-            <p:txBody>
-              <a:bodyPr>
-                <a:noAutofit/>
-              </a:bodyPr>
-              <a:lstStyle/>
-              <a:p>
-                <a:pPr marL="0" indent="0">
-                  <a:buNone/>
-                </a:pPr>
-                <a:r>
-                  <a:rPr lang="en-US" sz="2400" b="1" dirty="0">
-                    <a:solidFill>
-                      <a:schemeClr val="accent2">
-                        <a:lumMod val="75000"/>
-                      </a:schemeClr>
-                    </a:solidFill>
-                    <a:cs typeface="Times New Roman" panose="02020603050405020304" pitchFamily="18" charset="0"/>
-                  </a:rPr>
-                  <a:t>One of the most powerful tools in statistics!</a:t>
-                </a:r>
-              </a:p>
-              <a:p>
-                <a:r>
-                  <a:rPr lang="en-US" sz="2400" dirty="0">
-                    <a:cs typeface="Times New Roman" panose="02020603050405020304" pitchFamily="18" charset="0"/>
-                  </a:rPr>
-                  <a:t>If we want to learn something about the sampling distribution, why not just take a bunch of samples and see how our estimates vary?</a:t>
-                </a:r>
-              </a:p>
-              <a:p>
-                <a:r>
-                  <a:rPr lang="en-US" sz="2400" dirty="0">
-                    <a:cs typeface="Times New Roman" panose="02020603050405020304" pitchFamily="18" charset="0"/>
-                  </a:rPr>
-                  <a:t>These are very useful for estimating </a:t>
-                </a:r>
-                <a14:m>
-                  <m:oMath xmlns:m="http://schemas.openxmlformats.org/officeDocument/2006/math">
-                    <m:r>
-                      <a:rPr lang="en-US" sz="2400" b="0" i="1" smtClean="0">
-                        <a:latin typeface="Cambria Math" panose="02040503050406030204" pitchFamily="18" charset="0"/>
-                        <a:cs typeface="Times New Roman" panose="02020603050405020304" pitchFamily="18" charset="0"/>
-                      </a:rPr>
-                      <m:t>𝑠𝑒</m:t>
-                    </m:r>
-                    <m:r>
-                      <a:rPr lang="en-US" sz="2400" b="0" i="1" smtClean="0">
-                        <a:latin typeface="Cambria Math" panose="02040503050406030204" pitchFamily="18" charset="0"/>
-                        <a:cs typeface="Times New Roman" panose="02020603050405020304" pitchFamily="18" charset="0"/>
-                      </a:rPr>
-                      <m:t>(</m:t>
-                    </m:r>
-                    <m:acc>
-                      <m:accPr>
-                        <m:chr m:val="̂"/>
-                        <m:ctrlPr>
-                          <a:rPr lang="en-US" sz="2400" b="0" i="1" smtClean="0">
-                            <a:latin typeface="Cambria Math" panose="02040503050406030204" pitchFamily="18" charset="0"/>
-                            <a:cs typeface="Times New Roman" panose="02020603050405020304" pitchFamily="18" charset="0"/>
-                          </a:rPr>
-                        </m:ctrlPr>
-                      </m:accPr>
-                      <m:e>
-                        <m:sSub>
-                          <m:sSubPr>
-                            <m:ctrlPr>
-                              <a:rPr lang="en-US" sz="2400" b="0" i="1" smtClean="0">
-                                <a:latin typeface="Cambria Math" panose="02040503050406030204" pitchFamily="18" charset="0"/>
-                                <a:cs typeface="Times New Roman" panose="02020603050405020304" pitchFamily="18" charset="0"/>
-                              </a:rPr>
-                            </m:ctrlPr>
-                          </m:sSubPr>
-                          <m:e>
-                            <m:r>
-                              <a:rPr lang="en-US" sz="2400" b="0" i="1" smtClean="0">
-                                <a:latin typeface="Cambria Math" panose="02040503050406030204" pitchFamily="18" charset="0"/>
-                                <a:cs typeface="Times New Roman" panose="02020603050405020304" pitchFamily="18" charset="0"/>
-                              </a:rPr>
-                              <m:t>𝛽</m:t>
-                            </m:r>
-                          </m:e>
-                          <m:sub>
-                            <m:r>
-                              <a:rPr lang="en-US" sz="2400" b="0" i="1" smtClean="0">
-                                <a:latin typeface="Cambria Math" panose="02040503050406030204" pitchFamily="18" charset="0"/>
-                                <a:cs typeface="Times New Roman" panose="02020603050405020304" pitchFamily="18" charset="0"/>
-                              </a:rPr>
-                              <m:t>1</m:t>
-                            </m:r>
-                          </m:sub>
-                        </m:sSub>
-                      </m:e>
-                    </m:acc>
-                    <m:r>
-                      <a:rPr lang="en-US" sz="2400" b="0" i="1" smtClean="0">
-                        <a:latin typeface="Cambria Math" panose="02040503050406030204" pitchFamily="18" charset="0"/>
-                        <a:cs typeface="Times New Roman" panose="02020603050405020304" pitchFamily="18" charset="0"/>
-                      </a:rPr>
-                      <m:t>)</m:t>
-                    </m:r>
-                  </m:oMath>
-                </a14:m>
-                <a:r>
-                  <a:rPr lang="en-US" sz="2400" dirty="0">
-                    <a:cs typeface="Times New Roman" panose="02020603050405020304" pitchFamily="18" charset="0"/>
-                  </a:rPr>
-                  <a:t> in unusual cases!</a:t>
-                </a:r>
-              </a:p>
-              <a:p>
-                <a:pPr marL="0" indent="0">
-                  <a:buNone/>
-                </a:pPr>
-                <a:endParaRPr lang="en-US" sz="2400" dirty="0">
-                  <a:cs typeface="Times New Roman" panose="02020603050405020304" pitchFamily="18" charset="0"/>
-                </a:endParaRPr>
-              </a:p>
-              <a:p>
-                <a:pPr marL="0" indent="0">
-                  <a:buNone/>
-                </a:pPr>
-                <a:r>
-                  <a:rPr lang="en-US" sz="2400" b="1" dirty="0">
-                    <a:cs typeface="Times New Roman" panose="02020603050405020304" pitchFamily="18" charset="0"/>
-                  </a:rPr>
-                  <a:t>A couple caveats</a:t>
-                </a:r>
-              </a:p>
-              <a:p>
-                <a:r>
-                  <a:rPr lang="en-US" sz="2400" dirty="0">
-                    <a:cs typeface="Times New Roman" panose="02020603050405020304" pitchFamily="18" charset="0"/>
-                  </a:rPr>
-                  <a:t>Needs large sample sizes to work well</a:t>
-                </a:r>
-              </a:p>
-              <a:p>
-                <a:r>
-                  <a:rPr lang="en-US" sz="2400" dirty="0">
-                    <a:cs typeface="Times New Roman" panose="02020603050405020304" pitchFamily="18" charset="0"/>
-                  </a:rPr>
-                  <a:t>Can’t completely handle autocorrelation</a:t>
-                </a:r>
-              </a:p>
-              <a:p>
-                <a:endParaRPr lang="en-US" sz="2400" dirty="0">
-                  <a:cs typeface="Times New Roman" panose="02020603050405020304" pitchFamily="18" charset="0"/>
-                </a:endParaRPr>
-              </a:p>
-            </p:txBody>
-          </p:sp>
-        </mc:Choice>
-        <mc:Fallback xmlns="">
-          <p:sp>
-            <p:nvSpPr>
-              <p:cNvPr id="3" name="Content Placeholder 2"/>
-              <p:cNvSpPr>
-                <a:spLocks noGrp="1" noRot="1" noChangeAspect="1" noMove="1" noResize="1" noEditPoints="1" noAdjustHandles="1" noChangeArrowheads="1" noChangeShapeType="1" noTextEdit="1"/>
-              </p:cNvSpPr>
-              <p:nvPr>
-                <p:ph idx="1"/>
-              </p:nvPr>
-            </p:nvSpPr>
-            <p:spPr>
-              <a:xfrm>
-                <a:off x="990600" y="954612"/>
-                <a:ext cx="9982201" cy="5141388"/>
-              </a:xfrm>
-              <a:blipFill>
-                <a:blip r:embed="rId2"/>
-                <a:stretch>
-                  <a:fillRect l="-977" t="-1305"/>
-                </a:stretch>
-              </a:blipFill>
-            </p:spPr>
-            <p:txBody>
-              <a:bodyPr/>
-              <a:lstStyle/>
-              <a:p>
-                <a:r>
-                  <a:rPr lang="en-US">
-                    <a:noFill/>
-                  </a:rPr>
-                  <a:t> </a:t>
-                </a:r>
-              </a:p>
-            </p:txBody>
-          </p:sp>
-        </mc:Fallback>
-      </mc:AlternateContent>
-    </p:spTree>
-    <p:extLst>
-      <p:ext uri="{BB962C8B-B14F-4D97-AF65-F5344CB8AC3E}">
-        <p14:creationId xmlns:p14="http://schemas.microsoft.com/office/powerpoint/2010/main" val="57847987"/>
       </p:ext>
     </p:extLst>
   </p:cSld>
@@ -30441,6 +30221,650 @@
               <a:rPr lang="en-US" sz="3600" dirty="0">
                 <a:cs typeface="Times New Roman" panose="02020603050405020304" pitchFamily="18" charset="0"/>
               </a:rPr>
+              <a:t>Clustered Standard Errors</a:t>
+            </a:r>
+            <a:endParaRPr lang="en-US" sz="3600" dirty="0">
+              <a:latin typeface="Times New Roman" panose="02020603050405020304" pitchFamily="18" charset="0"/>
+              <a:cs typeface="Times New Roman" panose="02020603050405020304" pitchFamily="18" charset="0"/>
+            </a:endParaRPr>
+          </a:p>
+        </p:txBody>
+      </p:sp>
+      <mc:AlternateContent xmlns:mc="http://schemas.openxmlformats.org/markup-compatibility/2006" xmlns:a14="http://schemas.microsoft.com/office/drawing/2010/main">
+        <mc:Choice Requires="a14">
+          <p:sp>
+            <p:nvSpPr>
+              <p:cNvPr id="3" name="Content Placeholder 2"/>
+              <p:cNvSpPr>
+                <a:spLocks noGrp="1"/>
+              </p:cNvSpPr>
+              <p:nvPr>
+                <p:ph idx="1"/>
+              </p:nvPr>
+            </p:nvSpPr>
+            <p:spPr>
+              <a:xfrm>
+                <a:off x="1143000" y="1066800"/>
+                <a:ext cx="9982201" cy="5141388"/>
+              </a:xfrm>
+            </p:spPr>
+            <p:txBody>
+              <a:bodyPr>
+                <a:noAutofit/>
+              </a:bodyPr>
+              <a:lstStyle/>
+              <a:p>
+                <a:r>
+                  <a:rPr lang="en-US" sz="2400" dirty="0">
+                    <a:cs typeface="Times New Roman" panose="02020603050405020304" pitchFamily="18" charset="0"/>
+                  </a:rPr>
+                  <a:t>Errors might be correlated in a </a:t>
+                </a:r>
+                <a:r>
+                  <a:rPr lang="en-US" sz="2400" b="1" dirty="0">
+                    <a:solidFill>
+                      <a:schemeClr val="accent2">
+                        <a:lumMod val="75000"/>
+                      </a:schemeClr>
+                    </a:solidFill>
+                    <a:cs typeface="Times New Roman" panose="02020603050405020304" pitchFamily="18" charset="0"/>
+                  </a:rPr>
+                  <a:t>hierarchical structure</a:t>
+                </a:r>
+              </a:p>
+              <a:p>
+                <a:pPr lvl="1"/>
+                <a:r>
+                  <a:rPr lang="en-US" sz="2400" dirty="0">
+                    <a:solidFill>
+                      <a:schemeClr val="tx1"/>
+                    </a:solidFill>
+                    <a:cs typeface="Times New Roman" panose="02020603050405020304" pitchFamily="18" charset="0"/>
+                  </a:rPr>
+                  <a:t>Example: effect of a health intervention across villages in rural area?</a:t>
+                </a:r>
+              </a:p>
+              <a:p>
+                <a:pPr lvl="1"/>
+                <a:r>
+                  <a:rPr lang="en-US" sz="2400" dirty="0">
+                    <a:solidFill>
+                      <a:schemeClr val="tx1"/>
+                    </a:solidFill>
+                    <a:cs typeface="Times New Roman" panose="02020603050405020304" pitchFamily="18" charset="0"/>
+                  </a:rPr>
+                  <a:t>Different village structures mean people in same village have similar “shocks”</a:t>
+                </a:r>
+              </a:p>
+              <a:p>
+                <a:pPr lvl="1"/>
+                <a:r>
+                  <a:rPr lang="en-US" sz="2400" dirty="0">
+                    <a:solidFill>
+                      <a:schemeClr val="tx1"/>
+                    </a:solidFill>
+                    <a:cs typeface="Times New Roman" panose="02020603050405020304" pitchFamily="18" charset="0"/>
+                  </a:rPr>
+                  <a:t>Errors might be correlated within villages</a:t>
+                </a:r>
+              </a:p>
+              <a:p>
+                <a:r>
+                  <a:rPr lang="en-US" sz="2400" dirty="0">
+                    <a:cs typeface="Times New Roman" panose="02020603050405020304" pitchFamily="18" charset="0"/>
+                  </a:rPr>
+                  <a:t>There is a </a:t>
+                </a:r>
+                <a:r>
+                  <a:rPr lang="en-US" sz="2400" b="1" dirty="0">
+                    <a:solidFill>
+                      <a:schemeClr val="accent2">
+                        <a:lumMod val="75000"/>
+                      </a:schemeClr>
+                    </a:solidFill>
+                    <a:cs typeface="Times New Roman" panose="02020603050405020304" pitchFamily="18" charset="0"/>
+                  </a:rPr>
+                  <a:t>sandwich estimator </a:t>
+                </a:r>
+                <a:r>
+                  <a:rPr lang="en-US" sz="2400" dirty="0">
+                    <a:cs typeface="Times New Roman" panose="02020603050405020304" pitchFamily="18" charset="0"/>
+                  </a:rPr>
+                  <a:t>that lets </a:t>
+                </a:r>
+                <a14:m>
+                  <m:oMath xmlns:m="http://schemas.openxmlformats.org/officeDocument/2006/math">
+                    <m:r>
+                      <a:rPr lang="en-US" sz="2400" b="0" i="1" smtClean="0">
+                        <a:latin typeface="Cambria Math" panose="02040503050406030204" pitchFamily="18" charset="0"/>
+                        <a:cs typeface="Times New Roman" panose="02020603050405020304" pitchFamily="18" charset="0"/>
+                      </a:rPr>
+                      <m:t>𝑋</m:t>
+                    </m:r>
+                  </m:oMath>
+                </a14:m>
+                <a:r>
+                  <a:rPr lang="en-US" sz="2400" dirty="0">
+                    <a:solidFill>
+                      <a:schemeClr val="tx1"/>
+                    </a:solidFill>
+                    <a:cs typeface="Times New Roman" panose="02020603050405020304" pitchFamily="18" charset="0"/>
+                  </a:rPr>
+                  <a:t> interact with other </a:t>
+                </a:r>
+                <a14:m>
+                  <m:oMath xmlns:m="http://schemas.openxmlformats.org/officeDocument/2006/math">
+                    <m:r>
+                      <a:rPr lang="en-US" sz="2400" b="0" i="1" smtClean="0">
+                        <a:solidFill>
+                          <a:schemeClr val="tx1"/>
+                        </a:solidFill>
+                        <a:latin typeface="Cambria Math" panose="02040503050406030204" pitchFamily="18" charset="0"/>
+                        <a:cs typeface="Times New Roman" panose="02020603050405020304" pitchFamily="18" charset="0"/>
+                      </a:rPr>
+                      <m:t>𝑋𝑠</m:t>
+                    </m:r>
+                  </m:oMath>
+                </a14:m>
+                <a:r>
+                  <a:rPr lang="en-US" sz="2400" dirty="0">
+                    <a:solidFill>
+                      <a:schemeClr val="tx1"/>
+                    </a:solidFill>
+                    <a:cs typeface="Times New Roman" panose="02020603050405020304" pitchFamily="18" charset="0"/>
+                  </a:rPr>
+                  <a:t> </a:t>
+                </a:r>
+                <a:r>
+                  <a:rPr lang="en-US" sz="2400" b="1" dirty="0">
+                    <a:solidFill>
+                      <a:schemeClr val="tx1"/>
+                    </a:solidFill>
+                    <a:cs typeface="Times New Roman" panose="02020603050405020304" pitchFamily="18" charset="0"/>
+                  </a:rPr>
+                  <a:t>in the same group</a:t>
+                </a:r>
+              </a:p>
+              <a:p>
+                <a:pPr lvl="1"/>
+                <a:r>
+                  <a:rPr lang="en-US" sz="2400" dirty="0">
+                    <a:solidFill>
+                      <a:schemeClr val="tx1"/>
+                    </a:solidFill>
+                    <a:cs typeface="Times New Roman" panose="02020603050405020304" pitchFamily="18" charset="0"/>
+                  </a:rPr>
+                  <a:t>Flexibly handles clustered standard errors!</a:t>
+                </a:r>
+              </a:p>
+              <a:p>
+                <a:pPr lvl="1"/>
+                <a:r>
+                  <a:rPr lang="en-US" sz="2400" dirty="0">
+                    <a:solidFill>
+                      <a:schemeClr val="tx1"/>
+                    </a:solidFill>
+                    <a:cs typeface="Times New Roman" panose="02020603050405020304" pitchFamily="18" charset="0"/>
+                  </a:rPr>
+                  <a:t>But need to be careful how you choose the clusters</a:t>
+                </a:r>
+              </a:p>
+              <a:p>
+                <a:pPr lvl="1"/>
+                <a:r>
+                  <a:rPr lang="en-US" sz="2400" dirty="0">
+                    <a:solidFill>
+                      <a:schemeClr val="tx1"/>
+                    </a:solidFill>
+                    <a:cs typeface="Times New Roman" panose="02020603050405020304" pitchFamily="18" charset="0"/>
+                  </a:rPr>
+                  <a:t>Good rule to remember: </a:t>
+                </a:r>
+                <a:r>
+                  <a:rPr lang="en-US" sz="2400" b="1" dirty="0">
+                    <a:solidFill>
+                      <a:schemeClr val="accent2">
+                        <a:lumMod val="75000"/>
+                      </a:schemeClr>
+                    </a:solidFill>
+                    <a:cs typeface="Times New Roman" panose="02020603050405020304" pitchFamily="18" charset="0"/>
+                  </a:rPr>
+                  <a:t>cluster at the level of the treatment</a:t>
+                </a:r>
+                <a:endParaRPr lang="en-US" sz="2400" dirty="0">
+                  <a:solidFill>
+                    <a:schemeClr val="accent2">
+                      <a:lumMod val="75000"/>
+                    </a:schemeClr>
+                  </a:solidFill>
+                  <a:cs typeface="Times New Roman" panose="02020603050405020304" pitchFamily="18" charset="0"/>
+                </a:endParaRPr>
+              </a:p>
+              <a:p>
+                <a:pPr marL="0" indent="0">
+                  <a:buNone/>
+                </a:pPr>
+                <a:endParaRPr lang="en-US" sz="2400" dirty="0">
+                  <a:cs typeface="Times New Roman" panose="02020603050405020304" pitchFamily="18" charset="0"/>
+                </a:endParaRPr>
+              </a:p>
+            </p:txBody>
+          </p:sp>
+        </mc:Choice>
+        <mc:Fallback xmlns="">
+          <p:sp>
+            <p:nvSpPr>
+              <p:cNvPr id="3" name="Content Placeholder 2"/>
+              <p:cNvSpPr>
+                <a:spLocks noGrp="1" noRot="1" noChangeAspect="1" noMove="1" noResize="1" noEditPoints="1" noAdjustHandles="1" noChangeArrowheads="1" noChangeShapeType="1" noTextEdit="1"/>
+              </p:cNvSpPr>
+              <p:nvPr>
+                <p:ph idx="1"/>
+              </p:nvPr>
+            </p:nvSpPr>
+            <p:spPr>
+              <a:xfrm>
+                <a:off x="1143000" y="1066800"/>
+                <a:ext cx="9982201" cy="5141388"/>
+              </a:xfrm>
+              <a:blipFill>
+                <a:blip r:embed="rId2"/>
+                <a:stretch>
+                  <a:fillRect l="-489" t="-1305" r="-428"/>
+                </a:stretch>
+              </a:blipFill>
+            </p:spPr>
+            <p:txBody>
+              <a:bodyPr/>
+              <a:lstStyle/>
+              <a:p>
+                <a:r>
+                  <a:rPr lang="en-US">
+                    <a:noFill/>
+                  </a:rPr>
+                  <a:t> </a:t>
+                </a:r>
+              </a:p>
+            </p:txBody>
+          </p:sp>
+        </mc:Fallback>
+      </mc:AlternateContent>
+      <p:pic>
+        <p:nvPicPr>
+          <p:cNvPr id="4" name="Picture 2" descr="RStudio - RStudio">
+            <a:extLst>
+              <a:ext uri="{FF2B5EF4-FFF2-40B4-BE49-F238E27FC236}">
+                <a16:creationId xmlns:a16="http://schemas.microsoft.com/office/drawing/2014/main" id="{0C030185-65C0-8CA5-54AB-69B2C3DD3C7D}"/>
+              </a:ext>
+            </a:extLst>
+          </p:cNvPr>
+          <p:cNvPicPr>
+            <a:picLocks noChangeAspect="1" noChangeArrowheads="1"/>
+          </p:cNvPicPr>
+          <p:nvPr/>
+        </p:nvPicPr>
+        <p:blipFill>
+          <a:blip r:embed="rId3">
+            <a:extLst>
+              <a:ext uri="{28A0092B-C50C-407E-A947-70E740481C1C}">
+                <a14:useLocalDpi xmlns:a14="http://schemas.microsoft.com/office/drawing/2010/main" val="0"/>
+              </a:ext>
+            </a:extLst>
+          </a:blip>
+          <a:srcRect/>
+          <a:stretch>
+            <a:fillRect/>
+          </a:stretch>
+        </p:blipFill>
+        <p:spPr bwMode="auto">
+          <a:xfrm>
+            <a:off x="9527629" y="5209968"/>
+            <a:ext cx="1371600" cy="1371600"/>
+          </a:xfrm>
+          <a:prstGeom prst="rect">
+            <a:avLst/>
+          </a:prstGeom>
+          <a:noFill/>
+          <a:extLst>
+            <a:ext uri="{909E8E84-426E-40DD-AFC4-6F175D3DCCD1}">
+              <a14:hiddenFill xmlns:a14="http://schemas.microsoft.com/office/drawing/2010/main">
+                <a:solidFill>
+                  <a:srgbClr val="FFFFFF"/>
+                </a:solidFill>
+              </a14:hiddenFill>
+            </a:ext>
+          </a:extLst>
+        </p:spPr>
+      </p:pic>
+    </p:spTree>
+    <p:extLst>
+      <p:ext uri="{BB962C8B-B14F-4D97-AF65-F5344CB8AC3E}">
+        <p14:creationId xmlns:p14="http://schemas.microsoft.com/office/powerpoint/2010/main" val="3100364421"/>
+      </p:ext>
+    </p:extLst>
+  </p:cSld>
+  <p:clrMapOvr>
+    <a:masterClrMapping/>
+  </p:clrMapOvr>
+</p:sld>
+</file>
+
+<file path=ppt/slides/slide51.xml><?xml version="1.0" encoding="utf-8"?>
+<p:sld xmlns:a="http://schemas.openxmlformats.org/drawingml/2006/main" xmlns:r="http://schemas.openxmlformats.org/officeDocument/2006/relationships" xmlns:p="http://schemas.openxmlformats.org/presentationml/2006/main">
+  <p:cSld>
+    <p:spTree>
+      <p:nvGrpSpPr>
+        <p:cNvPr id="1" name=""/>
+        <p:cNvGrpSpPr/>
+        <p:nvPr/>
+      </p:nvGrpSpPr>
+      <p:grpSpPr>
+        <a:xfrm>
+          <a:off x="0" y="0"/>
+          <a:ext cx="0" cy="0"/>
+          <a:chOff x="0" y="0"/>
+          <a:chExt cx="0" cy="0"/>
+        </a:xfrm>
+      </p:grpSpPr>
+      <p:sp>
+        <p:nvSpPr>
+          <p:cNvPr id="2" name="Title 1"/>
+          <p:cNvSpPr>
+            <a:spLocks noGrp="1"/>
+          </p:cNvSpPr>
+          <p:nvPr>
+            <p:ph type="title"/>
+          </p:nvPr>
+        </p:nvSpPr>
+        <p:spPr>
+          <a:xfrm>
+            <a:off x="609600" y="337392"/>
+            <a:ext cx="10439400" cy="624840"/>
+          </a:xfrm>
+        </p:spPr>
+        <p:txBody>
+          <a:bodyPr>
+            <a:noAutofit/>
+          </a:bodyPr>
+          <a:lstStyle/>
+          <a:p>
+            <a:r>
+              <a:rPr lang="en-US" sz="3600" dirty="0">
+                <a:cs typeface="Times New Roman" panose="02020603050405020304" pitchFamily="18" charset="0"/>
+              </a:rPr>
+              <a:t>Bootstrapped Standard Errors</a:t>
+            </a:r>
+            <a:endParaRPr lang="en-US" sz="3600" dirty="0">
+              <a:latin typeface="Times New Roman" panose="02020603050405020304" pitchFamily="18" charset="0"/>
+              <a:cs typeface="Times New Roman" panose="02020603050405020304" pitchFamily="18" charset="0"/>
+            </a:endParaRPr>
+          </a:p>
+        </p:txBody>
+      </p:sp>
+      <mc:AlternateContent xmlns:mc="http://schemas.openxmlformats.org/markup-compatibility/2006" xmlns:a14="http://schemas.microsoft.com/office/drawing/2010/main">
+        <mc:Choice Requires="a14">
+          <p:sp>
+            <p:nvSpPr>
+              <p:cNvPr id="3" name="Content Placeholder 2"/>
+              <p:cNvSpPr>
+                <a:spLocks noGrp="1"/>
+              </p:cNvSpPr>
+              <p:nvPr>
+                <p:ph idx="1"/>
+              </p:nvPr>
+            </p:nvSpPr>
+            <p:spPr>
+              <a:xfrm>
+                <a:off x="990600" y="954612"/>
+                <a:ext cx="9982201" cy="5141388"/>
+              </a:xfrm>
+            </p:spPr>
+            <p:txBody>
+              <a:bodyPr>
+                <a:noAutofit/>
+              </a:bodyPr>
+              <a:lstStyle/>
+              <a:p>
+                <a:pPr marL="0" indent="0">
+                  <a:buNone/>
+                </a:pPr>
+                <a:r>
+                  <a:rPr lang="en-US" sz="2400" b="1" dirty="0">
+                    <a:solidFill>
+                      <a:schemeClr val="accent2">
+                        <a:lumMod val="75000"/>
+                      </a:schemeClr>
+                    </a:solidFill>
+                    <a:cs typeface="Times New Roman" panose="02020603050405020304" pitchFamily="18" charset="0"/>
+                  </a:rPr>
+                  <a:t>One of the most powerful tools in statistics!</a:t>
+                </a:r>
+              </a:p>
+              <a:p>
+                <a:r>
+                  <a:rPr lang="en-US" sz="2400" dirty="0">
+                    <a:cs typeface="Times New Roman" panose="02020603050405020304" pitchFamily="18" charset="0"/>
+                  </a:rPr>
+                  <a:t>If we want to learn something about the sampling distribution, why not just take a bunch of samples and see how our estimates vary?</a:t>
+                </a:r>
+              </a:p>
+              <a:p>
+                <a:r>
+                  <a:rPr lang="en-US" sz="2400" dirty="0">
+                    <a:cs typeface="Times New Roman" panose="02020603050405020304" pitchFamily="18" charset="0"/>
+                  </a:rPr>
+                  <a:t>These are very useful for estimating </a:t>
+                </a:r>
+                <a14:m>
+                  <m:oMath xmlns:m="http://schemas.openxmlformats.org/officeDocument/2006/math">
+                    <m:r>
+                      <a:rPr lang="en-US" sz="2400" b="0" i="1" smtClean="0">
+                        <a:latin typeface="Cambria Math" panose="02040503050406030204" pitchFamily="18" charset="0"/>
+                        <a:cs typeface="Times New Roman" panose="02020603050405020304" pitchFamily="18" charset="0"/>
+                      </a:rPr>
+                      <m:t>𝑠𝑒</m:t>
+                    </m:r>
+                    <m:r>
+                      <a:rPr lang="en-US" sz="2400" b="0" i="1" smtClean="0">
+                        <a:latin typeface="Cambria Math" panose="02040503050406030204" pitchFamily="18" charset="0"/>
+                        <a:cs typeface="Times New Roman" panose="02020603050405020304" pitchFamily="18" charset="0"/>
+                      </a:rPr>
+                      <m:t>(</m:t>
+                    </m:r>
+                    <m:acc>
+                      <m:accPr>
+                        <m:chr m:val="̂"/>
+                        <m:ctrlPr>
+                          <a:rPr lang="en-US" sz="2400" b="0" i="1" smtClean="0">
+                            <a:latin typeface="Cambria Math" panose="02040503050406030204" pitchFamily="18" charset="0"/>
+                            <a:cs typeface="Times New Roman" panose="02020603050405020304" pitchFamily="18" charset="0"/>
+                          </a:rPr>
+                        </m:ctrlPr>
+                      </m:accPr>
+                      <m:e>
+                        <m:sSub>
+                          <m:sSubPr>
+                            <m:ctrlPr>
+                              <a:rPr lang="en-US" sz="2400" b="0" i="1" smtClean="0">
+                                <a:latin typeface="Cambria Math" panose="02040503050406030204" pitchFamily="18" charset="0"/>
+                                <a:cs typeface="Times New Roman" panose="02020603050405020304" pitchFamily="18" charset="0"/>
+                              </a:rPr>
+                            </m:ctrlPr>
+                          </m:sSubPr>
+                          <m:e>
+                            <m:r>
+                              <a:rPr lang="en-US" sz="2400" b="0" i="1" smtClean="0">
+                                <a:latin typeface="Cambria Math" panose="02040503050406030204" pitchFamily="18" charset="0"/>
+                                <a:cs typeface="Times New Roman" panose="02020603050405020304" pitchFamily="18" charset="0"/>
+                              </a:rPr>
+                              <m:t>𝛽</m:t>
+                            </m:r>
+                          </m:e>
+                          <m:sub>
+                            <m:r>
+                              <a:rPr lang="en-US" sz="2400" b="0" i="1" smtClean="0">
+                                <a:latin typeface="Cambria Math" panose="02040503050406030204" pitchFamily="18" charset="0"/>
+                                <a:cs typeface="Times New Roman" panose="02020603050405020304" pitchFamily="18" charset="0"/>
+                              </a:rPr>
+                              <m:t>1</m:t>
+                            </m:r>
+                          </m:sub>
+                        </m:sSub>
+                      </m:e>
+                    </m:acc>
+                    <m:r>
+                      <a:rPr lang="en-US" sz="2400" b="0" i="1" smtClean="0">
+                        <a:latin typeface="Cambria Math" panose="02040503050406030204" pitchFamily="18" charset="0"/>
+                        <a:cs typeface="Times New Roman" panose="02020603050405020304" pitchFamily="18" charset="0"/>
+                      </a:rPr>
+                      <m:t>)</m:t>
+                    </m:r>
+                  </m:oMath>
+                </a14:m>
+                <a:r>
+                  <a:rPr lang="en-US" sz="2400" dirty="0">
+                    <a:cs typeface="Times New Roman" panose="02020603050405020304" pitchFamily="18" charset="0"/>
+                  </a:rPr>
+                  <a:t> in unusual cases!</a:t>
+                </a:r>
+              </a:p>
+              <a:p>
+                <a:pPr marL="0" indent="0">
+                  <a:buNone/>
+                </a:pPr>
+                <a:endParaRPr lang="en-US" sz="2400" dirty="0">
+                  <a:cs typeface="Times New Roman" panose="02020603050405020304" pitchFamily="18" charset="0"/>
+                </a:endParaRPr>
+              </a:p>
+              <a:p>
+                <a:pPr marL="0" indent="0">
+                  <a:buNone/>
+                </a:pPr>
+                <a:r>
+                  <a:rPr lang="en-US" sz="2400" b="1" dirty="0">
+                    <a:cs typeface="Times New Roman" panose="02020603050405020304" pitchFamily="18" charset="0"/>
+                  </a:rPr>
+                  <a:t>A couple caveats</a:t>
+                </a:r>
+              </a:p>
+              <a:p>
+                <a:r>
+                  <a:rPr lang="en-US" sz="2400" dirty="0">
+                    <a:cs typeface="Times New Roman" panose="02020603050405020304" pitchFamily="18" charset="0"/>
+                  </a:rPr>
+                  <a:t>Needs large sample sizes to work well</a:t>
+                </a:r>
+              </a:p>
+              <a:p>
+                <a:r>
+                  <a:rPr lang="en-US" sz="2400" dirty="0">
+                    <a:cs typeface="Times New Roman" panose="02020603050405020304" pitchFamily="18" charset="0"/>
+                  </a:rPr>
+                  <a:t>Can’t completely handle autocorrelation</a:t>
+                </a:r>
+              </a:p>
+              <a:p>
+                <a:endParaRPr lang="en-US" sz="2400" dirty="0">
+                  <a:cs typeface="Times New Roman" panose="02020603050405020304" pitchFamily="18" charset="0"/>
+                </a:endParaRPr>
+              </a:p>
+            </p:txBody>
+          </p:sp>
+        </mc:Choice>
+        <mc:Fallback xmlns="">
+          <p:sp>
+            <p:nvSpPr>
+              <p:cNvPr id="3" name="Content Placeholder 2"/>
+              <p:cNvSpPr>
+                <a:spLocks noGrp="1" noRot="1" noChangeAspect="1" noMove="1" noResize="1" noEditPoints="1" noAdjustHandles="1" noChangeArrowheads="1" noChangeShapeType="1" noTextEdit="1"/>
+              </p:cNvSpPr>
+              <p:nvPr>
+                <p:ph idx="1"/>
+              </p:nvPr>
+            </p:nvSpPr>
+            <p:spPr>
+              <a:xfrm>
+                <a:off x="990600" y="954612"/>
+                <a:ext cx="9982201" cy="5141388"/>
+              </a:xfrm>
+              <a:blipFill>
+                <a:blip r:embed="rId2"/>
+                <a:stretch>
+                  <a:fillRect l="-977" t="-1305"/>
+                </a:stretch>
+              </a:blipFill>
+            </p:spPr>
+            <p:txBody>
+              <a:bodyPr/>
+              <a:lstStyle/>
+              <a:p>
+                <a:r>
+                  <a:rPr lang="en-US">
+                    <a:noFill/>
+                  </a:rPr>
+                  <a:t> </a:t>
+                </a:r>
+              </a:p>
+            </p:txBody>
+          </p:sp>
+        </mc:Fallback>
+      </mc:AlternateContent>
+    </p:spTree>
+    <p:extLst>
+      <p:ext uri="{BB962C8B-B14F-4D97-AF65-F5344CB8AC3E}">
+        <p14:creationId xmlns:p14="http://schemas.microsoft.com/office/powerpoint/2010/main" val="57847987"/>
+      </p:ext>
+    </p:extLst>
+  </p:cSld>
+  <p:clrMapOvr>
+    <a:masterClrMapping/>
+  </p:clrMapOvr>
+</p:sld>
+</file>
+
+<file path=ppt/slides/slide52.xml><?xml version="1.0" encoding="utf-8"?>
+<p:sld xmlns:a="http://schemas.openxmlformats.org/drawingml/2006/main" xmlns:r="http://schemas.openxmlformats.org/officeDocument/2006/relationships" xmlns:p="http://schemas.openxmlformats.org/presentationml/2006/main">
+  <p:cSld>
+    <p:spTree>
+      <p:nvGrpSpPr>
+        <p:cNvPr id="1" name=""/>
+        <p:cNvGrpSpPr/>
+        <p:nvPr/>
+      </p:nvGrpSpPr>
+      <p:grpSpPr>
+        <a:xfrm>
+          <a:off x="0" y="0"/>
+          <a:ext cx="0" cy="0"/>
+          <a:chOff x="0" y="0"/>
+          <a:chExt cx="0" cy="0"/>
+        </a:xfrm>
+      </p:grpSpPr>
+      <p:sp>
+        <p:nvSpPr>
+          <p:cNvPr id="2" name="Title 1"/>
+          <p:cNvSpPr>
+            <a:spLocks noGrp="1"/>
+          </p:cNvSpPr>
+          <p:nvPr>
+            <p:ph type="title"/>
+          </p:nvPr>
+        </p:nvSpPr>
+        <p:spPr>
+          <a:xfrm>
+            <a:off x="609600" y="337392"/>
+            <a:ext cx="10439400" cy="624840"/>
+          </a:xfrm>
+        </p:spPr>
+        <p:txBody>
+          <a:bodyPr>
+            <a:noAutofit/>
+          </a:bodyPr>
+          <a:lstStyle/>
+          <a:p>
+            <a:r>
+              <a:rPr lang="en-US" sz="3600" dirty="0">
+                <a:cs typeface="Times New Roman" panose="02020603050405020304" pitchFamily="18" charset="0"/>
+              </a:rPr>
               <a:t>Bootstrapped Standard Errors</a:t>
             </a:r>
             <a:endParaRPr lang="en-US" sz="3600" dirty="0">
@@ -30633,7 +31057,7 @@
 </p:sld>
 </file>
 
-<file path=ppt/slides/slide51.xml><?xml version="1.0" encoding="utf-8"?>
+<file path=ppt/slides/slide53.xml><?xml version="1.0" encoding="utf-8"?>
 <p:sld xmlns:a="http://schemas.openxmlformats.org/drawingml/2006/main" xmlns:r="http://schemas.openxmlformats.org/officeDocument/2006/relationships" xmlns:p="http://schemas.openxmlformats.org/presentationml/2006/main">
   <p:cSld>
     <p:spTree>
@@ -30726,7 +31150,7 @@
 </p:sld>
 </file>
 
-<file path=ppt/slides/slide52.xml><?xml version="1.0" encoding="utf-8"?>
+<file path=ppt/slides/slide54.xml><?xml version="1.0" encoding="utf-8"?>
 <p:sld xmlns:a="http://schemas.openxmlformats.org/drawingml/2006/main" xmlns:r="http://schemas.openxmlformats.org/officeDocument/2006/relationships" xmlns:p="http://schemas.openxmlformats.org/presentationml/2006/main">
   <p:cSld>
     <p:spTree>
@@ -30920,7 +31344,7 @@
 </p:sld>
 </file>
 
-<file path=ppt/slides/slide53.xml><?xml version="1.0" encoding="utf-8"?>
+<file path=ppt/slides/slide55.xml><?xml version="1.0" encoding="utf-8"?>
 <p:sld xmlns:a="http://schemas.openxmlformats.org/drawingml/2006/main" xmlns:r="http://schemas.openxmlformats.org/officeDocument/2006/relationships" xmlns:p="http://schemas.openxmlformats.org/presentationml/2006/main">
   <p:cSld>
     <p:spTree>
@@ -31753,7 +32177,7 @@
 </p:sld>
 </file>
 
-<file path=ppt/slides/slide54.xml><?xml version="1.0" encoding="utf-8"?>
+<file path=ppt/slides/slide56.xml><?xml version="1.0" encoding="utf-8"?>
 <p:sld xmlns:a="http://schemas.openxmlformats.org/drawingml/2006/main" xmlns:r="http://schemas.openxmlformats.org/officeDocument/2006/relationships" xmlns:p="http://schemas.openxmlformats.org/presentationml/2006/main">
   <p:cSld>
     <p:spTree>
@@ -32717,7 +33141,7 @@
 </p:sld>
 </file>
 
-<file path=ppt/slides/slide55.xml><?xml version="1.0" encoding="utf-8"?>
+<file path=ppt/slides/slide57.xml><?xml version="1.0" encoding="utf-8"?>
 <p:sld xmlns:a="http://schemas.openxmlformats.org/drawingml/2006/main" xmlns:r="http://schemas.openxmlformats.org/officeDocument/2006/relationships" xmlns:p="http://schemas.openxmlformats.org/presentationml/2006/main">
   <p:cSld>
     <p:spTree>
@@ -33001,7 +33425,7 @@
 </p:sld>
 </file>
 
-<file path=ppt/slides/slide56.xml><?xml version="1.0" encoding="utf-8"?>
+<file path=ppt/slides/slide58.xml><?xml version="1.0" encoding="utf-8"?>
 <p:sld xmlns:a="http://schemas.openxmlformats.org/drawingml/2006/main" xmlns:r="http://schemas.openxmlformats.org/officeDocument/2006/relationships" xmlns:p="http://schemas.openxmlformats.org/presentationml/2006/main">
   <p:cSld>
     <p:spTree>
@@ -33368,7 +33792,7 @@
 </p:sld>
 </file>
 
-<file path=ppt/slides/slide57.xml><?xml version="1.0" encoding="utf-8"?>
+<file path=ppt/slides/slide59.xml><?xml version="1.0" encoding="utf-8"?>
 <p:sld xmlns:a="http://schemas.openxmlformats.org/drawingml/2006/main" xmlns:r="http://schemas.openxmlformats.org/officeDocument/2006/relationships" xmlns:p="http://schemas.openxmlformats.org/presentationml/2006/main">
   <p:cSld>
     <p:spTree>
@@ -33536,1072 +33960,6 @@
     <p:extLst>
       <p:ext uri="{BB962C8B-B14F-4D97-AF65-F5344CB8AC3E}">
         <p14:creationId xmlns:p14="http://schemas.microsoft.com/office/powerpoint/2010/main" val="1639601439"/>
-      </p:ext>
-    </p:extLst>
-  </p:cSld>
-  <p:clrMapOvr>
-    <a:masterClrMapping/>
-  </p:clrMapOvr>
-</p:sld>
-</file>
-
-<file path=ppt/slides/slide58.xml><?xml version="1.0" encoding="utf-8"?>
-<p:sld xmlns:a="http://schemas.openxmlformats.org/drawingml/2006/main" xmlns:r="http://schemas.openxmlformats.org/officeDocument/2006/relationships" xmlns:p="http://schemas.openxmlformats.org/presentationml/2006/main">
-  <p:cSld>
-    <p:spTree>
-      <p:nvGrpSpPr>
-        <p:cNvPr id="1" name=""/>
-        <p:cNvGrpSpPr/>
-        <p:nvPr/>
-      </p:nvGrpSpPr>
-      <p:grpSpPr>
-        <a:xfrm>
-          <a:off x="0" y="0"/>
-          <a:ext cx="0" cy="0"/>
-          <a:chOff x="0" y="0"/>
-          <a:chExt cx="0" cy="0"/>
-        </a:xfrm>
-      </p:grpSpPr>
-      <p:sp>
-        <p:nvSpPr>
-          <p:cNvPr id="2" name="Title 1"/>
-          <p:cNvSpPr>
-            <a:spLocks noGrp="1"/>
-          </p:cNvSpPr>
-          <p:nvPr>
-            <p:ph type="title"/>
-          </p:nvPr>
-        </p:nvSpPr>
-        <p:spPr>
-          <a:xfrm>
-            <a:off x="609600" y="337392"/>
-            <a:ext cx="10439400" cy="624840"/>
-          </a:xfrm>
-        </p:spPr>
-        <p:txBody>
-          <a:bodyPr>
-            <a:noAutofit/>
-          </a:bodyPr>
-          <a:lstStyle/>
-          <a:p>
-            <a:r>
-              <a:rPr lang="en-US" sz="3600" dirty="0">
-                <a:cs typeface="Times New Roman" panose="02020603050405020304" pitchFamily="18" charset="0"/>
-              </a:rPr>
-              <a:t>Collinearity and Causality</a:t>
-            </a:r>
-            <a:endParaRPr lang="en-US" sz="3600" dirty="0">
-              <a:latin typeface="Times New Roman" panose="02020603050405020304" pitchFamily="18" charset="0"/>
-              <a:cs typeface="Times New Roman" panose="02020603050405020304" pitchFamily="18" charset="0"/>
-            </a:endParaRPr>
-          </a:p>
-        </p:txBody>
-      </p:sp>
-      <mc:AlternateContent xmlns:mc="http://schemas.openxmlformats.org/markup-compatibility/2006" xmlns:a14="http://schemas.microsoft.com/office/drawing/2010/main">
-        <mc:Choice Requires="a14">
-          <p:sp>
-            <p:nvSpPr>
-              <p:cNvPr id="3" name="Content Placeholder 2"/>
-              <p:cNvSpPr>
-                <a:spLocks noGrp="1"/>
-              </p:cNvSpPr>
-              <p:nvPr>
-                <p:ph idx="1"/>
-              </p:nvPr>
-            </p:nvSpPr>
-            <p:spPr>
-              <a:xfrm>
-                <a:off x="990600" y="954612"/>
-                <a:ext cx="9982201" cy="5141388"/>
-              </a:xfrm>
-            </p:spPr>
-            <p:txBody>
-              <a:bodyPr>
-                <a:noAutofit/>
-              </a:bodyPr>
-              <a:lstStyle/>
-              <a:p>
-                <a:r>
-                  <a:rPr lang="en-CA" sz="2400" dirty="0">
-                    <a:solidFill>
-                      <a:schemeClr val="tx1">
-                        <a:lumMod val="65000"/>
-                        <a:lumOff val="35000"/>
-                      </a:schemeClr>
-                    </a:solidFill>
-                    <a:cs typeface="Times New Roman" pitchFamily="18" charset="0"/>
-                  </a:rPr>
-                  <a:t>Some (explanatory) variables are </a:t>
-                </a:r>
-                <a:r>
-                  <a:rPr lang="en-CA" sz="2400" b="1" dirty="0">
-                    <a:solidFill>
-                      <a:schemeClr val="tx1">
-                        <a:lumMod val="65000"/>
-                        <a:lumOff val="35000"/>
-                      </a:schemeClr>
-                    </a:solidFill>
-                    <a:cs typeface="Times New Roman" pitchFamily="18" charset="0"/>
-                  </a:rPr>
-                  <a:t>highly correlated</a:t>
-                </a:r>
-                <a:r>
-                  <a:rPr lang="en-CA" sz="2400" dirty="0">
-                    <a:solidFill>
-                      <a:schemeClr val="tx1">
-                        <a:lumMod val="65000"/>
-                        <a:lumOff val="35000"/>
-                      </a:schemeClr>
-                    </a:solidFill>
-                    <a:cs typeface="Times New Roman" pitchFamily="18" charset="0"/>
-                  </a:rPr>
-                  <a:t>, complicating inference</a:t>
-                </a:r>
-              </a:p>
-              <a:p>
-                <a:pPr lvl="1"/>
-                <a:r>
-                  <a:rPr lang="en-CA" sz="2400" dirty="0">
-                    <a:solidFill>
-                      <a:schemeClr val="tx1">
-                        <a:lumMod val="65000"/>
-                        <a:lumOff val="35000"/>
-                      </a:schemeClr>
-                    </a:solidFill>
-                    <a:cs typeface="Times New Roman" pitchFamily="18" charset="0"/>
-                  </a:rPr>
-                  <a:t>Inclusion of irrelevant variables tends to inflate the SEs for other estimates</a:t>
-                </a:r>
-              </a:p>
-              <a:p>
-                <a:pPr lvl="1"/>
-                <a:r>
-                  <a:rPr lang="en-CA" sz="2400" dirty="0">
-                    <a:solidFill>
-                      <a:schemeClr val="tx1">
-                        <a:lumMod val="65000"/>
-                        <a:lumOff val="35000"/>
-                      </a:schemeClr>
-                    </a:solidFill>
-                    <a:cs typeface="Times New Roman" pitchFamily="18" charset="0"/>
-                  </a:rPr>
-                  <a:t>What’s more, if variables are </a:t>
-                </a:r>
-                <a:r>
-                  <a:rPr lang="en-CA" sz="2400" b="1" dirty="0">
-                    <a:solidFill>
-                      <a:schemeClr val="tx1">
-                        <a:lumMod val="65000"/>
-                        <a:lumOff val="35000"/>
-                      </a:schemeClr>
-                    </a:solidFill>
-                    <a:cs typeface="Times New Roman" pitchFamily="18" charset="0"/>
-                  </a:rPr>
-                  <a:t>too highly correlated</a:t>
-                </a:r>
-                <a:r>
-                  <a:rPr lang="en-CA" sz="2400" dirty="0">
-                    <a:solidFill>
-                      <a:schemeClr val="tx1">
-                        <a:lumMod val="65000"/>
-                        <a:lumOff val="35000"/>
-                      </a:schemeClr>
-                    </a:solidFill>
-                    <a:cs typeface="Times New Roman" pitchFamily="18" charset="0"/>
-                  </a:rPr>
-                  <a:t>, their effects are indistinguishable</a:t>
-                </a:r>
-              </a:p>
-              <a:p>
-                <a:r>
-                  <a:rPr lang="en-CA" sz="2600" dirty="0">
-                    <a:solidFill>
-                      <a:schemeClr val="tx1">
-                        <a:lumMod val="65000"/>
-                        <a:lumOff val="35000"/>
-                      </a:schemeClr>
-                    </a:solidFill>
-                    <a:cs typeface="Times New Roman" pitchFamily="18" charset="0"/>
-                  </a:rPr>
-                  <a:t>We’ve already run into the problem of </a:t>
-                </a:r>
-                <a:r>
-                  <a:rPr lang="en-CA" sz="2600" b="1" dirty="0">
-                    <a:solidFill>
-                      <a:schemeClr val="tx1">
-                        <a:lumMod val="65000"/>
-                        <a:lumOff val="35000"/>
-                      </a:schemeClr>
-                    </a:solidFill>
-                    <a:cs typeface="Times New Roman" pitchFamily="18" charset="0"/>
-                  </a:rPr>
-                  <a:t>perfect collinearity</a:t>
-                </a:r>
-              </a:p>
-              <a:p>
-                <a:pPr lvl="1"/>
-                <a:r>
-                  <a:rPr lang="en-CA" sz="2400" dirty="0">
-                    <a:solidFill>
-                      <a:schemeClr val="tx1">
-                        <a:lumMod val="65000"/>
-                        <a:lumOff val="35000"/>
-                      </a:schemeClr>
-                    </a:solidFill>
-                    <a:cs typeface="Times New Roman" pitchFamily="18" charset="0"/>
-                  </a:rPr>
-                  <a:t>A much harder problem is near-collinearity, where </a:t>
-                </a:r>
-                <a14:m>
-                  <m:oMath xmlns:m="http://schemas.openxmlformats.org/officeDocument/2006/math">
-                    <m:d>
-                      <m:dPr>
-                        <m:begChr m:val="|"/>
-                        <m:endChr m:val="|"/>
-                        <m:ctrlPr>
-                          <a:rPr lang="en-US" sz="2400" b="0" i="1" smtClean="0">
-                            <a:solidFill>
-                              <a:schemeClr val="tx1">
-                                <a:lumMod val="65000"/>
-                                <a:lumOff val="35000"/>
-                              </a:schemeClr>
-                            </a:solidFill>
-                            <a:latin typeface="Cambria Math" panose="02040503050406030204" pitchFamily="18" charset="0"/>
-                            <a:cs typeface="Times New Roman" pitchFamily="18" charset="0"/>
-                          </a:rPr>
-                        </m:ctrlPr>
-                      </m:dPr>
-                      <m:e>
-                        <m:r>
-                          <a:rPr lang="en-US" sz="2400" b="0" i="1" smtClean="0">
-                            <a:solidFill>
-                              <a:schemeClr val="tx1">
-                                <a:lumMod val="65000"/>
-                                <a:lumOff val="35000"/>
-                              </a:schemeClr>
-                            </a:solidFill>
-                            <a:latin typeface="Cambria Math" panose="02040503050406030204" pitchFamily="18" charset="0"/>
-                            <a:cs typeface="Times New Roman" pitchFamily="18" charset="0"/>
-                          </a:rPr>
-                          <m:t>𝜌</m:t>
-                        </m:r>
-                        <m:d>
-                          <m:dPr>
-                            <m:ctrlPr>
-                              <a:rPr lang="en-US" sz="2400" b="0" i="1" smtClean="0">
-                                <a:solidFill>
-                                  <a:schemeClr val="tx1">
-                                    <a:lumMod val="65000"/>
-                                    <a:lumOff val="35000"/>
-                                  </a:schemeClr>
-                                </a:solidFill>
-                                <a:latin typeface="Cambria Math" panose="02040503050406030204" pitchFamily="18" charset="0"/>
-                                <a:cs typeface="Times New Roman" pitchFamily="18" charset="0"/>
-                              </a:rPr>
-                            </m:ctrlPr>
-                          </m:dPr>
-                          <m:e>
-                            <m:sSub>
-                              <m:sSubPr>
-                                <m:ctrlPr>
-                                  <a:rPr lang="en-US" sz="2400" b="0" i="1" smtClean="0">
-                                    <a:solidFill>
-                                      <a:schemeClr val="tx1">
-                                        <a:lumMod val="65000"/>
-                                        <a:lumOff val="35000"/>
-                                      </a:schemeClr>
-                                    </a:solidFill>
-                                    <a:latin typeface="Cambria Math" panose="02040503050406030204" pitchFamily="18" charset="0"/>
-                                    <a:cs typeface="Times New Roman" pitchFamily="18" charset="0"/>
-                                  </a:rPr>
-                                </m:ctrlPr>
-                              </m:sSubPr>
-                              <m:e>
-                                <m:r>
-                                  <a:rPr lang="en-US" sz="2400" b="0" i="1" smtClean="0">
-                                    <a:solidFill>
-                                      <a:schemeClr val="tx1">
-                                        <a:lumMod val="65000"/>
-                                        <a:lumOff val="35000"/>
-                                      </a:schemeClr>
-                                    </a:solidFill>
-                                    <a:latin typeface="Cambria Math" panose="02040503050406030204" pitchFamily="18" charset="0"/>
-                                    <a:cs typeface="Times New Roman" pitchFamily="18" charset="0"/>
-                                  </a:rPr>
-                                  <m:t>𝑥</m:t>
-                                </m:r>
-                              </m:e>
-                              <m:sub>
-                                <m:r>
-                                  <a:rPr lang="en-US" sz="2400" b="0" i="1" smtClean="0">
-                                    <a:solidFill>
-                                      <a:schemeClr val="tx1">
-                                        <a:lumMod val="65000"/>
-                                        <a:lumOff val="35000"/>
-                                      </a:schemeClr>
-                                    </a:solidFill>
-                                    <a:latin typeface="Cambria Math" panose="02040503050406030204" pitchFamily="18" charset="0"/>
-                                    <a:cs typeface="Times New Roman" pitchFamily="18" charset="0"/>
-                                  </a:rPr>
-                                  <m:t>1</m:t>
-                                </m:r>
-                              </m:sub>
-                            </m:sSub>
-                            <m:r>
-                              <a:rPr lang="en-US" sz="2400" b="0" i="1" smtClean="0">
-                                <a:solidFill>
-                                  <a:schemeClr val="tx1">
-                                    <a:lumMod val="65000"/>
-                                    <a:lumOff val="35000"/>
-                                  </a:schemeClr>
-                                </a:solidFill>
-                                <a:latin typeface="Cambria Math" panose="02040503050406030204" pitchFamily="18" charset="0"/>
-                                <a:cs typeface="Times New Roman" pitchFamily="18" charset="0"/>
-                              </a:rPr>
-                              <m:t>,</m:t>
-                            </m:r>
-                            <m:sSub>
-                              <m:sSubPr>
-                                <m:ctrlPr>
-                                  <a:rPr lang="en-US" sz="2400" b="0" i="1" smtClean="0">
-                                    <a:solidFill>
-                                      <a:schemeClr val="tx1">
-                                        <a:lumMod val="65000"/>
-                                        <a:lumOff val="35000"/>
-                                      </a:schemeClr>
-                                    </a:solidFill>
-                                    <a:latin typeface="Cambria Math" panose="02040503050406030204" pitchFamily="18" charset="0"/>
-                                    <a:cs typeface="Times New Roman" pitchFamily="18" charset="0"/>
-                                  </a:rPr>
-                                </m:ctrlPr>
-                              </m:sSubPr>
-                              <m:e>
-                                <m:r>
-                                  <a:rPr lang="en-US" sz="2400" b="0" i="1" smtClean="0">
-                                    <a:solidFill>
-                                      <a:schemeClr val="tx1">
-                                        <a:lumMod val="65000"/>
-                                        <a:lumOff val="35000"/>
-                                      </a:schemeClr>
-                                    </a:solidFill>
-                                    <a:latin typeface="Cambria Math" panose="02040503050406030204" pitchFamily="18" charset="0"/>
-                                    <a:cs typeface="Times New Roman" pitchFamily="18" charset="0"/>
-                                  </a:rPr>
-                                  <m:t>𝑥</m:t>
-                                </m:r>
-                              </m:e>
-                              <m:sub>
-                                <m:r>
-                                  <a:rPr lang="en-US" sz="2400" b="0" i="1" smtClean="0">
-                                    <a:solidFill>
-                                      <a:schemeClr val="tx1">
-                                        <a:lumMod val="65000"/>
-                                        <a:lumOff val="35000"/>
-                                      </a:schemeClr>
-                                    </a:solidFill>
-                                    <a:latin typeface="Cambria Math" panose="02040503050406030204" pitchFamily="18" charset="0"/>
-                                    <a:cs typeface="Times New Roman" pitchFamily="18" charset="0"/>
-                                  </a:rPr>
-                                  <m:t>2</m:t>
-                                </m:r>
-                              </m:sub>
-                            </m:sSub>
-                          </m:e>
-                        </m:d>
-                      </m:e>
-                    </m:d>
-                    <m:r>
-                      <a:rPr lang="en-US" sz="2400" b="0" i="1" smtClean="0">
-                        <a:solidFill>
-                          <a:schemeClr val="tx1">
-                            <a:lumMod val="65000"/>
-                            <a:lumOff val="35000"/>
-                          </a:schemeClr>
-                        </a:solidFill>
-                        <a:latin typeface="Cambria Math" panose="02040503050406030204" pitchFamily="18" charset="0"/>
-                        <a:cs typeface="Times New Roman" pitchFamily="18" charset="0"/>
-                      </a:rPr>
-                      <m:t>≈1</m:t>
-                    </m:r>
-                  </m:oMath>
-                </a14:m>
-                <a:endParaRPr lang="en-US" sz="2400" b="0" dirty="0">
-                  <a:solidFill>
-                    <a:schemeClr val="tx1">
-                      <a:lumMod val="65000"/>
-                      <a:lumOff val="35000"/>
-                    </a:schemeClr>
-                  </a:solidFill>
-                  <a:cs typeface="Times New Roman" pitchFamily="18" charset="0"/>
-                </a:endParaRPr>
-              </a:p>
-              <a:p>
-                <a:pPr lvl="1"/>
-                <a:r>
-                  <a:rPr lang="en-US" sz="2400" dirty="0"/>
-                  <a:t>This is especially problematic when we care about </a:t>
-                </a:r>
-                <a14:m>
-                  <m:oMath xmlns:m="http://schemas.openxmlformats.org/officeDocument/2006/math">
-                    <m:sSub>
-                      <m:sSubPr>
-                        <m:ctrlPr>
-                          <a:rPr lang="en-US" sz="2400" b="0" i="1" smtClean="0">
-                            <a:latin typeface="Cambria Math" panose="02040503050406030204" pitchFamily="18" charset="0"/>
-                          </a:rPr>
-                        </m:ctrlPr>
-                      </m:sSubPr>
-                      <m:e>
-                        <m:r>
-                          <a:rPr lang="en-US" sz="2400" b="0" i="1" smtClean="0">
-                            <a:latin typeface="Cambria Math" panose="02040503050406030204" pitchFamily="18" charset="0"/>
-                          </a:rPr>
-                          <m:t>𝛽</m:t>
-                        </m:r>
-                      </m:e>
-                      <m:sub>
-                        <m:r>
-                          <a:rPr lang="en-US" sz="2400" b="0" i="1" smtClean="0">
-                            <a:latin typeface="Cambria Math" panose="02040503050406030204" pitchFamily="18" charset="0"/>
-                          </a:rPr>
-                          <m:t>1</m:t>
-                        </m:r>
-                      </m:sub>
-                    </m:sSub>
-                    <m:r>
-                      <a:rPr lang="en-US" sz="2400" b="0" i="0" smtClean="0">
-                        <a:latin typeface="Cambria Math" panose="02040503050406030204" pitchFamily="18" charset="0"/>
-                      </a:rPr>
-                      <m:t> </m:t>
-                    </m:r>
-                  </m:oMath>
-                </a14:m>
-                <a:r>
-                  <a:rPr lang="en-US" sz="2400" dirty="0"/>
-                  <a:t>or </a:t>
-                </a:r>
-                <a14:m>
-                  <m:oMath xmlns:m="http://schemas.openxmlformats.org/officeDocument/2006/math">
-                    <m:sSub>
-                      <m:sSubPr>
-                        <m:ctrlPr>
-                          <a:rPr lang="en-US" sz="2400" b="0" i="1" smtClean="0">
-                            <a:latin typeface="Cambria Math" panose="02040503050406030204" pitchFamily="18" charset="0"/>
-                          </a:rPr>
-                        </m:ctrlPr>
-                      </m:sSubPr>
-                      <m:e>
-                        <m:r>
-                          <a:rPr lang="en-US" sz="2400" b="0" i="1" smtClean="0">
-                            <a:latin typeface="Cambria Math" panose="02040503050406030204" pitchFamily="18" charset="0"/>
-                          </a:rPr>
-                          <m:t>𝛽</m:t>
-                        </m:r>
-                      </m:e>
-                      <m:sub>
-                        <m:r>
-                          <a:rPr lang="en-US" sz="2400" b="0" i="1" smtClean="0">
-                            <a:latin typeface="Cambria Math" panose="02040503050406030204" pitchFamily="18" charset="0"/>
-                          </a:rPr>
-                          <m:t>2</m:t>
-                        </m:r>
-                      </m:sub>
-                    </m:sSub>
-                  </m:oMath>
-                </a14:m>
-                <a:r>
-                  <a:rPr lang="en-US" sz="2400" dirty="0"/>
-                  <a:t>, but not both</a:t>
-                </a:r>
-              </a:p>
-            </p:txBody>
-          </p:sp>
-        </mc:Choice>
-        <mc:Fallback xmlns="">
-          <p:sp>
-            <p:nvSpPr>
-              <p:cNvPr id="3" name="Content Placeholder 2"/>
-              <p:cNvSpPr>
-                <a:spLocks noGrp="1" noRot="1" noChangeAspect="1" noMove="1" noResize="1" noEditPoints="1" noAdjustHandles="1" noChangeArrowheads="1" noChangeShapeType="1" noTextEdit="1"/>
-              </p:cNvSpPr>
-              <p:nvPr>
-                <p:ph idx="1"/>
-              </p:nvPr>
-            </p:nvSpPr>
-            <p:spPr>
-              <a:xfrm>
-                <a:off x="990600" y="954612"/>
-                <a:ext cx="9982201" cy="5141388"/>
-              </a:xfrm>
-              <a:blipFill>
-                <a:blip r:embed="rId2"/>
-                <a:stretch>
-                  <a:fillRect l="-611" t="-1305"/>
-                </a:stretch>
-              </a:blipFill>
-            </p:spPr>
-            <p:txBody>
-              <a:bodyPr/>
-              <a:lstStyle/>
-              <a:p>
-                <a:r>
-                  <a:rPr lang="en-US">
-                    <a:noFill/>
-                  </a:rPr>
-                  <a:t> </a:t>
-                </a:r>
-              </a:p>
-            </p:txBody>
-          </p:sp>
-        </mc:Fallback>
-      </mc:AlternateContent>
-    </p:spTree>
-    <p:extLst>
-      <p:ext uri="{BB962C8B-B14F-4D97-AF65-F5344CB8AC3E}">
-        <p14:creationId xmlns:p14="http://schemas.microsoft.com/office/powerpoint/2010/main" val="3661811750"/>
-      </p:ext>
-    </p:extLst>
-  </p:cSld>
-  <p:clrMapOvr>
-    <a:masterClrMapping/>
-  </p:clrMapOvr>
-</p:sld>
-</file>
-
-<file path=ppt/slides/slide59.xml><?xml version="1.0" encoding="utf-8"?>
-<p:sld xmlns:a="http://schemas.openxmlformats.org/drawingml/2006/main" xmlns:r="http://schemas.openxmlformats.org/officeDocument/2006/relationships" xmlns:p="http://schemas.openxmlformats.org/presentationml/2006/main">
-  <p:cSld>
-    <p:spTree>
-      <p:nvGrpSpPr>
-        <p:cNvPr id="1" name=""/>
-        <p:cNvGrpSpPr/>
-        <p:nvPr/>
-      </p:nvGrpSpPr>
-      <p:grpSpPr>
-        <a:xfrm>
-          <a:off x="0" y="0"/>
-          <a:ext cx="0" cy="0"/>
-          <a:chOff x="0" y="0"/>
-          <a:chExt cx="0" cy="0"/>
-        </a:xfrm>
-      </p:grpSpPr>
-      <p:sp>
-        <p:nvSpPr>
-          <p:cNvPr id="2" name="Title 1"/>
-          <p:cNvSpPr>
-            <a:spLocks noGrp="1"/>
-          </p:cNvSpPr>
-          <p:nvPr>
-            <p:ph type="title"/>
-          </p:nvPr>
-        </p:nvSpPr>
-        <p:spPr>
-          <a:xfrm>
-            <a:off x="609600" y="337392"/>
-            <a:ext cx="10439400" cy="624840"/>
-          </a:xfrm>
-        </p:spPr>
-        <p:txBody>
-          <a:bodyPr>
-            <a:noAutofit/>
-          </a:bodyPr>
-          <a:lstStyle/>
-          <a:p>
-            <a:r>
-              <a:rPr lang="en-US" sz="3600" dirty="0">
-                <a:cs typeface="Times New Roman" panose="02020603050405020304" pitchFamily="18" charset="0"/>
-              </a:rPr>
-              <a:t>Collinearity and Causality</a:t>
-            </a:r>
-            <a:endParaRPr lang="en-US" sz="3600" dirty="0">
-              <a:latin typeface="Times New Roman" panose="02020603050405020304" pitchFamily="18" charset="0"/>
-              <a:cs typeface="Times New Roman" panose="02020603050405020304" pitchFamily="18" charset="0"/>
-            </a:endParaRPr>
-          </a:p>
-        </p:txBody>
-      </p:sp>
-      <mc:AlternateContent xmlns:mc="http://schemas.openxmlformats.org/markup-compatibility/2006" xmlns:a14="http://schemas.microsoft.com/office/drawing/2010/main">
-        <mc:Choice Requires="a14">
-          <p:sp>
-            <p:nvSpPr>
-              <p:cNvPr id="3" name="Content Placeholder 2"/>
-              <p:cNvSpPr>
-                <a:spLocks noGrp="1"/>
-              </p:cNvSpPr>
-              <p:nvPr>
-                <p:ph idx="1"/>
-              </p:nvPr>
-            </p:nvSpPr>
-            <p:spPr>
-              <a:xfrm>
-                <a:off x="990600" y="954612"/>
-                <a:ext cx="9982201" cy="5141388"/>
-              </a:xfrm>
-            </p:spPr>
-            <p:txBody>
-              <a:bodyPr>
-                <a:noAutofit/>
-              </a:bodyPr>
-              <a:lstStyle/>
-              <a:p>
-                <a:r>
-                  <a:rPr lang="en-CA" sz="2400" dirty="0">
-                    <a:solidFill>
-                      <a:schemeClr val="tx1">
-                        <a:lumMod val="65000"/>
-                        <a:lumOff val="35000"/>
-                      </a:schemeClr>
-                    </a:solidFill>
-                    <a:cs typeface="Times New Roman" pitchFamily="18" charset="0"/>
-                  </a:rPr>
-                  <a:t>Some (explanatory) variables are </a:t>
-                </a:r>
-                <a:r>
-                  <a:rPr lang="en-CA" sz="2400" b="1" dirty="0">
-                    <a:solidFill>
-                      <a:schemeClr val="tx1">
-                        <a:lumMod val="65000"/>
-                        <a:lumOff val="35000"/>
-                      </a:schemeClr>
-                    </a:solidFill>
-                    <a:cs typeface="Times New Roman" pitchFamily="18" charset="0"/>
-                  </a:rPr>
-                  <a:t>highly correlated</a:t>
-                </a:r>
-                <a:r>
-                  <a:rPr lang="en-CA" sz="2400" dirty="0">
-                    <a:solidFill>
-                      <a:schemeClr val="tx1">
-                        <a:lumMod val="65000"/>
-                        <a:lumOff val="35000"/>
-                      </a:schemeClr>
-                    </a:solidFill>
-                    <a:cs typeface="Times New Roman" pitchFamily="18" charset="0"/>
-                  </a:rPr>
-                  <a:t>, complicating inference</a:t>
-                </a:r>
-              </a:p>
-              <a:p>
-                <a:pPr lvl="1"/>
-                <a:r>
-                  <a:rPr lang="en-CA" sz="2400" dirty="0">
-                    <a:solidFill>
-                      <a:schemeClr val="tx1">
-                        <a:lumMod val="65000"/>
-                        <a:lumOff val="35000"/>
-                      </a:schemeClr>
-                    </a:solidFill>
-                    <a:cs typeface="Times New Roman" pitchFamily="18" charset="0"/>
-                  </a:rPr>
-                  <a:t>Inclusion of irrelevant variables tends to inflate the SEs for other estimates</a:t>
-                </a:r>
-              </a:p>
-              <a:p>
-                <a:pPr lvl="1"/>
-                <a:r>
-                  <a:rPr lang="en-CA" sz="2400" dirty="0">
-                    <a:solidFill>
-                      <a:schemeClr val="tx1">
-                        <a:lumMod val="65000"/>
-                        <a:lumOff val="35000"/>
-                      </a:schemeClr>
-                    </a:solidFill>
-                    <a:cs typeface="Times New Roman" pitchFamily="18" charset="0"/>
-                  </a:rPr>
-                  <a:t>What’s more, if variables are </a:t>
-                </a:r>
-                <a:r>
-                  <a:rPr lang="en-CA" sz="2400" b="1" dirty="0">
-                    <a:solidFill>
-                      <a:schemeClr val="tx1">
-                        <a:lumMod val="65000"/>
-                        <a:lumOff val="35000"/>
-                      </a:schemeClr>
-                    </a:solidFill>
-                    <a:cs typeface="Times New Roman" pitchFamily="18" charset="0"/>
-                  </a:rPr>
-                  <a:t>too highly correlated</a:t>
-                </a:r>
-                <a:r>
-                  <a:rPr lang="en-CA" sz="2400" dirty="0">
-                    <a:solidFill>
-                      <a:schemeClr val="tx1">
-                        <a:lumMod val="65000"/>
-                        <a:lumOff val="35000"/>
-                      </a:schemeClr>
-                    </a:solidFill>
-                    <a:cs typeface="Times New Roman" pitchFamily="18" charset="0"/>
-                  </a:rPr>
-                  <a:t>, their effects are indistinguishable</a:t>
-                </a:r>
-              </a:p>
-              <a:p>
-                <a:r>
-                  <a:rPr lang="en-CA" sz="2600" dirty="0">
-                    <a:solidFill>
-                      <a:schemeClr val="tx1">
-                        <a:lumMod val="65000"/>
-                        <a:lumOff val="35000"/>
-                      </a:schemeClr>
-                    </a:solidFill>
-                    <a:cs typeface="Times New Roman" pitchFamily="18" charset="0"/>
-                  </a:rPr>
-                  <a:t>We’ve already run into the problem of </a:t>
-                </a:r>
-                <a:r>
-                  <a:rPr lang="en-CA" sz="2600" b="1" dirty="0">
-                    <a:solidFill>
-                      <a:schemeClr val="tx1">
-                        <a:lumMod val="65000"/>
-                        <a:lumOff val="35000"/>
-                      </a:schemeClr>
-                    </a:solidFill>
-                    <a:cs typeface="Times New Roman" pitchFamily="18" charset="0"/>
-                  </a:rPr>
-                  <a:t>perfect collinearity</a:t>
-                </a:r>
-              </a:p>
-              <a:p>
-                <a:pPr lvl="1"/>
-                <a:r>
-                  <a:rPr lang="en-CA" sz="2400" dirty="0">
-                    <a:solidFill>
-                      <a:schemeClr val="tx1">
-                        <a:lumMod val="65000"/>
-                        <a:lumOff val="35000"/>
-                      </a:schemeClr>
-                    </a:solidFill>
-                    <a:cs typeface="Times New Roman" pitchFamily="18" charset="0"/>
-                  </a:rPr>
-                  <a:t>A much harder problem is near-collinearity, where </a:t>
-                </a:r>
-                <a14:m>
-                  <m:oMath xmlns:m="http://schemas.openxmlformats.org/officeDocument/2006/math">
-                    <m:d>
-                      <m:dPr>
-                        <m:begChr m:val="|"/>
-                        <m:endChr m:val="|"/>
-                        <m:ctrlPr>
-                          <a:rPr lang="en-US" sz="2400" b="0" i="1" smtClean="0">
-                            <a:solidFill>
-                              <a:schemeClr val="tx1">
-                                <a:lumMod val="65000"/>
-                                <a:lumOff val="35000"/>
-                              </a:schemeClr>
-                            </a:solidFill>
-                            <a:latin typeface="Cambria Math" panose="02040503050406030204" pitchFamily="18" charset="0"/>
-                            <a:cs typeface="Times New Roman" pitchFamily="18" charset="0"/>
-                          </a:rPr>
-                        </m:ctrlPr>
-                      </m:dPr>
-                      <m:e>
-                        <m:r>
-                          <a:rPr lang="en-US" sz="2400" b="0" i="1" smtClean="0">
-                            <a:solidFill>
-                              <a:schemeClr val="tx1">
-                                <a:lumMod val="65000"/>
-                                <a:lumOff val="35000"/>
-                              </a:schemeClr>
-                            </a:solidFill>
-                            <a:latin typeface="Cambria Math" panose="02040503050406030204" pitchFamily="18" charset="0"/>
-                            <a:cs typeface="Times New Roman" pitchFamily="18" charset="0"/>
-                          </a:rPr>
-                          <m:t>𝜌</m:t>
-                        </m:r>
-                        <m:d>
-                          <m:dPr>
-                            <m:ctrlPr>
-                              <a:rPr lang="en-US" sz="2400" b="0" i="1" smtClean="0">
-                                <a:solidFill>
-                                  <a:schemeClr val="tx1">
-                                    <a:lumMod val="65000"/>
-                                    <a:lumOff val="35000"/>
-                                  </a:schemeClr>
-                                </a:solidFill>
-                                <a:latin typeface="Cambria Math" panose="02040503050406030204" pitchFamily="18" charset="0"/>
-                                <a:cs typeface="Times New Roman" pitchFamily="18" charset="0"/>
-                              </a:rPr>
-                            </m:ctrlPr>
-                          </m:dPr>
-                          <m:e>
-                            <m:sSub>
-                              <m:sSubPr>
-                                <m:ctrlPr>
-                                  <a:rPr lang="en-US" sz="2400" b="0" i="1" smtClean="0">
-                                    <a:solidFill>
-                                      <a:schemeClr val="tx1">
-                                        <a:lumMod val="65000"/>
-                                        <a:lumOff val="35000"/>
-                                      </a:schemeClr>
-                                    </a:solidFill>
-                                    <a:latin typeface="Cambria Math" panose="02040503050406030204" pitchFamily="18" charset="0"/>
-                                    <a:cs typeface="Times New Roman" pitchFamily="18" charset="0"/>
-                                  </a:rPr>
-                                </m:ctrlPr>
-                              </m:sSubPr>
-                              <m:e>
-                                <m:r>
-                                  <a:rPr lang="en-US" sz="2400" b="0" i="1" smtClean="0">
-                                    <a:solidFill>
-                                      <a:schemeClr val="tx1">
-                                        <a:lumMod val="65000"/>
-                                        <a:lumOff val="35000"/>
-                                      </a:schemeClr>
-                                    </a:solidFill>
-                                    <a:latin typeface="Cambria Math" panose="02040503050406030204" pitchFamily="18" charset="0"/>
-                                    <a:cs typeface="Times New Roman" pitchFamily="18" charset="0"/>
-                                  </a:rPr>
-                                  <m:t>𝑥</m:t>
-                                </m:r>
-                              </m:e>
-                              <m:sub>
-                                <m:r>
-                                  <a:rPr lang="en-US" sz="2400" b="0" i="1" smtClean="0">
-                                    <a:solidFill>
-                                      <a:schemeClr val="tx1">
-                                        <a:lumMod val="65000"/>
-                                        <a:lumOff val="35000"/>
-                                      </a:schemeClr>
-                                    </a:solidFill>
-                                    <a:latin typeface="Cambria Math" panose="02040503050406030204" pitchFamily="18" charset="0"/>
-                                    <a:cs typeface="Times New Roman" pitchFamily="18" charset="0"/>
-                                  </a:rPr>
-                                  <m:t>1</m:t>
-                                </m:r>
-                              </m:sub>
-                            </m:sSub>
-                            <m:r>
-                              <a:rPr lang="en-US" sz="2400" b="0" i="1" smtClean="0">
-                                <a:solidFill>
-                                  <a:schemeClr val="tx1">
-                                    <a:lumMod val="65000"/>
-                                    <a:lumOff val="35000"/>
-                                  </a:schemeClr>
-                                </a:solidFill>
-                                <a:latin typeface="Cambria Math" panose="02040503050406030204" pitchFamily="18" charset="0"/>
-                                <a:cs typeface="Times New Roman" pitchFamily="18" charset="0"/>
-                              </a:rPr>
-                              <m:t>,</m:t>
-                            </m:r>
-                            <m:sSub>
-                              <m:sSubPr>
-                                <m:ctrlPr>
-                                  <a:rPr lang="en-US" sz="2400" b="0" i="1" smtClean="0">
-                                    <a:solidFill>
-                                      <a:schemeClr val="tx1">
-                                        <a:lumMod val="65000"/>
-                                        <a:lumOff val="35000"/>
-                                      </a:schemeClr>
-                                    </a:solidFill>
-                                    <a:latin typeface="Cambria Math" panose="02040503050406030204" pitchFamily="18" charset="0"/>
-                                    <a:cs typeface="Times New Roman" pitchFamily="18" charset="0"/>
-                                  </a:rPr>
-                                </m:ctrlPr>
-                              </m:sSubPr>
-                              <m:e>
-                                <m:r>
-                                  <a:rPr lang="en-US" sz="2400" b="0" i="1" smtClean="0">
-                                    <a:solidFill>
-                                      <a:schemeClr val="tx1">
-                                        <a:lumMod val="65000"/>
-                                        <a:lumOff val="35000"/>
-                                      </a:schemeClr>
-                                    </a:solidFill>
-                                    <a:latin typeface="Cambria Math" panose="02040503050406030204" pitchFamily="18" charset="0"/>
-                                    <a:cs typeface="Times New Roman" pitchFamily="18" charset="0"/>
-                                  </a:rPr>
-                                  <m:t>𝑥</m:t>
-                                </m:r>
-                              </m:e>
-                              <m:sub>
-                                <m:r>
-                                  <a:rPr lang="en-US" sz="2400" b="0" i="1" smtClean="0">
-                                    <a:solidFill>
-                                      <a:schemeClr val="tx1">
-                                        <a:lumMod val="65000"/>
-                                        <a:lumOff val="35000"/>
-                                      </a:schemeClr>
-                                    </a:solidFill>
-                                    <a:latin typeface="Cambria Math" panose="02040503050406030204" pitchFamily="18" charset="0"/>
-                                    <a:cs typeface="Times New Roman" pitchFamily="18" charset="0"/>
-                                  </a:rPr>
-                                  <m:t>2</m:t>
-                                </m:r>
-                              </m:sub>
-                            </m:sSub>
-                          </m:e>
-                        </m:d>
-                      </m:e>
-                    </m:d>
-                    <m:r>
-                      <a:rPr lang="en-US" sz="2400" b="0" i="1" smtClean="0">
-                        <a:solidFill>
-                          <a:schemeClr val="tx1">
-                            <a:lumMod val="65000"/>
-                            <a:lumOff val="35000"/>
-                          </a:schemeClr>
-                        </a:solidFill>
-                        <a:latin typeface="Cambria Math" panose="02040503050406030204" pitchFamily="18" charset="0"/>
-                        <a:cs typeface="Times New Roman" pitchFamily="18" charset="0"/>
-                      </a:rPr>
-                      <m:t>≈1</m:t>
-                    </m:r>
-                  </m:oMath>
-                </a14:m>
-                <a:endParaRPr lang="en-US" sz="2400" b="0" dirty="0">
-                  <a:solidFill>
-                    <a:schemeClr val="tx1">
-                      <a:lumMod val="65000"/>
-                      <a:lumOff val="35000"/>
-                    </a:schemeClr>
-                  </a:solidFill>
-                  <a:cs typeface="Times New Roman" pitchFamily="18" charset="0"/>
-                </a:endParaRPr>
-              </a:p>
-              <a:p>
-                <a:pPr lvl="1"/>
-                <a:r>
-                  <a:rPr lang="en-US" sz="2400" dirty="0"/>
-                  <a:t>This is especially problematic when we care about </a:t>
-                </a:r>
-                <a14:m>
-                  <m:oMath xmlns:m="http://schemas.openxmlformats.org/officeDocument/2006/math">
-                    <m:sSub>
-                      <m:sSubPr>
-                        <m:ctrlPr>
-                          <a:rPr lang="en-US" sz="2400" b="0" i="1" smtClean="0">
-                            <a:latin typeface="Cambria Math" panose="02040503050406030204" pitchFamily="18" charset="0"/>
-                          </a:rPr>
-                        </m:ctrlPr>
-                      </m:sSubPr>
-                      <m:e>
-                        <m:r>
-                          <a:rPr lang="en-US" sz="2400" b="0" i="1" smtClean="0">
-                            <a:latin typeface="Cambria Math" panose="02040503050406030204" pitchFamily="18" charset="0"/>
-                          </a:rPr>
-                          <m:t>𝛽</m:t>
-                        </m:r>
-                      </m:e>
-                      <m:sub>
-                        <m:r>
-                          <a:rPr lang="en-US" sz="2400" b="0" i="1" smtClean="0">
-                            <a:latin typeface="Cambria Math" panose="02040503050406030204" pitchFamily="18" charset="0"/>
-                          </a:rPr>
-                          <m:t>1</m:t>
-                        </m:r>
-                      </m:sub>
-                    </m:sSub>
-                    <m:r>
-                      <a:rPr lang="en-US" sz="2400" b="0" i="0" smtClean="0">
-                        <a:latin typeface="Cambria Math" panose="02040503050406030204" pitchFamily="18" charset="0"/>
-                      </a:rPr>
-                      <m:t> </m:t>
-                    </m:r>
-                  </m:oMath>
-                </a14:m>
-                <a:r>
-                  <a:rPr lang="en-US" sz="2400" dirty="0"/>
-                  <a:t>or </a:t>
-                </a:r>
-                <a14:m>
-                  <m:oMath xmlns:m="http://schemas.openxmlformats.org/officeDocument/2006/math">
-                    <m:sSub>
-                      <m:sSubPr>
-                        <m:ctrlPr>
-                          <a:rPr lang="en-US" sz="2400" b="0" i="1" smtClean="0">
-                            <a:latin typeface="Cambria Math" panose="02040503050406030204" pitchFamily="18" charset="0"/>
-                          </a:rPr>
-                        </m:ctrlPr>
-                      </m:sSubPr>
-                      <m:e>
-                        <m:r>
-                          <a:rPr lang="en-US" sz="2400" b="0" i="1" smtClean="0">
-                            <a:latin typeface="Cambria Math" panose="02040503050406030204" pitchFamily="18" charset="0"/>
-                          </a:rPr>
-                          <m:t>𝛽</m:t>
-                        </m:r>
-                      </m:e>
-                      <m:sub>
-                        <m:r>
-                          <a:rPr lang="en-US" sz="2400" b="0" i="1" smtClean="0">
-                            <a:latin typeface="Cambria Math" panose="02040503050406030204" pitchFamily="18" charset="0"/>
-                          </a:rPr>
-                          <m:t>2</m:t>
-                        </m:r>
-                      </m:sub>
-                    </m:sSub>
-                  </m:oMath>
-                </a14:m>
-                <a:r>
-                  <a:rPr lang="en-US" sz="2400" dirty="0"/>
-                  <a:t>, but not both</a:t>
-                </a:r>
-              </a:p>
-              <a:p>
-                <a:r>
-                  <a:rPr lang="en-US" sz="2600" dirty="0"/>
-                  <a:t>How to diagnose this? </a:t>
-                </a:r>
-              </a:p>
-              <a:p>
-                <a:pPr lvl="1"/>
-                <a:r>
-                  <a:rPr lang="en-US" sz="2400" dirty="0"/>
-                  <a:t>Look at correlation matrix of independent variables</a:t>
-                </a:r>
-              </a:p>
-              <a:p>
-                <a:pPr lvl="1"/>
-                <a:r>
-                  <a:rPr lang="en-US" sz="2400" dirty="0"/>
-                  <a:t>Think about which correlations mess with your DAG</a:t>
-                </a:r>
-              </a:p>
-            </p:txBody>
-          </p:sp>
-        </mc:Choice>
-        <mc:Fallback xmlns="">
-          <p:sp>
-            <p:nvSpPr>
-              <p:cNvPr id="3" name="Content Placeholder 2"/>
-              <p:cNvSpPr>
-                <a:spLocks noGrp="1" noRot="1" noChangeAspect="1" noMove="1" noResize="1" noEditPoints="1" noAdjustHandles="1" noChangeArrowheads="1" noChangeShapeType="1" noTextEdit="1"/>
-              </p:cNvSpPr>
-              <p:nvPr>
-                <p:ph idx="1"/>
-              </p:nvPr>
-            </p:nvSpPr>
-            <p:spPr>
-              <a:xfrm>
-                <a:off x="990600" y="954612"/>
-                <a:ext cx="9982201" cy="5141388"/>
-              </a:xfrm>
-              <a:blipFill>
-                <a:blip r:embed="rId2"/>
-                <a:stretch>
-                  <a:fillRect l="-611" t="-1305"/>
-                </a:stretch>
-              </a:blipFill>
-            </p:spPr>
-            <p:txBody>
-              <a:bodyPr/>
-              <a:lstStyle/>
-              <a:p>
-                <a:r>
-                  <a:rPr lang="en-US">
-                    <a:noFill/>
-                  </a:rPr>
-                  <a:t> </a:t>
-                </a:r>
-              </a:p>
-            </p:txBody>
-          </p:sp>
-        </mc:Fallback>
-      </mc:AlternateContent>
-    </p:spTree>
-    <p:extLst>
-      <p:ext uri="{BB962C8B-B14F-4D97-AF65-F5344CB8AC3E}">
-        <p14:creationId xmlns:p14="http://schemas.microsoft.com/office/powerpoint/2010/main" val="3294379593"/>
       </p:ext>
     </p:extLst>
   </p:cSld>
@@ -35246,6 +34604,1072 @@
     <p:extLst>
       <p:ext uri="{BB962C8B-B14F-4D97-AF65-F5344CB8AC3E}">
         <p14:creationId xmlns:p14="http://schemas.microsoft.com/office/powerpoint/2010/main" val="2536458101"/>
+      </p:ext>
+    </p:extLst>
+  </p:cSld>
+  <p:clrMapOvr>
+    <a:masterClrMapping/>
+  </p:clrMapOvr>
+</p:sld>
+</file>
+
+<file path=ppt/slides/slide60.xml><?xml version="1.0" encoding="utf-8"?>
+<p:sld xmlns:a="http://schemas.openxmlformats.org/drawingml/2006/main" xmlns:r="http://schemas.openxmlformats.org/officeDocument/2006/relationships" xmlns:p="http://schemas.openxmlformats.org/presentationml/2006/main">
+  <p:cSld>
+    <p:spTree>
+      <p:nvGrpSpPr>
+        <p:cNvPr id="1" name=""/>
+        <p:cNvGrpSpPr/>
+        <p:nvPr/>
+      </p:nvGrpSpPr>
+      <p:grpSpPr>
+        <a:xfrm>
+          <a:off x="0" y="0"/>
+          <a:ext cx="0" cy="0"/>
+          <a:chOff x="0" y="0"/>
+          <a:chExt cx="0" cy="0"/>
+        </a:xfrm>
+      </p:grpSpPr>
+      <p:sp>
+        <p:nvSpPr>
+          <p:cNvPr id="2" name="Title 1"/>
+          <p:cNvSpPr>
+            <a:spLocks noGrp="1"/>
+          </p:cNvSpPr>
+          <p:nvPr>
+            <p:ph type="title"/>
+          </p:nvPr>
+        </p:nvSpPr>
+        <p:spPr>
+          <a:xfrm>
+            <a:off x="609600" y="337392"/>
+            <a:ext cx="10439400" cy="624840"/>
+          </a:xfrm>
+        </p:spPr>
+        <p:txBody>
+          <a:bodyPr>
+            <a:noAutofit/>
+          </a:bodyPr>
+          <a:lstStyle/>
+          <a:p>
+            <a:r>
+              <a:rPr lang="en-US" sz="3600" dirty="0">
+                <a:cs typeface="Times New Roman" panose="02020603050405020304" pitchFamily="18" charset="0"/>
+              </a:rPr>
+              <a:t>Collinearity and Causality</a:t>
+            </a:r>
+            <a:endParaRPr lang="en-US" sz="3600" dirty="0">
+              <a:latin typeface="Times New Roman" panose="02020603050405020304" pitchFamily="18" charset="0"/>
+              <a:cs typeface="Times New Roman" panose="02020603050405020304" pitchFamily="18" charset="0"/>
+            </a:endParaRPr>
+          </a:p>
+        </p:txBody>
+      </p:sp>
+      <mc:AlternateContent xmlns:mc="http://schemas.openxmlformats.org/markup-compatibility/2006" xmlns:a14="http://schemas.microsoft.com/office/drawing/2010/main">
+        <mc:Choice Requires="a14">
+          <p:sp>
+            <p:nvSpPr>
+              <p:cNvPr id="3" name="Content Placeholder 2"/>
+              <p:cNvSpPr>
+                <a:spLocks noGrp="1"/>
+              </p:cNvSpPr>
+              <p:nvPr>
+                <p:ph idx="1"/>
+              </p:nvPr>
+            </p:nvSpPr>
+            <p:spPr>
+              <a:xfrm>
+                <a:off x="990600" y="954612"/>
+                <a:ext cx="9982201" cy="5141388"/>
+              </a:xfrm>
+            </p:spPr>
+            <p:txBody>
+              <a:bodyPr>
+                <a:noAutofit/>
+              </a:bodyPr>
+              <a:lstStyle/>
+              <a:p>
+                <a:r>
+                  <a:rPr lang="en-CA" sz="2400" dirty="0">
+                    <a:solidFill>
+                      <a:schemeClr val="tx1">
+                        <a:lumMod val="65000"/>
+                        <a:lumOff val="35000"/>
+                      </a:schemeClr>
+                    </a:solidFill>
+                    <a:cs typeface="Times New Roman" pitchFamily="18" charset="0"/>
+                  </a:rPr>
+                  <a:t>Some (explanatory) variables are </a:t>
+                </a:r>
+                <a:r>
+                  <a:rPr lang="en-CA" sz="2400" b="1" dirty="0">
+                    <a:solidFill>
+                      <a:schemeClr val="tx1">
+                        <a:lumMod val="65000"/>
+                        <a:lumOff val="35000"/>
+                      </a:schemeClr>
+                    </a:solidFill>
+                    <a:cs typeface="Times New Roman" pitchFamily="18" charset="0"/>
+                  </a:rPr>
+                  <a:t>highly correlated</a:t>
+                </a:r>
+                <a:r>
+                  <a:rPr lang="en-CA" sz="2400" dirty="0">
+                    <a:solidFill>
+                      <a:schemeClr val="tx1">
+                        <a:lumMod val="65000"/>
+                        <a:lumOff val="35000"/>
+                      </a:schemeClr>
+                    </a:solidFill>
+                    <a:cs typeface="Times New Roman" pitchFamily="18" charset="0"/>
+                  </a:rPr>
+                  <a:t>, complicating inference</a:t>
+                </a:r>
+              </a:p>
+              <a:p>
+                <a:pPr lvl="1"/>
+                <a:r>
+                  <a:rPr lang="en-CA" sz="2400" dirty="0">
+                    <a:solidFill>
+                      <a:schemeClr val="tx1">
+                        <a:lumMod val="65000"/>
+                        <a:lumOff val="35000"/>
+                      </a:schemeClr>
+                    </a:solidFill>
+                    <a:cs typeface="Times New Roman" pitchFamily="18" charset="0"/>
+                  </a:rPr>
+                  <a:t>Inclusion of irrelevant variables tends to inflate the SEs for other estimates</a:t>
+                </a:r>
+              </a:p>
+              <a:p>
+                <a:pPr lvl="1"/>
+                <a:r>
+                  <a:rPr lang="en-CA" sz="2400" dirty="0">
+                    <a:solidFill>
+                      <a:schemeClr val="tx1">
+                        <a:lumMod val="65000"/>
+                        <a:lumOff val="35000"/>
+                      </a:schemeClr>
+                    </a:solidFill>
+                    <a:cs typeface="Times New Roman" pitchFamily="18" charset="0"/>
+                  </a:rPr>
+                  <a:t>What’s more, if variables are </a:t>
+                </a:r>
+                <a:r>
+                  <a:rPr lang="en-CA" sz="2400" b="1" dirty="0">
+                    <a:solidFill>
+                      <a:schemeClr val="tx1">
+                        <a:lumMod val="65000"/>
+                        <a:lumOff val="35000"/>
+                      </a:schemeClr>
+                    </a:solidFill>
+                    <a:cs typeface="Times New Roman" pitchFamily="18" charset="0"/>
+                  </a:rPr>
+                  <a:t>too highly correlated</a:t>
+                </a:r>
+                <a:r>
+                  <a:rPr lang="en-CA" sz="2400" dirty="0">
+                    <a:solidFill>
+                      <a:schemeClr val="tx1">
+                        <a:lumMod val="65000"/>
+                        <a:lumOff val="35000"/>
+                      </a:schemeClr>
+                    </a:solidFill>
+                    <a:cs typeface="Times New Roman" pitchFamily="18" charset="0"/>
+                  </a:rPr>
+                  <a:t>, their effects are indistinguishable</a:t>
+                </a:r>
+              </a:p>
+              <a:p>
+                <a:r>
+                  <a:rPr lang="en-CA" sz="2600" dirty="0">
+                    <a:solidFill>
+                      <a:schemeClr val="tx1">
+                        <a:lumMod val="65000"/>
+                        <a:lumOff val="35000"/>
+                      </a:schemeClr>
+                    </a:solidFill>
+                    <a:cs typeface="Times New Roman" pitchFamily="18" charset="0"/>
+                  </a:rPr>
+                  <a:t>We’ve already run into the problem of </a:t>
+                </a:r>
+                <a:r>
+                  <a:rPr lang="en-CA" sz="2600" b="1" dirty="0">
+                    <a:solidFill>
+                      <a:schemeClr val="tx1">
+                        <a:lumMod val="65000"/>
+                        <a:lumOff val="35000"/>
+                      </a:schemeClr>
+                    </a:solidFill>
+                    <a:cs typeface="Times New Roman" pitchFamily="18" charset="0"/>
+                  </a:rPr>
+                  <a:t>perfect collinearity</a:t>
+                </a:r>
+              </a:p>
+              <a:p>
+                <a:pPr lvl="1"/>
+                <a:r>
+                  <a:rPr lang="en-CA" sz="2400" dirty="0">
+                    <a:solidFill>
+                      <a:schemeClr val="tx1">
+                        <a:lumMod val="65000"/>
+                        <a:lumOff val="35000"/>
+                      </a:schemeClr>
+                    </a:solidFill>
+                    <a:cs typeface="Times New Roman" pitchFamily="18" charset="0"/>
+                  </a:rPr>
+                  <a:t>A much harder problem is near-collinearity, where </a:t>
+                </a:r>
+                <a14:m>
+                  <m:oMath xmlns:m="http://schemas.openxmlformats.org/officeDocument/2006/math">
+                    <m:d>
+                      <m:dPr>
+                        <m:begChr m:val="|"/>
+                        <m:endChr m:val="|"/>
+                        <m:ctrlPr>
+                          <a:rPr lang="en-US" sz="2400" b="0" i="1" smtClean="0">
+                            <a:solidFill>
+                              <a:schemeClr val="tx1">
+                                <a:lumMod val="65000"/>
+                                <a:lumOff val="35000"/>
+                              </a:schemeClr>
+                            </a:solidFill>
+                            <a:latin typeface="Cambria Math" panose="02040503050406030204" pitchFamily="18" charset="0"/>
+                            <a:cs typeface="Times New Roman" pitchFamily="18" charset="0"/>
+                          </a:rPr>
+                        </m:ctrlPr>
+                      </m:dPr>
+                      <m:e>
+                        <m:r>
+                          <a:rPr lang="en-US" sz="2400" b="0" i="1" smtClean="0">
+                            <a:solidFill>
+                              <a:schemeClr val="tx1">
+                                <a:lumMod val="65000"/>
+                                <a:lumOff val="35000"/>
+                              </a:schemeClr>
+                            </a:solidFill>
+                            <a:latin typeface="Cambria Math" panose="02040503050406030204" pitchFamily="18" charset="0"/>
+                            <a:cs typeface="Times New Roman" pitchFamily="18" charset="0"/>
+                          </a:rPr>
+                          <m:t>𝜌</m:t>
+                        </m:r>
+                        <m:d>
+                          <m:dPr>
+                            <m:ctrlPr>
+                              <a:rPr lang="en-US" sz="2400" b="0" i="1" smtClean="0">
+                                <a:solidFill>
+                                  <a:schemeClr val="tx1">
+                                    <a:lumMod val="65000"/>
+                                    <a:lumOff val="35000"/>
+                                  </a:schemeClr>
+                                </a:solidFill>
+                                <a:latin typeface="Cambria Math" panose="02040503050406030204" pitchFamily="18" charset="0"/>
+                                <a:cs typeface="Times New Roman" pitchFamily="18" charset="0"/>
+                              </a:rPr>
+                            </m:ctrlPr>
+                          </m:dPr>
+                          <m:e>
+                            <m:sSub>
+                              <m:sSubPr>
+                                <m:ctrlPr>
+                                  <a:rPr lang="en-US" sz="2400" b="0" i="1" smtClean="0">
+                                    <a:solidFill>
+                                      <a:schemeClr val="tx1">
+                                        <a:lumMod val="65000"/>
+                                        <a:lumOff val="35000"/>
+                                      </a:schemeClr>
+                                    </a:solidFill>
+                                    <a:latin typeface="Cambria Math" panose="02040503050406030204" pitchFamily="18" charset="0"/>
+                                    <a:cs typeface="Times New Roman" pitchFamily="18" charset="0"/>
+                                  </a:rPr>
+                                </m:ctrlPr>
+                              </m:sSubPr>
+                              <m:e>
+                                <m:r>
+                                  <a:rPr lang="en-US" sz="2400" b="0" i="1" smtClean="0">
+                                    <a:solidFill>
+                                      <a:schemeClr val="tx1">
+                                        <a:lumMod val="65000"/>
+                                        <a:lumOff val="35000"/>
+                                      </a:schemeClr>
+                                    </a:solidFill>
+                                    <a:latin typeface="Cambria Math" panose="02040503050406030204" pitchFamily="18" charset="0"/>
+                                    <a:cs typeface="Times New Roman" pitchFamily="18" charset="0"/>
+                                  </a:rPr>
+                                  <m:t>𝑥</m:t>
+                                </m:r>
+                              </m:e>
+                              <m:sub>
+                                <m:r>
+                                  <a:rPr lang="en-US" sz="2400" b="0" i="1" smtClean="0">
+                                    <a:solidFill>
+                                      <a:schemeClr val="tx1">
+                                        <a:lumMod val="65000"/>
+                                        <a:lumOff val="35000"/>
+                                      </a:schemeClr>
+                                    </a:solidFill>
+                                    <a:latin typeface="Cambria Math" panose="02040503050406030204" pitchFamily="18" charset="0"/>
+                                    <a:cs typeface="Times New Roman" pitchFamily="18" charset="0"/>
+                                  </a:rPr>
+                                  <m:t>1</m:t>
+                                </m:r>
+                              </m:sub>
+                            </m:sSub>
+                            <m:r>
+                              <a:rPr lang="en-US" sz="2400" b="0" i="1" smtClean="0">
+                                <a:solidFill>
+                                  <a:schemeClr val="tx1">
+                                    <a:lumMod val="65000"/>
+                                    <a:lumOff val="35000"/>
+                                  </a:schemeClr>
+                                </a:solidFill>
+                                <a:latin typeface="Cambria Math" panose="02040503050406030204" pitchFamily="18" charset="0"/>
+                                <a:cs typeface="Times New Roman" pitchFamily="18" charset="0"/>
+                              </a:rPr>
+                              <m:t>,</m:t>
+                            </m:r>
+                            <m:sSub>
+                              <m:sSubPr>
+                                <m:ctrlPr>
+                                  <a:rPr lang="en-US" sz="2400" b="0" i="1" smtClean="0">
+                                    <a:solidFill>
+                                      <a:schemeClr val="tx1">
+                                        <a:lumMod val="65000"/>
+                                        <a:lumOff val="35000"/>
+                                      </a:schemeClr>
+                                    </a:solidFill>
+                                    <a:latin typeface="Cambria Math" panose="02040503050406030204" pitchFamily="18" charset="0"/>
+                                    <a:cs typeface="Times New Roman" pitchFamily="18" charset="0"/>
+                                  </a:rPr>
+                                </m:ctrlPr>
+                              </m:sSubPr>
+                              <m:e>
+                                <m:r>
+                                  <a:rPr lang="en-US" sz="2400" b="0" i="1" smtClean="0">
+                                    <a:solidFill>
+                                      <a:schemeClr val="tx1">
+                                        <a:lumMod val="65000"/>
+                                        <a:lumOff val="35000"/>
+                                      </a:schemeClr>
+                                    </a:solidFill>
+                                    <a:latin typeface="Cambria Math" panose="02040503050406030204" pitchFamily="18" charset="0"/>
+                                    <a:cs typeface="Times New Roman" pitchFamily="18" charset="0"/>
+                                  </a:rPr>
+                                  <m:t>𝑥</m:t>
+                                </m:r>
+                              </m:e>
+                              <m:sub>
+                                <m:r>
+                                  <a:rPr lang="en-US" sz="2400" b="0" i="1" smtClean="0">
+                                    <a:solidFill>
+                                      <a:schemeClr val="tx1">
+                                        <a:lumMod val="65000"/>
+                                        <a:lumOff val="35000"/>
+                                      </a:schemeClr>
+                                    </a:solidFill>
+                                    <a:latin typeface="Cambria Math" panose="02040503050406030204" pitchFamily="18" charset="0"/>
+                                    <a:cs typeface="Times New Roman" pitchFamily="18" charset="0"/>
+                                  </a:rPr>
+                                  <m:t>2</m:t>
+                                </m:r>
+                              </m:sub>
+                            </m:sSub>
+                          </m:e>
+                        </m:d>
+                      </m:e>
+                    </m:d>
+                    <m:r>
+                      <a:rPr lang="en-US" sz="2400" b="0" i="1" smtClean="0">
+                        <a:solidFill>
+                          <a:schemeClr val="tx1">
+                            <a:lumMod val="65000"/>
+                            <a:lumOff val="35000"/>
+                          </a:schemeClr>
+                        </a:solidFill>
+                        <a:latin typeface="Cambria Math" panose="02040503050406030204" pitchFamily="18" charset="0"/>
+                        <a:cs typeface="Times New Roman" pitchFamily="18" charset="0"/>
+                      </a:rPr>
+                      <m:t>≈1</m:t>
+                    </m:r>
+                  </m:oMath>
+                </a14:m>
+                <a:endParaRPr lang="en-US" sz="2400" b="0" dirty="0">
+                  <a:solidFill>
+                    <a:schemeClr val="tx1">
+                      <a:lumMod val="65000"/>
+                      <a:lumOff val="35000"/>
+                    </a:schemeClr>
+                  </a:solidFill>
+                  <a:cs typeface="Times New Roman" pitchFamily="18" charset="0"/>
+                </a:endParaRPr>
+              </a:p>
+              <a:p>
+                <a:pPr lvl="1"/>
+                <a:r>
+                  <a:rPr lang="en-US" sz="2400" dirty="0"/>
+                  <a:t>This is especially problematic when we care about </a:t>
+                </a:r>
+                <a14:m>
+                  <m:oMath xmlns:m="http://schemas.openxmlformats.org/officeDocument/2006/math">
+                    <m:sSub>
+                      <m:sSubPr>
+                        <m:ctrlPr>
+                          <a:rPr lang="en-US" sz="2400" b="0" i="1" smtClean="0">
+                            <a:latin typeface="Cambria Math" panose="02040503050406030204" pitchFamily="18" charset="0"/>
+                          </a:rPr>
+                        </m:ctrlPr>
+                      </m:sSubPr>
+                      <m:e>
+                        <m:r>
+                          <a:rPr lang="en-US" sz="2400" b="0" i="1" smtClean="0">
+                            <a:latin typeface="Cambria Math" panose="02040503050406030204" pitchFamily="18" charset="0"/>
+                          </a:rPr>
+                          <m:t>𝛽</m:t>
+                        </m:r>
+                      </m:e>
+                      <m:sub>
+                        <m:r>
+                          <a:rPr lang="en-US" sz="2400" b="0" i="1" smtClean="0">
+                            <a:latin typeface="Cambria Math" panose="02040503050406030204" pitchFamily="18" charset="0"/>
+                          </a:rPr>
+                          <m:t>1</m:t>
+                        </m:r>
+                      </m:sub>
+                    </m:sSub>
+                    <m:r>
+                      <a:rPr lang="en-US" sz="2400" b="0" i="0" smtClean="0">
+                        <a:latin typeface="Cambria Math" panose="02040503050406030204" pitchFamily="18" charset="0"/>
+                      </a:rPr>
+                      <m:t> </m:t>
+                    </m:r>
+                  </m:oMath>
+                </a14:m>
+                <a:r>
+                  <a:rPr lang="en-US" sz="2400" dirty="0"/>
+                  <a:t>or </a:t>
+                </a:r>
+                <a14:m>
+                  <m:oMath xmlns:m="http://schemas.openxmlformats.org/officeDocument/2006/math">
+                    <m:sSub>
+                      <m:sSubPr>
+                        <m:ctrlPr>
+                          <a:rPr lang="en-US" sz="2400" b="0" i="1" smtClean="0">
+                            <a:latin typeface="Cambria Math" panose="02040503050406030204" pitchFamily="18" charset="0"/>
+                          </a:rPr>
+                        </m:ctrlPr>
+                      </m:sSubPr>
+                      <m:e>
+                        <m:r>
+                          <a:rPr lang="en-US" sz="2400" b="0" i="1" smtClean="0">
+                            <a:latin typeface="Cambria Math" panose="02040503050406030204" pitchFamily="18" charset="0"/>
+                          </a:rPr>
+                          <m:t>𝛽</m:t>
+                        </m:r>
+                      </m:e>
+                      <m:sub>
+                        <m:r>
+                          <a:rPr lang="en-US" sz="2400" b="0" i="1" smtClean="0">
+                            <a:latin typeface="Cambria Math" panose="02040503050406030204" pitchFamily="18" charset="0"/>
+                          </a:rPr>
+                          <m:t>2</m:t>
+                        </m:r>
+                      </m:sub>
+                    </m:sSub>
+                  </m:oMath>
+                </a14:m>
+                <a:r>
+                  <a:rPr lang="en-US" sz="2400" dirty="0"/>
+                  <a:t>, but not both</a:t>
+                </a:r>
+              </a:p>
+            </p:txBody>
+          </p:sp>
+        </mc:Choice>
+        <mc:Fallback xmlns="">
+          <p:sp>
+            <p:nvSpPr>
+              <p:cNvPr id="3" name="Content Placeholder 2"/>
+              <p:cNvSpPr>
+                <a:spLocks noGrp="1" noRot="1" noChangeAspect="1" noMove="1" noResize="1" noEditPoints="1" noAdjustHandles="1" noChangeArrowheads="1" noChangeShapeType="1" noTextEdit="1"/>
+              </p:cNvSpPr>
+              <p:nvPr>
+                <p:ph idx="1"/>
+              </p:nvPr>
+            </p:nvSpPr>
+            <p:spPr>
+              <a:xfrm>
+                <a:off x="990600" y="954612"/>
+                <a:ext cx="9982201" cy="5141388"/>
+              </a:xfrm>
+              <a:blipFill>
+                <a:blip r:embed="rId2"/>
+                <a:stretch>
+                  <a:fillRect l="-611" t="-1305"/>
+                </a:stretch>
+              </a:blipFill>
+            </p:spPr>
+            <p:txBody>
+              <a:bodyPr/>
+              <a:lstStyle/>
+              <a:p>
+                <a:r>
+                  <a:rPr lang="en-US">
+                    <a:noFill/>
+                  </a:rPr>
+                  <a:t> </a:t>
+                </a:r>
+              </a:p>
+            </p:txBody>
+          </p:sp>
+        </mc:Fallback>
+      </mc:AlternateContent>
+    </p:spTree>
+    <p:extLst>
+      <p:ext uri="{BB962C8B-B14F-4D97-AF65-F5344CB8AC3E}">
+        <p14:creationId xmlns:p14="http://schemas.microsoft.com/office/powerpoint/2010/main" val="3661811750"/>
+      </p:ext>
+    </p:extLst>
+  </p:cSld>
+  <p:clrMapOvr>
+    <a:masterClrMapping/>
+  </p:clrMapOvr>
+</p:sld>
+</file>
+
+<file path=ppt/slides/slide61.xml><?xml version="1.0" encoding="utf-8"?>
+<p:sld xmlns:a="http://schemas.openxmlformats.org/drawingml/2006/main" xmlns:r="http://schemas.openxmlformats.org/officeDocument/2006/relationships" xmlns:p="http://schemas.openxmlformats.org/presentationml/2006/main">
+  <p:cSld>
+    <p:spTree>
+      <p:nvGrpSpPr>
+        <p:cNvPr id="1" name=""/>
+        <p:cNvGrpSpPr/>
+        <p:nvPr/>
+      </p:nvGrpSpPr>
+      <p:grpSpPr>
+        <a:xfrm>
+          <a:off x="0" y="0"/>
+          <a:ext cx="0" cy="0"/>
+          <a:chOff x="0" y="0"/>
+          <a:chExt cx="0" cy="0"/>
+        </a:xfrm>
+      </p:grpSpPr>
+      <p:sp>
+        <p:nvSpPr>
+          <p:cNvPr id="2" name="Title 1"/>
+          <p:cNvSpPr>
+            <a:spLocks noGrp="1"/>
+          </p:cNvSpPr>
+          <p:nvPr>
+            <p:ph type="title"/>
+          </p:nvPr>
+        </p:nvSpPr>
+        <p:spPr>
+          <a:xfrm>
+            <a:off x="609600" y="337392"/>
+            <a:ext cx="10439400" cy="624840"/>
+          </a:xfrm>
+        </p:spPr>
+        <p:txBody>
+          <a:bodyPr>
+            <a:noAutofit/>
+          </a:bodyPr>
+          <a:lstStyle/>
+          <a:p>
+            <a:r>
+              <a:rPr lang="en-US" sz="3600" dirty="0">
+                <a:cs typeface="Times New Roman" panose="02020603050405020304" pitchFamily="18" charset="0"/>
+              </a:rPr>
+              <a:t>Collinearity and Causality</a:t>
+            </a:r>
+            <a:endParaRPr lang="en-US" sz="3600" dirty="0">
+              <a:latin typeface="Times New Roman" panose="02020603050405020304" pitchFamily="18" charset="0"/>
+              <a:cs typeface="Times New Roman" panose="02020603050405020304" pitchFamily="18" charset="0"/>
+            </a:endParaRPr>
+          </a:p>
+        </p:txBody>
+      </p:sp>
+      <mc:AlternateContent xmlns:mc="http://schemas.openxmlformats.org/markup-compatibility/2006" xmlns:a14="http://schemas.microsoft.com/office/drawing/2010/main">
+        <mc:Choice Requires="a14">
+          <p:sp>
+            <p:nvSpPr>
+              <p:cNvPr id="3" name="Content Placeholder 2"/>
+              <p:cNvSpPr>
+                <a:spLocks noGrp="1"/>
+              </p:cNvSpPr>
+              <p:nvPr>
+                <p:ph idx="1"/>
+              </p:nvPr>
+            </p:nvSpPr>
+            <p:spPr>
+              <a:xfrm>
+                <a:off x="990600" y="954612"/>
+                <a:ext cx="9982201" cy="5141388"/>
+              </a:xfrm>
+            </p:spPr>
+            <p:txBody>
+              <a:bodyPr>
+                <a:noAutofit/>
+              </a:bodyPr>
+              <a:lstStyle/>
+              <a:p>
+                <a:r>
+                  <a:rPr lang="en-CA" sz="2400" dirty="0">
+                    <a:solidFill>
+                      <a:schemeClr val="tx1">
+                        <a:lumMod val="65000"/>
+                        <a:lumOff val="35000"/>
+                      </a:schemeClr>
+                    </a:solidFill>
+                    <a:cs typeface="Times New Roman" pitchFamily="18" charset="0"/>
+                  </a:rPr>
+                  <a:t>Some (explanatory) variables are </a:t>
+                </a:r>
+                <a:r>
+                  <a:rPr lang="en-CA" sz="2400" b="1" dirty="0">
+                    <a:solidFill>
+                      <a:schemeClr val="tx1">
+                        <a:lumMod val="65000"/>
+                        <a:lumOff val="35000"/>
+                      </a:schemeClr>
+                    </a:solidFill>
+                    <a:cs typeface="Times New Roman" pitchFamily="18" charset="0"/>
+                  </a:rPr>
+                  <a:t>highly correlated</a:t>
+                </a:r>
+                <a:r>
+                  <a:rPr lang="en-CA" sz="2400" dirty="0">
+                    <a:solidFill>
+                      <a:schemeClr val="tx1">
+                        <a:lumMod val="65000"/>
+                        <a:lumOff val="35000"/>
+                      </a:schemeClr>
+                    </a:solidFill>
+                    <a:cs typeface="Times New Roman" pitchFamily="18" charset="0"/>
+                  </a:rPr>
+                  <a:t>, complicating inference</a:t>
+                </a:r>
+              </a:p>
+              <a:p>
+                <a:pPr lvl="1"/>
+                <a:r>
+                  <a:rPr lang="en-CA" sz="2400" dirty="0">
+                    <a:solidFill>
+                      <a:schemeClr val="tx1">
+                        <a:lumMod val="65000"/>
+                        <a:lumOff val="35000"/>
+                      </a:schemeClr>
+                    </a:solidFill>
+                    <a:cs typeface="Times New Roman" pitchFamily="18" charset="0"/>
+                  </a:rPr>
+                  <a:t>Inclusion of irrelevant variables tends to inflate the SEs for other estimates</a:t>
+                </a:r>
+              </a:p>
+              <a:p>
+                <a:pPr lvl="1"/>
+                <a:r>
+                  <a:rPr lang="en-CA" sz="2400" dirty="0">
+                    <a:solidFill>
+                      <a:schemeClr val="tx1">
+                        <a:lumMod val="65000"/>
+                        <a:lumOff val="35000"/>
+                      </a:schemeClr>
+                    </a:solidFill>
+                    <a:cs typeface="Times New Roman" pitchFamily="18" charset="0"/>
+                  </a:rPr>
+                  <a:t>What’s more, if variables are </a:t>
+                </a:r>
+                <a:r>
+                  <a:rPr lang="en-CA" sz="2400" b="1" dirty="0">
+                    <a:solidFill>
+                      <a:schemeClr val="tx1">
+                        <a:lumMod val="65000"/>
+                        <a:lumOff val="35000"/>
+                      </a:schemeClr>
+                    </a:solidFill>
+                    <a:cs typeface="Times New Roman" pitchFamily="18" charset="0"/>
+                  </a:rPr>
+                  <a:t>too highly correlated</a:t>
+                </a:r>
+                <a:r>
+                  <a:rPr lang="en-CA" sz="2400" dirty="0">
+                    <a:solidFill>
+                      <a:schemeClr val="tx1">
+                        <a:lumMod val="65000"/>
+                        <a:lumOff val="35000"/>
+                      </a:schemeClr>
+                    </a:solidFill>
+                    <a:cs typeface="Times New Roman" pitchFamily="18" charset="0"/>
+                  </a:rPr>
+                  <a:t>, their effects are indistinguishable</a:t>
+                </a:r>
+              </a:p>
+              <a:p>
+                <a:r>
+                  <a:rPr lang="en-CA" sz="2600" dirty="0">
+                    <a:solidFill>
+                      <a:schemeClr val="tx1">
+                        <a:lumMod val="65000"/>
+                        <a:lumOff val="35000"/>
+                      </a:schemeClr>
+                    </a:solidFill>
+                    <a:cs typeface="Times New Roman" pitchFamily="18" charset="0"/>
+                  </a:rPr>
+                  <a:t>We’ve already run into the problem of </a:t>
+                </a:r>
+                <a:r>
+                  <a:rPr lang="en-CA" sz="2600" b="1" dirty="0">
+                    <a:solidFill>
+                      <a:schemeClr val="tx1">
+                        <a:lumMod val="65000"/>
+                        <a:lumOff val="35000"/>
+                      </a:schemeClr>
+                    </a:solidFill>
+                    <a:cs typeface="Times New Roman" pitchFamily="18" charset="0"/>
+                  </a:rPr>
+                  <a:t>perfect collinearity</a:t>
+                </a:r>
+              </a:p>
+              <a:p>
+                <a:pPr lvl="1"/>
+                <a:r>
+                  <a:rPr lang="en-CA" sz="2400" dirty="0">
+                    <a:solidFill>
+                      <a:schemeClr val="tx1">
+                        <a:lumMod val="65000"/>
+                        <a:lumOff val="35000"/>
+                      </a:schemeClr>
+                    </a:solidFill>
+                    <a:cs typeface="Times New Roman" pitchFamily="18" charset="0"/>
+                  </a:rPr>
+                  <a:t>A much harder problem is near-collinearity, where </a:t>
+                </a:r>
+                <a14:m>
+                  <m:oMath xmlns:m="http://schemas.openxmlformats.org/officeDocument/2006/math">
+                    <m:d>
+                      <m:dPr>
+                        <m:begChr m:val="|"/>
+                        <m:endChr m:val="|"/>
+                        <m:ctrlPr>
+                          <a:rPr lang="en-US" sz="2400" b="0" i="1" smtClean="0">
+                            <a:solidFill>
+                              <a:schemeClr val="tx1">
+                                <a:lumMod val="65000"/>
+                                <a:lumOff val="35000"/>
+                              </a:schemeClr>
+                            </a:solidFill>
+                            <a:latin typeface="Cambria Math" panose="02040503050406030204" pitchFamily="18" charset="0"/>
+                            <a:cs typeface="Times New Roman" pitchFamily="18" charset="0"/>
+                          </a:rPr>
+                        </m:ctrlPr>
+                      </m:dPr>
+                      <m:e>
+                        <m:r>
+                          <a:rPr lang="en-US" sz="2400" b="0" i="1" smtClean="0">
+                            <a:solidFill>
+                              <a:schemeClr val="tx1">
+                                <a:lumMod val="65000"/>
+                                <a:lumOff val="35000"/>
+                              </a:schemeClr>
+                            </a:solidFill>
+                            <a:latin typeface="Cambria Math" panose="02040503050406030204" pitchFamily="18" charset="0"/>
+                            <a:cs typeface="Times New Roman" pitchFamily="18" charset="0"/>
+                          </a:rPr>
+                          <m:t>𝜌</m:t>
+                        </m:r>
+                        <m:d>
+                          <m:dPr>
+                            <m:ctrlPr>
+                              <a:rPr lang="en-US" sz="2400" b="0" i="1" smtClean="0">
+                                <a:solidFill>
+                                  <a:schemeClr val="tx1">
+                                    <a:lumMod val="65000"/>
+                                    <a:lumOff val="35000"/>
+                                  </a:schemeClr>
+                                </a:solidFill>
+                                <a:latin typeface="Cambria Math" panose="02040503050406030204" pitchFamily="18" charset="0"/>
+                                <a:cs typeface="Times New Roman" pitchFamily="18" charset="0"/>
+                              </a:rPr>
+                            </m:ctrlPr>
+                          </m:dPr>
+                          <m:e>
+                            <m:sSub>
+                              <m:sSubPr>
+                                <m:ctrlPr>
+                                  <a:rPr lang="en-US" sz="2400" b="0" i="1" smtClean="0">
+                                    <a:solidFill>
+                                      <a:schemeClr val="tx1">
+                                        <a:lumMod val="65000"/>
+                                        <a:lumOff val="35000"/>
+                                      </a:schemeClr>
+                                    </a:solidFill>
+                                    <a:latin typeface="Cambria Math" panose="02040503050406030204" pitchFamily="18" charset="0"/>
+                                    <a:cs typeface="Times New Roman" pitchFamily="18" charset="0"/>
+                                  </a:rPr>
+                                </m:ctrlPr>
+                              </m:sSubPr>
+                              <m:e>
+                                <m:r>
+                                  <a:rPr lang="en-US" sz="2400" b="0" i="1" smtClean="0">
+                                    <a:solidFill>
+                                      <a:schemeClr val="tx1">
+                                        <a:lumMod val="65000"/>
+                                        <a:lumOff val="35000"/>
+                                      </a:schemeClr>
+                                    </a:solidFill>
+                                    <a:latin typeface="Cambria Math" panose="02040503050406030204" pitchFamily="18" charset="0"/>
+                                    <a:cs typeface="Times New Roman" pitchFamily="18" charset="0"/>
+                                  </a:rPr>
+                                  <m:t>𝑥</m:t>
+                                </m:r>
+                              </m:e>
+                              <m:sub>
+                                <m:r>
+                                  <a:rPr lang="en-US" sz="2400" b="0" i="1" smtClean="0">
+                                    <a:solidFill>
+                                      <a:schemeClr val="tx1">
+                                        <a:lumMod val="65000"/>
+                                        <a:lumOff val="35000"/>
+                                      </a:schemeClr>
+                                    </a:solidFill>
+                                    <a:latin typeface="Cambria Math" panose="02040503050406030204" pitchFamily="18" charset="0"/>
+                                    <a:cs typeface="Times New Roman" pitchFamily="18" charset="0"/>
+                                  </a:rPr>
+                                  <m:t>1</m:t>
+                                </m:r>
+                              </m:sub>
+                            </m:sSub>
+                            <m:r>
+                              <a:rPr lang="en-US" sz="2400" b="0" i="1" smtClean="0">
+                                <a:solidFill>
+                                  <a:schemeClr val="tx1">
+                                    <a:lumMod val="65000"/>
+                                    <a:lumOff val="35000"/>
+                                  </a:schemeClr>
+                                </a:solidFill>
+                                <a:latin typeface="Cambria Math" panose="02040503050406030204" pitchFamily="18" charset="0"/>
+                                <a:cs typeface="Times New Roman" pitchFamily="18" charset="0"/>
+                              </a:rPr>
+                              <m:t>,</m:t>
+                            </m:r>
+                            <m:sSub>
+                              <m:sSubPr>
+                                <m:ctrlPr>
+                                  <a:rPr lang="en-US" sz="2400" b="0" i="1" smtClean="0">
+                                    <a:solidFill>
+                                      <a:schemeClr val="tx1">
+                                        <a:lumMod val="65000"/>
+                                        <a:lumOff val="35000"/>
+                                      </a:schemeClr>
+                                    </a:solidFill>
+                                    <a:latin typeface="Cambria Math" panose="02040503050406030204" pitchFamily="18" charset="0"/>
+                                    <a:cs typeface="Times New Roman" pitchFamily="18" charset="0"/>
+                                  </a:rPr>
+                                </m:ctrlPr>
+                              </m:sSubPr>
+                              <m:e>
+                                <m:r>
+                                  <a:rPr lang="en-US" sz="2400" b="0" i="1" smtClean="0">
+                                    <a:solidFill>
+                                      <a:schemeClr val="tx1">
+                                        <a:lumMod val="65000"/>
+                                        <a:lumOff val="35000"/>
+                                      </a:schemeClr>
+                                    </a:solidFill>
+                                    <a:latin typeface="Cambria Math" panose="02040503050406030204" pitchFamily="18" charset="0"/>
+                                    <a:cs typeface="Times New Roman" pitchFamily="18" charset="0"/>
+                                  </a:rPr>
+                                  <m:t>𝑥</m:t>
+                                </m:r>
+                              </m:e>
+                              <m:sub>
+                                <m:r>
+                                  <a:rPr lang="en-US" sz="2400" b="0" i="1" smtClean="0">
+                                    <a:solidFill>
+                                      <a:schemeClr val="tx1">
+                                        <a:lumMod val="65000"/>
+                                        <a:lumOff val="35000"/>
+                                      </a:schemeClr>
+                                    </a:solidFill>
+                                    <a:latin typeface="Cambria Math" panose="02040503050406030204" pitchFamily="18" charset="0"/>
+                                    <a:cs typeface="Times New Roman" pitchFamily="18" charset="0"/>
+                                  </a:rPr>
+                                  <m:t>2</m:t>
+                                </m:r>
+                              </m:sub>
+                            </m:sSub>
+                          </m:e>
+                        </m:d>
+                      </m:e>
+                    </m:d>
+                    <m:r>
+                      <a:rPr lang="en-US" sz="2400" b="0" i="1" smtClean="0">
+                        <a:solidFill>
+                          <a:schemeClr val="tx1">
+                            <a:lumMod val="65000"/>
+                            <a:lumOff val="35000"/>
+                          </a:schemeClr>
+                        </a:solidFill>
+                        <a:latin typeface="Cambria Math" panose="02040503050406030204" pitchFamily="18" charset="0"/>
+                        <a:cs typeface="Times New Roman" pitchFamily="18" charset="0"/>
+                      </a:rPr>
+                      <m:t>≈1</m:t>
+                    </m:r>
+                  </m:oMath>
+                </a14:m>
+                <a:endParaRPr lang="en-US" sz="2400" b="0" dirty="0">
+                  <a:solidFill>
+                    <a:schemeClr val="tx1">
+                      <a:lumMod val="65000"/>
+                      <a:lumOff val="35000"/>
+                    </a:schemeClr>
+                  </a:solidFill>
+                  <a:cs typeface="Times New Roman" pitchFamily="18" charset="0"/>
+                </a:endParaRPr>
+              </a:p>
+              <a:p>
+                <a:pPr lvl="1"/>
+                <a:r>
+                  <a:rPr lang="en-US" sz="2400" dirty="0"/>
+                  <a:t>This is especially problematic when we care about </a:t>
+                </a:r>
+                <a14:m>
+                  <m:oMath xmlns:m="http://schemas.openxmlformats.org/officeDocument/2006/math">
+                    <m:sSub>
+                      <m:sSubPr>
+                        <m:ctrlPr>
+                          <a:rPr lang="en-US" sz="2400" b="0" i="1" smtClean="0">
+                            <a:latin typeface="Cambria Math" panose="02040503050406030204" pitchFamily="18" charset="0"/>
+                          </a:rPr>
+                        </m:ctrlPr>
+                      </m:sSubPr>
+                      <m:e>
+                        <m:r>
+                          <a:rPr lang="en-US" sz="2400" b="0" i="1" smtClean="0">
+                            <a:latin typeface="Cambria Math" panose="02040503050406030204" pitchFamily="18" charset="0"/>
+                          </a:rPr>
+                          <m:t>𝛽</m:t>
+                        </m:r>
+                      </m:e>
+                      <m:sub>
+                        <m:r>
+                          <a:rPr lang="en-US" sz="2400" b="0" i="1" smtClean="0">
+                            <a:latin typeface="Cambria Math" panose="02040503050406030204" pitchFamily="18" charset="0"/>
+                          </a:rPr>
+                          <m:t>1</m:t>
+                        </m:r>
+                      </m:sub>
+                    </m:sSub>
+                    <m:r>
+                      <a:rPr lang="en-US" sz="2400" b="0" i="0" smtClean="0">
+                        <a:latin typeface="Cambria Math" panose="02040503050406030204" pitchFamily="18" charset="0"/>
+                      </a:rPr>
+                      <m:t> </m:t>
+                    </m:r>
+                  </m:oMath>
+                </a14:m>
+                <a:r>
+                  <a:rPr lang="en-US" sz="2400" dirty="0"/>
+                  <a:t>or </a:t>
+                </a:r>
+                <a14:m>
+                  <m:oMath xmlns:m="http://schemas.openxmlformats.org/officeDocument/2006/math">
+                    <m:sSub>
+                      <m:sSubPr>
+                        <m:ctrlPr>
+                          <a:rPr lang="en-US" sz="2400" b="0" i="1" smtClean="0">
+                            <a:latin typeface="Cambria Math" panose="02040503050406030204" pitchFamily="18" charset="0"/>
+                          </a:rPr>
+                        </m:ctrlPr>
+                      </m:sSubPr>
+                      <m:e>
+                        <m:r>
+                          <a:rPr lang="en-US" sz="2400" b="0" i="1" smtClean="0">
+                            <a:latin typeface="Cambria Math" panose="02040503050406030204" pitchFamily="18" charset="0"/>
+                          </a:rPr>
+                          <m:t>𝛽</m:t>
+                        </m:r>
+                      </m:e>
+                      <m:sub>
+                        <m:r>
+                          <a:rPr lang="en-US" sz="2400" b="0" i="1" smtClean="0">
+                            <a:latin typeface="Cambria Math" panose="02040503050406030204" pitchFamily="18" charset="0"/>
+                          </a:rPr>
+                          <m:t>2</m:t>
+                        </m:r>
+                      </m:sub>
+                    </m:sSub>
+                  </m:oMath>
+                </a14:m>
+                <a:r>
+                  <a:rPr lang="en-US" sz="2400" dirty="0"/>
+                  <a:t>, but not both</a:t>
+                </a:r>
+              </a:p>
+              <a:p>
+                <a:r>
+                  <a:rPr lang="en-US" sz="2600" dirty="0"/>
+                  <a:t>How to diagnose this? </a:t>
+                </a:r>
+              </a:p>
+              <a:p>
+                <a:pPr lvl="1"/>
+                <a:r>
+                  <a:rPr lang="en-US" sz="2400" dirty="0"/>
+                  <a:t>Look at correlation matrix of independent variables</a:t>
+                </a:r>
+              </a:p>
+              <a:p>
+                <a:pPr lvl="1"/>
+                <a:r>
+                  <a:rPr lang="en-US" sz="2400" dirty="0"/>
+                  <a:t>Think about which correlations mess with your DAG</a:t>
+                </a:r>
+              </a:p>
+            </p:txBody>
+          </p:sp>
+        </mc:Choice>
+        <mc:Fallback xmlns="">
+          <p:sp>
+            <p:nvSpPr>
+              <p:cNvPr id="3" name="Content Placeholder 2"/>
+              <p:cNvSpPr>
+                <a:spLocks noGrp="1" noRot="1" noChangeAspect="1" noMove="1" noResize="1" noEditPoints="1" noAdjustHandles="1" noChangeArrowheads="1" noChangeShapeType="1" noTextEdit="1"/>
+              </p:cNvSpPr>
+              <p:nvPr>
+                <p:ph idx="1"/>
+              </p:nvPr>
+            </p:nvSpPr>
+            <p:spPr>
+              <a:xfrm>
+                <a:off x="990600" y="954612"/>
+                <a:ext cx="9982201" cy="5141388"/>
+              </a:xfrm>
+              <a:blipFill>
+                <a:blip r:embed="rId2"/>
+                <a:stretch>
+                  <a:fillRect l="-611" t="-1305"/>
+                </a:stretch>
+              </a:blipFill>
+            </p:spPr>
+            <p:txBody>
+              <a:bodyPr/>
+              <a:lstStyle/>
+              <a:p>
+                <a:r>
+                  <a:rPr lang="en-US">
+                    <a:noFill/>
+                  </a:rPr>
+                  <a:t> </a:t>
+                </a:r>
+              </a:p>
+            </p:txBody>
+          </p:sp>
+        </mc:Fallback>
+      </mc:AlternateContent>
+    </p:spTree>
+    <p:extLst>
+      <p:ext uri="{BB962C8B-B14F-4D97-AF65-F5344CB8AC3E}">
+        <p14:creationId xmlns:p14="http://schemas.microsoft.com/office/powerpoint/2010/main" val="3294379593"/>
       </p:ext>
     </p:extLst>
   </p:cSld>

--- a/Lecture04_MultivariateOLS2/Lecture4_MultivariateOLS2_2022F.pptx
+++ b/Lecture04_MultivariateOLS2/Lecture4_MultivariateOLS2_2022F.pptx
@@ -5,7 +5,7 @@
     <p:sldMasterId id="2147483738" r:id="rId1"/>
   </p:sldMasterIdLst>
   <p:notesMasterIdLst>
-    <p:notesMasterId r:id="rId63"/>
+    <p:notesMasterId r:id="rId65"/>
   </p:notesMasterIdLst>
   <p:sldIdLst>
     <p:sldId id="256" r:id="rId2"/>
@@ -66,9 +66,11 @@
     <p:sldId id="471" r:id="rId57"/>
     <p:sldId id="466" r:id="rId58"/>
     <p:sldId id="468" r:id="rId59"/>
-    <p:sldId id="467" r:id="rId60"/>
-    <p:sldId id="469" r:id="rId61"/>
-    <p:sldId id="470" r:id="rId62"/>
+    <p:sldId id="476" r:id="rId60"/>
+    <p:sldId id="477" r:id="rId61"/>
+    <p:sldId id="467" r:id="rId62"/>
+    <p:sldId id="469" r:id="rId63"/>
+    <p:sldId id="470" r:id="rId64"/>
   </p:sldIdLst>
   <p:sldSz cx="12192000" cy="6858000"/>
   <p:notesSz cx="7010400" cy="9296400"/>
@@ -268,7 +270,7 @@
           <a:p>
             <a:fld id="{EF911157-0FC2-4F06-8D61-FD647FE4E19D}" type="datetimeFigureOut">
               <a:rPr lang="en-US" smtClean="0"/>
-              <a:t>8/15/2022</a:t>
+              <a:t>9/19/2022</a:t>
             </a:fld>
             <a:endParaRPr lang="en-US"/>
           </a:p>
@@ -3998,6 +4000,180 @@
 </p:notes>
 </file>
 
+<file path=ppt/notesSlides/notesSlide40.xml><?xml version="1.0" encoding="utf-8"?>
+<p:notes xmlns:a="http://schemas.openxmlformats.org/drawingml/2006/main" xmlns:r="http://schemas.openxmlformats.org/officeDocument/2006/relationships" xmlns:p="http://schemas.openxmlformats.org/presentationml/2006/main">
+  <p:cSld>
+    <p:spTree>
+      <p:nvGrpSpPr>
+        <p:cNvPr id="1" name=""/>
+        <p:cNvGrpSpPr/>
+        <p:nvPr/>
+      </p:nvGrpSpPr>
+      <p:grpSpPr>
+        <a:xfrm>
+          <a:off x="0" y="0"/>
+          <a:ext cx="0" cy="0"/>
+          <a:chOff x="0" y="0"/>
+          <a:chExt cx="0" cy="0"/>
+        </a:xfrm>
+      </p:grpSpPr>
+      <p:sp>
+        <p:nvSpPr>
+          <p:cNvPr id="2" name="Slide Image Placeholder 1"/>
+          <p:cNvSpPr>
+            <a:spLocks noGrp="1" noRot="1" noChangeAspect="1"/>
+          </p:cNvSpPr>
+          <p:nvPr>
+            <p:ph type="sldImg"/>
+          </p:nvPr>
+        </p:nvSpPr>
+        <p:spPr/>
+      </p:sp>
+      <p:sp>
+        <p:nvSpPr>
+          <p:cNvPr id="3" name="Notes Placeholder 2"/>
+          <p:cNvSpPr>
+            <a:spLocks noGrp="1"/>
+          </p:cNvSpPr>
+          <p:nvPr>
+            <p:ph type="body" idx="1"/>
+          </p:nvPr>
+        </p:nvSpPr>
+        <p:spPr/>
+        <p:txBody>
+          <a:bodyPr/>
+          <a:lstStyle/>
+          <a:p>
+            <a:r>
+              <a:rPr lang="en-CA" dirty="0"/>
+              <a:t>Measurement error can be the result of an open back door, or selection – what health examples are there? </a:t>
+            </a:r>
+          </a:p>
+        </p:txBody>
+      </p:sp>
+      <p:sp>
+        <p:nvSpPr>
+          <p:cNvPr id="4" name="Slide Number Placeholder 3"/>
+          <p:cNvSpPr>
+            <a:spLocks noGrp="1"/>
+          </p:cNvSpPr>
+          <p:nvPr>
+            <p:ph type="sldNum" sz="quarter" idx="5"/>
+          </p:nvPr>
+        </p:nvSpPr>
+        <p:spPr/>
+        <p:txBody>
+          <a:bodyPr/>
+          <a:lstStyle/>
+          <a:p>
+            <a:fld id="{4AF79E1B-2C51-4B9B-8EA4-26DE9E345AFF}" type="slidenum">
+              <a:rPr lang="en-US" smtClean="0"/>
+              <a:t>59</a:t>
+            </a:fld>
+            <a:endParaRPr lang="en-US"/>
+          </a:p>
+        </p:txBody>
+      </p:sp>
+    </p:spTree>
+    <p:extLst>
+      <p:ext uri="{BB962C8B-B14F-4D97-AF65-F5344CB8AC3E}">
+        <p14:creationId xmlns:p14="http://schemas.microsoft.com/office/powerpoint/2010/main" val="2337618453"/>
+      </p:ext>
+    </p:extLst>
+  </p:cSld>
+  <p:clrMapOvr>
+    <a:masterClrMapping/>
+  </p:clrMapOvr>
+</p:notes>
+</file>
+
+<file path=ppt/notesSlides/notesSlide41.xml><?xml version="1.0" encoding="utf-8"?>
+<p:notes xmlns:a="http://schemas.openxmlformats.org/drawingml/2006/main" xmlns:r="http://schemas.openxmlformats.org/officeDocument/2006/relationships" xmlns:p="http://schemas.openxmlformats.org/presentationml/2006/main">
+  <p:cSld>
+    <p:spTree>
+      <p:nvGrpSpPr>
+        <p:cNvPr id="1" name=""/>
+        <p:cNvGrpSpPr/>
+        <p:nvPr/>
+      </p:nvGrpSpPr>
+      <p:grpSpPr>
+        <a:xfrm>
+          <a:off x="0" y="0"/>
+          <a:ext cx="0" cy="0"/>
+          <a:chOff x="0" y="0"/>
+          <a:chExt cx="0" cy="0"/>
+        </a:xfrm>
+      </p:grpSpPr>
+      <p:sp>
+        <p:nvSpPr>
+          <p:cNvPr id="2" name="Slide Image Placeholder 1"/>
+          <p:cNvSpPr>
+            <a:spLocks noGrp="1" noRot="1" noChangeAspect="1"/>
+          </p:cNvSpPr>
+          <p:nvPr>
+            <p:ph type="sldImg"/>
+          </p:nvPr>
+        </p:nvSpPr>
+        <p:spPr/>
+      </p:sp>
+      <p:sp>
+        <p:nvSpPr>
+          <p:cNvPr id="3" name="Notes Placeholder 2"/>
+          <p:cNvSpPr>
+            <a:spLocks noGrp="1"/>
+          </p:cNvSpPr>
+          <p:nvPr>
+            <p:ph type="body" idx="1"/>
+          </p:nvPr>
+        </p:nvSpPr>
+        <p:spPr/>
+        <p:txBody>
+          <a:bodyPr/>
+          <a:lstStyle/>
+          <a:p>
+            <a:r>
+              <a:rPr lang="en-CA" dirty="0"/>
+              <a:t>A whole literature on risk adjustment exists to solve this issue!</a:t>
+            </a:r>
+          </a:p>
+        </p:txBody>
+      </p:sp>
+      <p:sp>
+        <p:nvSpPr>
+          <p:cNvPr id="4" name="Slide Number Placeholder 3"/>
+          <p:cNvSpPr>
+            <a:spLocks noGrp="1"/>
+          </p:cNvSpPr>
+          <p:nvPr>
+            <p:ph type="sldNum" sz="quarter" idx="5"/>
+          </p:nvPr>
+        </p:nvSpPr>
+        <p:spPr/>
+        <p:txBody>
+          <a:bodyPr/>
+          <a:lstStyle/>
+          <a:p>
+            <a:fld id="{4AF79E1B-2C51-4B9B-8EA4-26DE9E345AFF}" type="slidenum">
+              <a:rPr lang="en-US" smtClean="0"/>
+              <a:t>60</a:t>
+            </a:fld>
+            <a:endParaRPr lang="en-US"/>
+          </a:p>
+        </p:txBody>
+      </p:sp>
+    </p:spTree>
+    <p:extLst>
+      <p:ext uri="{BB962C8B-B14F-4D97-AF65-F5344CB8AC3E}">
+        <p14:creationId xmlns:p14="http://schemas.microsoft.com/office/powerpoint/2010/main" val="1681335857"/>
+      </p:ext>
+    </p:extLst>
+  </p:cSld>
+  <p:clrMapOvr>
+    <a:masterClrMapping/>
+  </p:clrMapOvr>
+</p:notes>
+</file>
+
 <file path=ppt/notesSlides/notesSlide5.xml><?xml version="1.0" encoding="utf-8"?>
 <p:notes xmlns:a="http://schemas.openxmlformats.org/drawingml/2006/main" xmlns:r="http://schemas.openxmlformats.org/officeDocument/2006/relationships" xmlns:p="http://schemas.openxmlformats.org/presentationml/2006/main">
   <p:cSld>
@@ -4587,7 +4763,7 @@
             <a:fld id="{0972D05C-DCFB-4BB6-B49C-AC126BF3ED2C}" type="datetimeFigureOut">
               <a:rPr lang="en-US" smtClean="0"/>
               <a:pPr/>
-              <a:t>8/15/2022</a:t>
+              <a:t>9/19/2022</a:t>
             </a:fld>
             <a:endParaRPr lang="en-US"/>
           </a:p>
@@ -4817,7 +4993,7 @@
             <a:fld id="{0972D05C-DCFB-4BB6-B49C-AC126BF3ED2C}" type="datetimeFigureOut">
               <a:rPr lang="en-US" smtClean="0"/>
               <a:pPr/>
-              <a:t>8/15/2022</a:t>
+              <a:t>9/19/2022</a:t>
             </a:fld>
             <a:endParaRPr lang="en-US"/>
           </a:p>
@@ -4999,7 +5175,7 @@
             <a:fld id="{0972D05C-DCFB-4BB6-B49C-AC126BF3ED2C}" type="datetimeFigureOut">
               <a:rPr lang="en-US" smtClean="0"/>
               <a:pPr/>
-              <a:t>8/15/2022</a:t>
+              <a:t>9/19/2022</a:t>
             </a:fld>
             <a:endParaRPr lang="en-US"/>
           </a:p>
@@ -5171,7 +5347,7 @@
             <a:fld id="{0972D05C-DCFB-4BB6-B49C-AC126BF3ED2C}" type="datetimeFigureOut">
               <a:rPr lang="en-US" smtClean="0"/>
               <a:pPr/>
-              <a:t>8/15/2022</a:t>
+              <a:t>9/19/2022</a:t>
             </a:fld>
             <a:endParaRPr lang="en-US"/>
           </a:p>
@@ -5427,7 +5603,7 @@
             <a:fld id="{0972D05C-DCFB-4BB6-B49C-AC126BF3ED2C}" type="datetimeFigureOut">
               <a:rPr lang="en-US" smtClean="0"/>
               <a:pPr/>
-              <a:t>8/15/2022</a:t>
+              <a:t>9/19/2022</a:t>
             </a:fld>
             <a:endParaRPr lang="en-US"/>
           </a:p>
@@ -5755,7 +5931,7 @@
             <a:fld id="{0972D05C-DCFB-4BB6-B49C-AC126BF3ED2C}" type="datetimeFigureOut">
               <a:rPr lang="en-US" smtClean="0"/>
               <a:pPr/>
-              <a:t>8/15/2022</a:t>
+              <a:t>9/19/2022</a:t>
             </a:fld>
             <a:endParaRPr lang="en-US"/>
           </a:p>
@@ -6208,7 +6384,7 @@
             <a:fld id="{0972D05C-DCFB-4BB6-B49C-AC126BF3ED2C}" type="datetimeFigureOut">
               <a:rPr lang="en-US" smtClean="0"/>
               <a:pPr/>
-              <a:t>8/15/2022</a:t>
+              <a:t>9/19/2022</a:t>
             </a:fld>
             <a:endParaRPr lang="en-US"/>
           </a:p>
@@ -6328,7 +6504,7 @@
             <a:fld id="{0972D05C-DCFB-4BB6-B49C-AC126BF3ED2C}" type="datetimeFigureOut">
               <a:rPr lang="en-US" smtClean="0"/>
               <a:pPr/>
-              <a:t>8/15/2022</a:t>
+              <a:t>9/19/2022</a:t>
             </a:fld>
             <a:endParaRPr lang="en-US"/>
           </a:p>
@@ -6425,7 +6601,7 @@
             <a:fld id="{0972D05C-DCFB-4BB6-B49C-AC126BF3ED2C}" type="datetimeFigureOut">
               <a:rPr lang="en-US" smtClean="0"/>
               <a:pPr/>
-              <a:t>8/15/2022</a:t>
+              <a:t>9/19/2022</a:t>
             </a:fld>
             <a:endParaRPr lang="en-US"/>
           </a:p>
@@ -6714,7 +6890,7 @@
             <a:fld id="{0972D05C-DCFB-4BB6-B49C-AC126BF3ED2C}" type="datetimeFigureOut">
               <a:rPr lang="en-US" smtClean="0"/>
               <a:pPr/>
-              <a:t>8/15/2022</a:t>
+              <a:t>9/19/2022</a:t>
             </a:fld>
             <a:endParaRPr lang="en-US"/>
           </a:p>
@@ -7038,7 +7214,7 @@
             <a:fld id="{0972D05C-DCFB-4BB6-B49C-AC126BF3ED2C}" type="datetimeFigureOut">
               <a:rPr lang="en-US" smtClean="0"/>
               <a:pPr/>
-              <a:t>8/15/2022</a:t>
+              <a:t>9/19/2022</a:t>
             </a:fld>
             <a:endParaRPr lang="en-US"/>
           </a:p>
@@ -7293,7 +7469,7 @@
             <a:fld id="{0972D05C-DCFB-4BB6-B49C-AC126BF3ED2C}" type="datetimeFigureOut">
               <a:rPr lang="en-US" smtClean="0"/>
               <a:pPr/>
-              <a:t>8/15/2022</a:t>
+              <a:t>9/19/2022</a:t>
             </a:fld>
             <a:endParaRPr lang="en-US" dirty="0"/>
           </a:p>
@@ -33477,8 +33653,8 @@
           </a:p>
         </p:txBody>
       </p:sp>
-      <mc:AlternateContent xmlns:mc="http://schemas.openxmlformats.org/markup-compatibility/2006" xmlns:a14="http://schemas.microsoft.com/office/drawing/2010/main">
-        <mc:Choice Requires="a14">
+      <mc:AlternateContent xmlns:mc="http://schemas.openxmlformats.org/markup-compatibility/2006">
+        <mc:Choice xmlns:a14="http://schemas.microsoft.com/office/drawing/2010/main" Requires="a14">
           <p:sp>
             <p:nvSpPr>
               <p:cNvPr id="3" name="Content Placeholder 2"/>
@@ -33731,6 +33907,13 @@
                 </a:r>
               </a:p>
               <a:p>
+                <a:pPr lvl="1"/>
+                <a:r>
+                  <a:rPr lang="en-US" sz="2400" dirty="0"/>
+                  <a:t>Selection and open back doors!</a:t>
+                </a:r>
+              </a:p>
+              <a:p>
                 <a:endParaRPr lang="en-US" sz="2400" dirty="0"/>
               </a:p>
               <a:p>
@@ -33741,7 +33924,7 @@
             </p:txBody>
           </p:sp>
         </mc:Choice>
-        <mc:Fallback xmlns="">
+        <mc:Fallback>
           <p:sp>
             <p:nvSpPr>
               <p:cNvPr id="3" name="Content Placeholder 2"/>
@@ -33769,7 +33952,7 @@
               <a:lstStyle/>
               <a:p>
                 <a:r>
-                  <a:rPr lang="en-US">
+                  <a:rPr lang="en-CA">
                     <a:noFill/>
                   </a:rPr>
                   <a:t> </a:t>
@@ -33835,7 +34018,7 @@
               <a:rPr lang="en-US" sz="3600" dirty="0">
                 <a:cs typeface="Times New Roman" panose="02020603050405020304" pitchFamily="18" charset="0"/>
               </a:rPr>
-              <a:t>Collinearity and Causality</a:t>
+              <a:t>Non-Classical Measurement Error: Examples</a:t>
             </a:r>
             <a:endParaRPr lang="en-US" sz="3600" dirty="0">
               <a:latin typeface="Times New Roman" panose="02020603050405020304" pitchFamily="18" charset="0"/>
@@ -33856,8 +34039,8 @@
         </p:nvSpPr>
         <p:spPr>
           <a:xfrm>
-            <a:off x="990600" y="954612"/>
-            <a:ext cx="9982201" cy="5141388"/>
+            <a:off x="5181600" y="962232"/>
+            <a:ext cx="5791201" cy="5141388"/>
           </a:xfrm>
         </p:spPr>
         <p:txBody>
@@ -33866,100 +34049,49 @@
           </a:bodyPr>
           <a:lstStyle/>
           <a:p>
-            <a:r>
-              <a:rPr lang="en-CA" sz="2400" dirty="0">
-                <a:solidFill>
-                  <a:schemeClr val="tx1">
-                    <a:lumMod val="65000"/>
-                    <a:lumOff val="35000"/>
-                  </a:schemeClr>
-                </a:solidFill>
-                <a:cs typeface="Times New Roman" pitchFamily="18" charset="0"/>
-              </a:rPr>
-              <a:t>Some (explanatory) variables are </a:t>
-            </a:r>
-            <a:r>
-              <a:rPr lang="en-CA" sz="2400" b="1" dirty="0">
-                <a:solidFill>
-                  <a:schemeClr val="tx1">
-                    <a:lumMod val="65000"/>
-                    <a:lumOff val="35000"/>
-                  </a:schemeClr>
-                </a:solidFill>
-                <a:cs typeface="Times New Roman" pitchFamily="18" charset="0"/>
-              </a:rPr>
-              <a:t>highly correlated</a:t>
-            </a:r>
-            <a:r>
-              <a:rPr lang="en-CA" sz="2400" dirty="0">
-                <a:solidFill>
-                  <a:schemeClr val="tx1">
-                    <a:lumMod val="65000"/>
-                    <a:lumOff val="35000"/>
-                  </a:schemeClr>
-                </a:solidFill>
-                <a:cs typeface="Times New Roman" pitchFamily="18" charset="0"/>
-              </a:rPr>
-              <a:t>, complicating inference</a:t>
-            </a:r>
+            <a:endParaRPr lang="en-US" sz="2400" dirty="0"/>
           </a:p>
           <a:p>
-            <a:pPr lvl="1"/>
-            <a:endParaRPr lang="en-US" sz="2400" dirty="0"/>
+            <a:endParaRPr lang="en-US" sz="2400" dirty="0">
+              <a:cs typeface="Times New Roman" panose="02020603050405020304" pitchFamily="18" charset="0"/>
+            </a:endParaRPr>
           </a:p>
         </p:txBody>
       </p:sp>
       <p:pic>
         <p:nvPicPr>
-          <p:cNvPr id="5122" name="Picture 2" descr="Making a scatter plot | Python">
+          <p:cNvPr id="5" name="Picture 4">
             <a:extLst>
               <a:ext uri="{FF2B5EF4-FFF2-40B4-BE49-F238E27FC236}">
-                <a16:creationId xmlns:a16="http://schemas.microsoft.com/office/drawing/2014/main" id="{E26249A2-B1EF-7126-9EAD-856C341E8767}"/>
+                <a16:creationId xmlns:a16="http://schemas.microsoft.com/office/drawing/2014/main" id="{833DCAAB-5201-2614-1BED-604D92B24499}"/>
               </a:ext>
             </a:extLst>
           </p:cNvPr>
           <p:cNvPicPr>
-            <a:picLocks noChangeAspect="1" noChangeArrowheads="1"/>
+            <a:picLocks noChangeAspect="1"/>
           </p:cNvPicPr>
           <p:nvPr/>
         </p:nvPicPr>
         <p:blipFill>
-          <a:blip r:embed="rId2">
-            <a:extLst>
-              <a:ext uri="{28A0092B-C50C-407E-A947-70E740481C1C}">
-                <a14:useLocalDpi xmlns:a14="http://schemas.microsoft.com/office/drawing/2010/main" val="0"/>
-              </a:ext>
-            </a:extLst>
-          </a:blip>
-          <a:srcRect/>
+          <a:blip r:embed="rId3"/>
           <a:stretch>
             <a:fillRect/>
           </a:stretch>
         </p:blipFill>
-        <p:spPr bwMode="auto">
+        <p:spPr>
           <a:xfrm>
-            <a:off x="2171700" y="1447800"/>
-            <a:ext cx="7315200" cy="4876800"/>
+            <a:off x="685800" y="1013549"/>
+            <a:ext cx="4296375" cy="4201111"/>
           </a:xfrm>
           <a:prstGeom prst="rect">
             <a:avLst/>
           </a:prstGeom>
-          <a:noFill/>
-          <a:extLst>
-            <a:ext uri="{909E8E84-426E-40DD-AFC4-6F175D3DCCD1}">
-              <a14:hiddenFill xmlns:a14="http://schemas.microsoft.com/office/drawing/2010/main">
-                <a:solidFill>
-                  <a:srgbClr val="FFFFFF"/>
-                </a:solidFill>
-              </a14:hiddenFill>
-            </a:ext>
-          </a:extLst>
         </p:spPr>
       </p:pic>
     </p:spTree>
     <p:extLst>
       <p:ext uri="{BB962C8B-B14F-4D97-AF65-F5344CB8AC3E}">
-        <p14:creationId xmlns:p14="http://schemas.microsoft.com/office/powerpoint/2010/main" val="1639601439"/>
+        <p14:creationId xmlns:p14="http://schemas.microsoft.com/office/powerpoint/2010/main" val="1790188087"/>
       </p:ext>
     </p:extLst>
   </p:cSld>
@@ -34656,6 +34788,376 @@
               <a:rPr lang="en-US" sz="3600" dirty="0">
                 <a:cs typeface="Times New Roman" panose="02020603050405020304" pitchFamily="18" charset="0"/>
               </a:rPr>
+              <a:t>Non-Classical Measurement Error: Examples</a:t>
+            </a:r>
+            <a:endParaRPr lang="en-US" sz="3600" dirty="0">
+              <a:latin typeface="Times New Roman" panose="02020603050405020304" pitchFamily="18" charset="0"/>
+              <a:cs typeface="Times New Roman" panose="02020603050405020304" pitchFamily="18" charset="0"/>
+            </a:endParaRPr>
+          </a:p>
+        </p:txBody>
+      </p:sp>
+      <mc:AlternateContent xmlns:mc="http://schemas.openxmlformats.org/markup-compatibility/2006">
+        <mc:Choice xmlns:a14="http://schemas.microsoft.com/office/drawing/2010/main" Requires="a14">
+          <p:sp>
+            <p:nvSpPr>
+              <p:cNvPr id="3" name="Content Placeholder 2"/>
+              <p:cNvSpPr>
+                <a:spLocks noGrp="1"/>
+              </p:cNvSpPr>
+              <p:nvPr>
+                <p:ph idx="1"/>
+              </p:nvPr>
+            </p:nvSpPr>
+            <p:spPr>
+              <a:xfrm>
+                <a:off x="5181600" y="962232"/>
+                <a:ext cx="5791201" cy="5141388"/>
+              </a:xfrm>
+            </p:spPr>
+            <p:txBody>
+              <a:bodyPr>
+                <a:noAutofit/>
+              </a:bodyPr>
+              <a:lstStyle/>
+              <a:p>
+                <a:r>
+                  <a:rPr lang="en-US" sz="2400" dirty="0"/>
+                  <a:t>Effect of hospital quality on patient outcomes </a:t>
+                </a:r>
+                <a14:m>
+                  <m:oMath xmlns:m="http://schemas.openxmlformats.org/officeDocument/2006/math">
+                    <m:r>
+                      <a:rPr lang="en-CA" sz="2400" b="0" i="1" smtClean="0">
+                        <a:latin typeface="Cambria Math" panose="02040503050406030204" pitchFamily="18" charset="0"/>
+                      </a:rPr>
+                      <m:t>⇒</m:t>
+                    </m:r>
+                  </m:oMath>
+                </a14:m>
+                <a:endParaRPr lang="en-US" sz="2400" dirty="0"/>
+              </a:p>
+              <a:p>
+                <a:r>
+                  <a:rPr lang="en-US" sz="2400" u="sng" dirty="0">
+                    <a:solidFill>
+                      <a:schemeClr val="accent3">
+                        <a:lumMod val="75000"/>
+                      </a:schemeClr>
+                    </a:solidFill>
+                  </a:rPr>
+                  <a:t>What about the hospitals that attract the riskiest patients?</a:t>
+                </a:r>
+              </a:p>
+              <a:p>
+                <a:endParaRPr lang="en-US" sz="2400" dirty="0">
+                  <a:cs typeface="Times New Roman" panose="02020603050405020304" pitchFamily="18" charset="0"/>
+                </a:endParaRPr>
+              </a:p>
+            </p:txBody>
+          </p:sp>
+        </mc:Choice>
+        <mc:Fallback>
+          <p:sp>
+            <p:nvSpPr>
+              <p:cNvPr id="3" name="Content Placeholder 2"/>
+              <p:cNvSpPr>
+                <a:spLocks noGrp="1" noRot="1" noChangeAspect="1" noMove="1" noResize="1" noEditPoints="1" noAdjustHandles="1" noChangeArrowheads="1" noChangeShapeType="1" noTextEdit="1"/>
+              </p:cNvSpPr>
+              <p:nvPr>
+                <p:ph idx="1"/>
+              </p:nvPr>
+            </p:nvSpPr>
+            <p:spPr>
+              <a:xfrm>
+                <a:off x="5181600" y="962232"/>
+                <a:ext cx="5791201" cy="5141388"/>
+              </a:xfrm>
+              <a:blipFill>
+                <a:blip r:embed="rId3"/>
+                <a:stretch>
+                  <a:fillRect l="-737" t="-1305"/>
+                </a:stretch>
+              </a:blipFill>
+            </p:spPr>
+            <p:txBody>
+              <a:bodyPr/>
+              <a:lstStyle/>
+              <a:p>
+                <a:r>
+                  <a:rPr lang="en-CA">
+                    <a:noFill/>
+                  </a:rPr>
+                  <a:t> </a:t>
+                </a:r>
+              </a:p>
+            </p:txBody>
+          </p:sp>
+        </mc:Fallback>
+      </mc:AlternateContent>
+      <p:pic>
+        <p:nvPicPr>
+          <p:cNvPr id="5" name="Picture 4">
+            <a:extLst>
+              <a:ext uri="{FF2B5EF4-FFF2-40B4-BE49-F238E27FC236}">
+                <a16:creationId xmlns:a16="http://schemas.microsoft.com/office/drawing/2014/main" id="{833DCAAB-5201-2614-1BED-604D92B24499}"/>
+              </a:ext>
+            </a:extLst>
+          </p:cNvPr>
+          <p:cNvPicPr>
+            <a:picLocks noChangeAspect="1"/>
+          </p:cNvPicPr>
+          <p:nvPr/>
+        </p:nvPicPr>
+        <p:blipFill>
+          <a:blip r:embed="rId4"/>
+          <a:stretch>
+            <a:fillRect/>
+          </a:stretch>
+        </p:blipFill>
+        <p:spPr>
+          <a:xfrm>
+            <a:off x="685800" y="1013549"/>
+            <a:ext cx="4296375" cy="4201111"/>
+          </a:xfrm>
+          <a:prstGeom prst="rect">
+            <a:avLst/>
+          </a:prstGeom>
+        </p:spPr>
+      </p:pic>
+    </p:spTree>
+    <p:extLst>
+      <p:ext uri="{BB962C8B-B14F-4D97-AF65-F5344CB8AC3E}">
+        <p14:creationId xmlns:p14="http://schemas.microsoft.com/office/powerpoint/2010/main" val="4133584554"/>
+      </p:ext>
+    </p:extLst>
+  </p:cSld>
+  <p:clrMapOvr>
+    <a:masterClrMapping/>
+  </p:clrMapOvr>
+</p:sld>
+</file>
+
+<file path=ppt/slides/slide61.xml><?xml version="1.0" encoding="utf-8"?>
+<p:sld xmlns:a="http://schemas.openxmlformats.org/drawingml/2006/main" xmlns:r="http://schemas.openxmlformats.org/officeDocument/2006/relationships" xmlns:p="http://schemas.openxmlformats.org/presentationml/2006/main">
+  <p:cSld>
+    <p:spTree>
+      <p:nvGrpSpPr>
+        <p:cNvPr id="1" name=""/>
+        <p:cNvGrpSpPr/>
+        <p:nvPr/>
+      </p:nvGrpSpPr>
+      <p:grpSpPr>
+        <a:xfrm>
+          <a:off x="0" y="0"/>
+          <a:ext cx="0" cy="0"/>
+          <a:chOff x="0" y="0"/>
+          <a:chExt cx="0" cy="0"/>
+        </a:xfrm>
+      </p:grpSpPr>
+      <p:sp>
+        <p:nvSpPr>
+          <p:cNvPr id="2" name="Title 1"/>
+          <p:cNvSpPr>
+            <a:spLocks noGrp="1"/>
+          </p:cNvSpPr>
+          <p:nvPr>
+            <p:ph type="title"/>
+          </p:nvPr>
+        </p:nvSpPr>
+        <p:spPr>
+          <a:xfrm>
+            <a:off x="609600" y="337392"/>
+            <a:ext cx="10439400" cy="624840"/>
+          </a:xfrm>
+        </p:spPr>
+        <p:txBody>
+          <a:bodyPr>
+            <a:noAutofit/>
+          </a:bodyPr>
+          <a:lstStyle/>
+          <a:p>
+            <a:r>
+              <a:rPr lang="en-US" sz="3600" dirty="0">
+                <a:cs typeface="Times New Roman" panose="02020603050405020304" pitchFamily="18" charset="0"/>
+              </a:rPr>
+              <a:t>Collinearity and Causality</a:t>
+            </a:r>
+            <a:endParaRPr lang="en-US" sz="3600" dirty="0">
+              <a:latin typeface="Times New Roman" panose="02020603050405020304" pitchFamily="18" charset="0"/>
+              <a:cs typeface="Times New Roman" panose="02020603050405020304" pitchFamily="18" charset="0"/>
+            </a:endParaRPr>
+          </a:p>
+        </p:txBody>
+      </p:sp>
+      <p:sp>
+        <p:nvSpPr>
+          <p:cNvPr id="3" name="Content Placeholder 2"/>
+          <p:cNvSpPr>
+            <a:spLocks noGrp="1"/>
+          </p:cNvSpPr>
+          <p:nvPr>
+            <p:ph idx="1"/>
+          </p:nvPr>
+        </p:nvSpPr>
+        <p:spPr>
+          <a:xfrm>
+            <a:off x="990600" y="954612"/>
+            <a:ext cx="9982201" cy="5141388"/>
+          </a:xfrm>
+        </p:spPr>
+        <p:txBody>
+          <a:bodyPr>
+            <a:noAutofit/>
+          </a:bodyPr>
+          <a:lstStyle/>
+          <a:p>
+            <a:r>
+              <a:rPr lang="en-CA" sz="2400" dirty="0">
+                <a:solidFill>
+                  <a:schemeClr val="tx1">
+                    <a:lumMod val="65000"/>
+                    <a:lumOff val="35000"/>
+                  </a:schemeClr>
+                </a:solidFill>
+                <a:cs typeface="Times New Roman" pitchFamily="18" charset="0"/>
+              </a:rPr>
+              <a:t>Some (explanatory) variables are </a:t>
+            </a:r>
+            <a:r>
+              <a:rPr lang="en-CA" sz="2400" b="1" dirty="0">
+                <a:solidFill>
+                  <a:schemeClr val="tx1">
+                    <a:lumMod val="65000"/>
+                    <a:lumOff val="35000"/>
+                  </a:schemeClr>
+                </a:solidFill>
+                <a:cs typeface="Times New Roman" pitchFamily="18" charset="0"/>
+              </a:rPr>
+              <a:t>highly correlated</a:t>
+            </a:r>
+            <a:r>
+              <a:rPr lang="en-CA" sz="2400" dirty="0">
+                <a:solidFill>
+                  <a:schemeClr val="tx1">
+                    <a:lumMod val="65000"/>
+                    <a:lumOff val="35000"/>
+                  </a:schemeClr>
+                </a:solidFill>
+                <a:cs typeface="Times New Roman" pitchFamily="18" charset="0"/>
+              </a:rPr>
+              <a:t>, complicating inference</a:t>
+            </a:r>
+          </a:p>
+          <a:p>
+            <a:pPr lvl="1"/>
+            <a:endParaRPr lang="en-US" sz="2400" dirty="0"/>
+          </a:p>
+        </p:txBody>
+      </p:sp>
+      <p:pic>
+        <p:nvPicPr>
+          <p:cNvPr id="5122" name="Picture 2" descr="Making a scatter plot | Python">
+            <a:extLst>
+              <a:ext uri="{FF2B5EF4-FFF2-40B4-BE49-F238E27FC236}">
+                <a16:creationId xmlns:a16="http://schemas.microsoft.com/office/drawing/2014/main" id="{E26249A2-B1EF-7126-9EAD-856C341E8767}"/>
+              </a:ext>
+            </a:extLst>
+          </p:cNvPr>
+          <p:cNvPicPr>
+            <a:picLocks noChangeAspect="1" noChangeArrowheads="1"/>
+          </p:cNvPicPr>
+          <p:nvPr/>
+        </p:nvPicPr>
+        <p:blipFill>
+          <a:blip r:embed="rId2">
+            <a:extLst>
+              <a:ext uri="{28A0092B-C50C-407E-A947-70E740481C1C}">
+                <a14:useLocalDpi xmlns:a14="http://schemas.microsoft.com/office/drawing/2010/main" val="0"/>
+              </a:ext>
+            </a:extLst>
+          </a:blip>
+          <a:srcRect/>
+          <a:stretch>
+            <a:fillRect/>
+          </a:stretch>
+        </p:blipFill>
+        <p:spPr bwMode="auto">
+          <a:xfrm>
+            <a:off x="2171700" y="1447800"/>
+            <a:ext cx="7315200" cy="4876800"/>
+          </a:xfrm>
+          <a:prstGeom prst="rect">
+            <a:avLst/>
+          </a:prstGeom>
+          <a:noFill/>
+          <a:extLst>
+            <a:ext uri="{909E8E84-426E-40DD-AFC4-6F175D3DCCD1}">
+              <a14:hiddenFill xmlns:a14="http://schemas.microsoft.com/office/drawing/2010/main">
+                <a:solidFill>
+                  <a:srgbClr val="FFFFFF"/>
+                </a:solidFill>
+              </a14:hiddenFill>
+            </a:ext>
+          </a:extLst>
+        </p:spPr>
+      </p:pic>
+    </p:spTree>
+    <p:extLst>
+      <p:ext uri="{BB962C8B-B14F-4D97-AF65-F5344CB8AC3E}">
+        <p14:creationId xmlns:p14="http://schemas.microsoft.com/office/powerpoint/2010/main" val="1639601439"/>
+      </p:ext>
+    </p:extLst>
+  </p:cSld>
+  <p:clrMapOvr>
+    <a:masterClrMapping/>
+  </p:clrMapOvr>
+</p:sld>
+</file>
+
+<file path=ppt/slides/slide62.xml><?xml version="1.0" encoding="utf-8"?>
+<p:sld xmlns:a="http://schemas.openxmlformats.org/drawingml/2006/main" xmlns:r="http://schemas.openxmlformats.org/officeDocument/2006/relationships" xmlns:p="http://schemas.openxmlformats.org/presentationml/2006/main">
+  <p:cSld>
+    <p:spTree>
+      <p:nvGrpSpPr>
+        <p:cNvPr id="1" name=""/>
+        <p:cNvGrpSpPr/>
+        <p:nvPr/>
+      </p:nvGrpSpPr>
+      <p:grpSpPr>
+        <a:xfrm>
+          <a:off x="0" y="0"/>
+          <a:ext cx="0" cy="0"/>
+          <a:chOff x="0" y="0"/>
+          <a:chExt cx="0" cy="0"/>
+        </a:xfrm>
+      </p:grpSpPr>
+      <p:sp>
+        <p:nvSpPr>
+          <p:cNvPr id="2" name="Title 1"/>
+          <p:cNvSpPr>
+            <a:spLocks noGrp="1"/>
+          </p:cNvSpPr>
+          <p:nvPr>
+            <p:ph type="title"/>
+          </p:nvPr>
+        </p:nvSpPr>
+        <p:spPr>
+          <a:xfrm>
+            <a:off x="609600" y="337392"/>
+            <a:ext cx="10439400" cy="624840"/>
+          </a:xfrm>
+        </p:spPr>
+        <p:txBody>
+          <a:bodyPr>
+            <a:noAutofit/>
+          </a:bodyPr>
+          <a:lstStyle/>
+          <a:p>
+            <a:r>
+              <a:rPr lang="en-US" sz="3600" dirty="0">
+                <a:cs typeface="Times New Roman" panose="02020603050405020304" pitchFamily="18" charset="0"/>
+              </a:rPr>
               <a:t>Collinearity and Causality</a:t>
             </a:r>
             <a:endParaRPr lang="en-US" sz="3600" dirty="0">
@@ -35136,7 +35638,7 @@
 </p:sld>
 </file>
 
-<file path=ppt/slides/slide61.xml><?xml version="1.0" encoding="utf-8"?>
+<file path=ppt/slides/slide63.xml><?xml version="1.0" encoding="utf-8"?>
 <p:sld xmlns:a="http://schemas.openxmlformats.org/drawingml/2006/main" xmlns:r="http://schemas.openxmlformats.org/officeDocument/2006/relationships" xmlns:p="http://schemas.openxmlformats.org/presentationml/2006/main">
   <p:cSld>
     <p:spTree>

--- a/Lecture04_MultivariateOLS2/Lecture4_MultivariateOLS2_2022F.pptx
+++ b/Lecture04_MultivariateOLS2/Lecture4_MultivariateOLS2_2022F.pptx
@@ -5,7 +5,7 @@
     <p:sldMasterId id="2147483738" r:id="rId1"/>
   </p:sldMasterIdLst>
   <p:notesMasterIdLst>
-    <p:notesMasterId r:id="rId65"/>
+    <p:notesMasterId r:id="rId66"/>
   </p:notesMasterIdLst>
   <p:sldIdLst>
     <p:sldId id="256" r:id="rId2"/>
@@ -66,11 +66,12 @@
     <p:sldId id="471" r:id="rId57"/>
     <p:sldId id="466" r:id="rId58"/>
     <p:sldId id="468" r:id="rId59"/>
-    <p:sldId id="476" r:id="rId60"/>
-    <p:sldId id="477" r:id="rId61"/>
-    <p:sldId id="467" r:id="rId62"/>
-    <p:sldId id="469" r:id="rId63"/>
-    <p:sldId id="470" r:id="rId64"/>
+    <p:sldId id="478" r:id="rId60"/>
+    <p:sldId id="476" r:id="rId61"/>
+    <p:sldId id="477" r:id="rId62"/>
+    <p:sldId id="467" r:id="rId63"/>
+    <p:sldId id="469" r:id="rId64"/>
+    <p:sldId id="470" r:id="rId65"/>
   </p:sldIdLst>
   <p:sldSz cx="12192000" cy="6858000"/>
   <p:notesSz cx="7010400" cy="9296400"/>
@@ -270,7 +271,7 @@
           <a:p>
             <a:fld id="{EF911157-0FC2-4F06-8D61-FD647FE4E19D}" type="datetimeFigureOut">
               <a:rPr lang="en-US" smtClean="0"/>
-              <a:t>9/19/2022</a:t>
+              <a:t>9/22/2022</a:t>
             </a:fld>
             <a:endParaRPr lang="en-US"/>
           </a:p>
@@ -4045,8 +4046,8 @@
           <a:lstStyle/>
           <a:p>
             <a:r>
-              <a:rPr lang="en-CA" dirty="0"/>
-              <a:t>Measurement error can be the result of an open back door, or selection – what health examples are there? </a:t>
+              <a:rPr lang="en-US" dirty="0"/>
+              <a:t>But when is it really classical? </a:t>
             </a:r>
           </a:p>
         </p:txBody>
@@ -4077,6 +4078,93 @@
     </p:spTree>
     <p:extLst>
       <p:ext uri="{BB962C8B-B14F-4D97-AF65-F5344CB8AC3E}">
+        <p14:creationId xmlns:p14="http://schemas.microsoft.com/office/powerpoint/2010/main" val="3992584939"/>
+      </p:ext>
+    </p:extLst>
+  </p:cSld>
+  <p:clrMapOvr>
+    <a:masterClrMapping/>
+  </p:clrMapOvr>
+</p:notes>
+</file>
+
+<file path=ppt/notesSlides/notesSlide41.xml><?xml version="1.0" encoding="utf-8"?>
+<p:notes xmlns:a="http://schemas.openxmlformats.org/drawingml/2006/main" xmlns:r="http://schemas.openxmlformats.org/officeDocument/2006/relationships" xmlns:p="http://schemas.openxmlformats.org/presentationml/2006/main">
+  <p:cSld>
+    <p:spTree>
+      <p:nvGrpSpPr>
+        <p:cNvPr id="1" name=""/>
+        <p:cNvGrpSpPr/>
+        <p:nvPr/>
+      </p:nvGrpSpPr>
+      <p:grpSpPr>
+        <a:xfrm>
+          <a:off x="0" y="0"/>
+          <a:ext cx="0" cy="0"/>
+          <a:chOff x="0" y="0"/>
+          <a:chExt cx="0" cy="0"/>
+        </a:xfrm>
+      </p:grpSpPr>
+      <p:sp>
+        <p:nvSpPr>
+          <p:cNvPr id="2" name="Slide Image Placeholder 1"/>
+          <p:cNvSpPr>
+            <a:spLocks noGrp="1" noRot="1" noChangeAspect="1"/>
+          </p:cNvSpPr>
+          <p:nvPr>
+            <p:ph type="sldImg"/>
+          </p:nvPr>
+        </p:nvSpPr>
+        <p:spPr/>
+      </p:sp>
+      <p:sp>
+        <p:nvSpPr>
+          <p:cNvPr id="3" name="Notes Placeholder 2"/>
+          <p:cNvSpPr>
+            <a:spLocks noGrp="1"/>
+          </p:cNvSpPr>
+          <p:nvPr>
+            <p:ph type="body" idx="1"/>
+          </p:nvPr>
+        </p:nvSpPr>
+        <p:spPr/>
+        <p:txBody>
+          <a:bodyPr/>
+          <a:lstStyle/>
+          <a:p>
+            <a:r>
+              <a:rPr lang="en-CA" dirty="0"/>
+              <a:t>Measurement error can be the result of an open back door, or selection – what health examples are there? </a:t>
+            </a:r>
+          </a:p>
+        </p:txBody>
+      </p:sp>
+      <p:sp>
+        <p:nvSpPr>
+          <p:cNvPr id="4" name="Slide Number Placeholder 3"/>
+          <p:cNvSpPr>
+            <a:spLocks noGrp="1"/>
+          </p:cNvSpPr>
+          <p:nvPr>
+            <p:ph type="sldNum" sz="quarter" idx="5"/>
+          </p:nvPr>
+        </p:nvSpPr>
+        <p:spPr/>
+        <p:txBody>
+          <a:bodyPr/>
+          <a:lstStyle/>
+          <a:p>
+            <a:fld id="{4AF79E1B-2C51-4B9B-8EA4-26DE9E345AFF}" type="slidenum">
+              <a:rPr lang="en-US" smtClean="0"/>
+              <a:t>60</a:t>
+            </a:fld>
+            <a:endParaRPr lang="en-US"/>
+          </a:p>
+        </p:txBody>
+      </p:sp>
+    </p:spTree>
+    <p:extLst>
+      <p:ext uri="{BB962C8B-B14F-4D97-AF65-F5344CB8AC3E}">
         <p14:creationId xmlns:p14="http://schemas.microsoft.com/office/powerpoint/2010/main" val="2337618453"/>
       </p:ext>
     </p:extLst>
@@ -4087,7 +4175,7 @@
 </p:notes>
 </file>
 
-<file path=ppt/notesSlides/notesSlide41.xml><?xml version="1.0" encoding="utf-8"?>
+<file path=ppt/notesSlides/notesSlide42.xml><?xml version="1.0" encoding="utf-8"?>
 <p:notes xmlns:a="http://schemas.openxmlformats.org/drawingml/2006/main" xmlns:r="http://schemas.openxmlformats.org/officeDocument/2006/relationships" xmlns:p="http://schemas.openxmlformats.org/presentationml/2006/main">
   <p:cSld>
     <p:spTree>
@@ -4155,7 +4243,7 @@
           <a:p>
             <a:fld id="{4AF79E1B-2C51-4B9B-8EA4-26DE9E345AFF}" type="slidenum">
               <a:rPr lang="en-US" smtClean="0"/>
-              <a:t>60</a:t>
+              <a:t>61</a:t>
             </a:fld>
             <a:endParaRPr lang="en-US"/>
           </a:p>
@@ -4763,7 +4851,7 @@
             <a:fld id="{0972D05C-DCFB-4BB6-B49C-AC126BF3ED2C}" type="datetimeFigureOut">
               <a:rPr lang="en-US" smtClean="0"/>
               <a:pPr/>
-              <a:t>9/19/2022</a:t>
+              <a:t>9/22/2022</a:t>
             </a:fld>
             <a:endParaRPr lang="en-US"/>
           </a:p>
@@ -4993,7 +5081,7 @@
             <a:fld id="{0972D05C-DCFB-4BB6-B49C-AC126BF3ED2C}" type="datetimeFigureOut">
               <a:rPr lang="en-US" smtClean="0"/>
               <a:pPr/>
-              <a:t>9/19/2022</a:t>
+              <a:t>9/22/2022</a:t>
             </a:fld>
             <a:endParaRPr lang="en-US"/>
           </a:p>
@@ -5175,7 +5263,7 @@
             <a:fld id="{0972D05C-DCFB-4BB6-B49C-AC126BF3ED2C}" type="datetimeFigureOut">
               <a:rPr lang="en-US" smtClean="0"/>
               <a:pPr/>
-              <a:t>9/19/2022</a:t>
+              <a:t>9/22/2022</a:t>
             </a:fld>
             <a:endParaRPr lang="en-US"/>
           </a:p>
@@ -5347,7 +5435,7 @@
             <a:fld id="{0972D05C-DCFB-4BB6-B49C-AC126BF3ED2C}" type="datetimeFigureOut">
               <a:rPr lang="en-US" smtClean="0"/>
               <a:pPr/>
-              <a:t>9/19/2022</a:t>
+              <a:t>9/22/2022</a:t>
             </a:fld>
             <a:endParaRPr lang="en-US"/>
           </a:p>
@@ -5603,7 +5691,7 @@
             <a:fld id="{0972D05C-DCFB-4BB6-B49C-AC126BF3ED2C}" type="datetimeFigureOut">
               <a:rPr lang="en-US" smtClean="0"/>
               <a:pPr/>
-              <a:t>9/19/2022</a:t>
+              <a:t>9/22/2022</a:t>
             </a:fld>
             <a:endParaRPr lang="en-US"/>
           </a:p>
@@ -5931,7 +6019,7 @@
             <a:fld id="{0972D05C-DCFB-4BB6-B49C-AC126BF3ED2C}" type="datetimeFigureOut">
               <a:rPr lang="en-US" smtClean="0"/>
               <a:pPr/>
-              <a:t>9/19/2022</a:t>
+              <a:t>9/22/2022</a:t>
             </a:fld>
             <a:endParaRPr lang="en-US"/>
           </a:p>
@@ -6384,7 +6472,7 @@
             <a:fld id="{0972D05C-DCFB-4BB6-B49C-AC126BF3ED2C}" type="datetimeFigureOut">
               <a:rPr lang="en-US" smtClean="0"/>
               <a:pPr/>
-              <a:t>9/19/2022</a:t>
+              <a:t>9/22/2022</a:t>
             </a:fld>
             <a:endParaRPr lang="en-US"/>
           </a:p>
@@ -6504,7 +6592,7 @@
             <a:fld id="{0972D05C-DCFB-4BB6-B49C-AC126BF3ED2C}" type="datetimeFigureOut">
               <a:rPr lang="en-US" smtClean="0"/>
               <a:pPr/>
-              <a:t>9/19/2022</a:t>
+              <a:t>9/22/2022</a:t>
             </a:fld>
             <a:endParaRPr lang="en-US"/>
           </a:p>
@@ -6601,7 +6689,7 @@
             <a:fld id="{0972D05C-DCFB-4BB6-B49C-AC126BF3ED2C}" type="datetimeFigureOut">
               <a:rPr lang="en-US" smtClean="0"/>
               <a:pPr/>
-              <a:t>9/19/2022</a:t>
+              <a:t>9/22/2022</a:t>
             </a:fld>
             <a:endParaRPr lang="en-US"/>
           </a:p>
@@ -6890,7 +6978,7 @@
             <a:fld id="{0972D05C-DCFB-4BB6-B49C-AC126BF3ED2C}" type="datetimeFigureOut">
               <a:rPr lang="en-US" smtClean="0"/>
               <a:pPr/>
-              <a:t>9/19/2022</a:t>
+              <a:t>9/22/2022</a:t>
             </a:fld>
             <a:endParaRPr lang="en-US"/>
           </a:p>
@@ -7214,7 +7302,7 @@
             <a:fld id="{0972D05C-DCFB-4BB6-B49C-AC126BF3ED2C}" type="datetimeFigureOut">
               <a:rPr lang="en-US" smtClean="0"/>
               <a:pPr/>
-              <a:t>9/19/2022</a:t>
+              <a:t>9/22/2022</a:t>
             </a:fld>
             <a:endParaRPr lang="en-US"/>
           </a:p>
@@ -7469,7 +7557,7 @@
             <a:fld id="{0972D05C-DCFB-4BB6-B49C-AC126BF3ED2C}" type="datetimeFigureOut">
               <a:rPr lang="en-US" smtClean="0"/>
               <a:pPr/>
-              <a:t>9/19/2022</a:t>
+              <a:t>9/22/2022</a:t>
             </a:fld>
             <a:endParaRPr lang="en-US" dirty="0"/>
           </a:p>
@@ -33653,8 +33741,8 @@
           </a:p>
         </p:txBody>
       </p:sp>
-      <mc:AlternateContent xmlns:mc="http://schemas.openxmlformats.org/markup-compatibility/2006">
-        <mc:Choice xmlns:a14="http://schemas.microsoft.com/office/drawing/2010/main" Requires="a14">
+      <mc:AlternateContent xmlns:mc="http://schemas.openxmlformats.org/markup-compatibility/2006" xmlns:a14="http://schemas.microsoft.com/office/drawing/2010/main">
+        <mc:Choice Requires="a14">
           <p:sp>
             <p:nvSpPr>
               <p:cNvPr id="3" name="Content Placeholder 2"/>
@@ -33924,7 +34012,7 @@
             </p:txBody>
           </p:sp>
         </mc:Choice>
-        <mc:Fallback>
+        <mc:Fallback xmlns="">
           <p:sp>
             <p:nvSpPr>
               <p:cNvPr id="3" name="Content Placeholder 2"/>
@@ -33978,6 +34066,14 @@
 <file path=ppt/slides/slide59.xml><?xml version="1.0" encoding="utf-8"?>
 <p:sld xmlns:a="http://schemas.openxmlformats.org/drawingml/2006/main" xmlns:r="http://schemas.openxmlformats.org/officeDocument/2006/relationships" xmlns:p="http://schemas.openxmlformats.org/presentationml/2006/main">
   <p:cSld>
+    <p:bg>
+      <p:bgPr>
+        <a:solidFill>
+          <a:schemeClr val="bg1"/>
+        </a:solidFill>
+        <a:effectLst/>
+      </p:bgPr>
+    </p:bg>
     <p:spTree>
       <p:nvGrpSpPr>
         <p:cNvPr id="1" name=""/>
@@ -33994,6 +34090,179 @@
       </p:grpSpPr>
       <p:sp>
         <p:nvSpPr>
+          <p:cNvPr id="1031" name="Rectangle 1030">
+            <a:extLst>
+              <a:ext uri="{FF2B5EF4-FFF2-40B4-BE49-F238E27FC236}">
+                <a16:creationId xmlns:a16="http://schemas.microsoft.com/office/drawing/2014/main" id="{5D5E0904-721C-4D68-9EB8-1C9752E329A7}"/>
+              </a:ext>
+              <a:ext uri="{C183D7F6-B498-43B3-948B-1728B52AA6E4}">
+                <adec:decorative xmlns:adec="http://schemas.microsoft.com/office/drawing/2017/decorative" val="1"/>
+              </a:ext>
+            </a:extLst>
+          </p:cNvPr>
+          <p:cNvSpPr>
+            <a:spLocks noGrp="1" noRot="1" noChangeAspect="1" noMove="1" noResize="1" noEditPoints="1" noAdjustHandles="1" noChangeArrowheads="1" noChangeShapeType="1" noTextEdit="1"/>
+          </p:cNvSpPr>
+          <p:nvPr>
+            <p:extLst>
+              <p:ext uri="{386F3935-93C4-4BCD-93E2-E3B085C9AB24}">
+                <p16:designElem xmlns:p16="http://schemas.microsoft.com/office/powerpoint/2015/main" val="1"/>
+              </p:ext>
+            </p:extLst>
+          </p:nvPr>
+        </p:nvSpPr>
+        <p:spPr>
+          <a:xfrm>
+            <a:off x="0" y="0"/>
+            <a:ext cx="457200" cy="6858000"/>
+          </a:xfrm>
+          <a:prstGeom prst="rect">
+            <a:avLst/>
+          </a:prstGeom>
+          <a:solidFill>
+            <a:schemeClr val="accent1"/>
+          </a:solidFill>
+          <a:ln>
+            <a:noFill/>
+          </a:ln>
+        </p:spPr>
+        <p:style>
+          <a:lnRef idx="2">
+            <a:schemeClr val="accent1">
+              <a:shade val="50000"/>
+            </a:schemeClr>
+          </a:lnRef>
+          <a:fillRef idx="1">
+            <a:schemeClr val="accent1"/>
+          </a:fillRef>
+          <a:effectRef idx="0">
+            <a:schemeClr val="accent1"/>
+          </a:effectRef>
+          <a:fontRef idx="minor">
+            <a:schemeClr val="lt1"/>
+          </a:fontRef>
+        </p:style>
+      </p:sp>
+      <p:sp>
+        <p:nvSpPr>
+          <p:cNvPr id="1033" name="Rectangle 1032">
+            <a:extLst>
+              <a:ext uri="{FF2B5EF4-FFF2-40B4-BE49-F238E27FC236}">
+                <a16:creationId xmlns:a16="http://schemas.microsoft.com/office/drawing/2014/main" id="{B298ECBA-3258-45DF-8FD4-7581736BCCBC}"/>
+              </a:ext>
+              <a:ext uri="{C183D7F6-B498-43B3-948B-1728B52AA6E4}">
+                <adec:decorative xmlns:adec="http://schemas.microsoft.com/office/drawing/2017/decorative" val="1"/>
+              </a:ext>
+            </a:extLst>
+          </p:cNvPr>
+          <p:cNvSpPr>
+            <a:spLocks noGrp="1" noRot="1" noChangeAspect="1" noMove="1" noResize="1" noEditPoints="1" noAdjustHandles="1" noChangeArrowheads="1" noChangeShapeType="1" noTextEdit="1"/>
+          </p:cNvSpPr>
+          <p:nvPr>
+            <p:extLst>
+              <p:ext uri="{386F3935-93C4-4BCD-93E2-E3B085C9AB24}">
+                <p16:designElem xmlns:p16="http://schemas.microsoft.com/office/powerpoint/2015/main" val="1"/>
+              </p:ext>
+            </p:extLst>
+          </p:nvPr>
+        </p:nvSpPr>
+        <p:spPr>
+          <a:xfrm>
+            <a:off x="0" y="-3244"/>
+            <a:ext cx="457200" cy="6858000"/>
+          </a:xfrm>
+          <a:prstGeom prst="rect">
+            <a:avLst/>
+          </a:prstGeom>
+          <a:solidFill>
+            <a:srgbClr val="6F6F74"/>
+          </a:solidFill>
+          <a:ln>
+            <a:noFill/>
+          </a:ln>
+        </p:spPr>
+        <p:style>
+          <a:lnRef idx="2">
+            <a:schemeClr val="accent1">
+              <a:shade val="50000"/>
+            </a:schemeClr>
+          </a:lnRef>
+          <a:fillRef idx="1">
+            <a:schemeClr val="accent1"/>
+          </a:fillRef>
+          <a:effectRef idx="0">
+            <a:schemeClr val="accent1"/>
+          </a:effectRef>
+          <a:fontRef idx="minor">
+            <a:schemeClr val="lt1"/>
+          </a:fontRef>
+        </p:style>
+        <p:txBody>
+          <a:bodyPr rtlCol="0" anchor="ctr"/>
+          <a:lstStyle/>
+          <a:p>
+            <a:pPr algn="ctr"/>
+            <a:endParaRPr lang="en-US"/>
+          </a:p>
+        </p:txBody>
+      </p:sp>
+      <p:sp>
+        <p:nvSpPr>
+          <p:cNvPr id="1035" name="Rectangle 1034">
+            <a:extLst>
+              <a:ext uri="{FF2B5EF4-FFF2-40B4-BE49-F238E27FC236}">
+                <a16:creationId xmlns:a16="http://schemas.microsoft.com/office/drawing/2014/main" id="{B62BF453-BD82-4B90-9FE7-51703133806E}"/>
+              </a:ext>
+              <a:ext uri="{C183D7F6-B498-43B3-948B-1728B52AA6E4}">
+                <adec:decorative xmlns:adec="http://schemas.microsoft.com/office/drawing/2017/decorative" val="1"/>
+              </a:ext>
+            </a:extLst>
+          </p:cNvPr>
+          <p:cNvSpPr>
+            <a:spLocks noGrp="1" noRot="1" noChangeAspect="1" noMove="1" noResize="1" noEditPoints="1" noAdjustHandles="1" noChangeArrowheads="1" noChangeShapeType="1" noTextEdit="1"/>
+          </p:cNvSpPr>
+          <p:nvPr>
+            <p:extLst>
+              <p:ext uri="{386F3935-93C4-4BCD-93E2-E3B085C9AB24}">
+                <p16:designElem xmlns:p16="http://schemas.microsoft.com/office/powerpoint/2015/main" val="1"/>
+              </p:ext>
+            </p:extLst>
+          </p:nvPr>
+        </p:nvSpPr>
+        <p:spPr>
+          <a:xfrm>
+            <a:off x="457200" y="0"/>
+            <a:ext cx="10835640" cy="6858000"/>
+          </a:xfrm>
+          <a:prstGeom prst="rect">
+            <a:avLst/>
+          </a:prstGeom>
+          <a:solidFill>
+            <a:srgbClr val="353537"/>
+          </a:solidFill>
+          <a:ln>
+            <a:noFill/>
+          </a:ln>
+        </p:spPr>
+        <p:style>
+          <a:lnRef idx="2">
+            <a:schemeClr val="accent1">
+              <a:shade val="50000"/>
+            </a:schemeClr>
+          </a:lnRef>
+          <a:fillRef idx="1">
+            <a:schemeClr val="accent1"/>
+          </a:fillRef>
+          <a:effectRef idx="0">
+            <a:schemeClr val="accent1"/>
+          </a:effectRef>
+          <a:fontRef idx="minor">
+            <a:schemeClr val="lt1"/>
+          </a:fontRef>
+        </p:style>
+      </p:sp>
+      <p:sp>
+        <p:nvSpPr>
           <p:cNvPr id="2" name="Title 1"/>
           <p:cNvSpPr>
             <a:spLocks noGrp="1"/>
@@ -34004,94 +34273,208 @@
         </p:nvSpPr>
         <p:spPr>
           <a:xfrm>
-            <a:off x="609600" y="337392"/>
-            <a:ext cx="10439400" cy="624840"/>
+            <a:off x="8318090" y="758952"/>
+            <a:ext cx="2802194" cy="4041648"/>
           </a:xfrm>
         </p:spPr>
         <p:txBody>
-          <a:bodyPr>
-            <a:noAutofit/>
+          <a:bodyPr vert="horz" lIns="91440" tIns="45720" rIns="91440" bIns="45720" rtlCol="0" anchor="b">
+            <a:normAutofit/>
           </a:bodyPr>
           <a:lstStyle/>
           <a:p>
+            <a:pPr>
+              <a:lnSpc>
+                <a:spcPct val="85000"/>
+              </a:lnSpc>
+            </a:pPr>
             <a:r>
-              <a:rPr lang="en-US" sz="3600" dirty="0">
-                <a:cs typeface="Times New Roman" panose="02020603050405020304" pitchFamily="18" charset="0"/>
+              <a:rPr lang="en-US" sz="3100">
+                <a:solidFill>
+                  <a:srgbClr val="FFFFFF"/>
+                </a:solidFill>
+                <a:latin typeface="+mj-lt"/>
               </a:rPr>
-              <a:t>Non-Classical Measurement Error: Examples</a:t>
+              <a:t>Classical Measurement Error</a:t>
             </a:r>
-            <a:endParaRPr lang="en-US" sz="3600" dirty="0">
-              <a:latin typeface="Times New Roman" panose="02020603050405020304" pitchFamily="18" charset="0"/>
-              <a:cs typeface="Times New Roman" panose="02020603050405020304" pitchFamily="18" charset="0"/>
-            </a:endParaRPr>
           </a:p>
         </p:txBody>
       </p:sp>
-      <p:sp>
+      <p:sp useBgFill="1">
         <p:nvSpPr>
-          <p:cNvPr id="3" name="Content Placeholder 2"/>
+          <p:cNvPr id="1037" name="Rectangle 1036">
+            <a:extLst>
+              <a:ext uri="{FF2B5EF4-FFF2-40B4-BE49-F238E27FC236}">
+                <a16:creationId xmlns:a16="http://schemas.microsoft.com/office/drawing/2014/main" id="{072366D3-9B5C-42E1-9906-77FF6BB55EAB}"/>
+              </a:ext>
+              <a:ext uri="{C183D7F6-B498-43B3-948B-1728B52AA6E4}">
+                <adec:decorative xmlns:adec="http://schemas.microsoft.com/office/drawing/2017/decorative" val="1"/>
+              </a:ext>
+            </a:extLst>
+          </p:cNvPr>
           <p:cNvSpPr>
-            <a:spLocks noGrp="1"/>
+            <a:spLocks noGrp="1" noRot="1" noChangeAspect="1" noMove="1" noResize="1" noEditPoints="1" noAdjustHandles="1" noChangeArrowheads="1" noChangeShapeType="1" noTextEdit="1"/>
           </p:cNvSpPr>
           <p:nvPr>
-            <p:ph idx="1"/>
+            <p:extLst>
+              <p:ext uri="{386F3935-93C4-4BCD-93E2-E3B085C9AB24}">
+                <p16:designElem xmlns:p16="http://schemas.microsoft.com/office/powerpoint/2015/main" val="1"/>
+              </p:ext>
+            </p:extLst>
           </p:nvPr>
         </p:nvSpPr>
         <p:spPr>
           <a:xfrm>
-            <a:off x="5181600" y="962232"/>
-            <a:ext cx="5791201" cy="5141388"/>
+            <a:off x="452283" y="0"/>
+            <a:ext cx="7561007" cy="6858000"/>
           </a:xfrm>
+          <a:prstGeom prst="rect">
+            <a:avLst/>
+          </a:prstGeom>
+          <a:ln>
+            <a:noFill/>
+          </a:ln>
         </p:spPr>
+        <p:style>
+          <a:lnRef idx="2">
+            <a:schemeClr val="accent1">
+              <a:shade val="50000"/>
+            </a:schemeClr>
+          </a:lnRef>
+          <a:fillRef idx="1">
+            <a:schemeClr val="accent1"/>
+          </a:fillRef>
+          <a:effectRef idx="0">
+            <a:schemeClr val="accent1"/>
+          </a:effectRef>
+          <a:fontRef idx="minor">
+            <a:schemeClr val="lt1"/>
+          </a:fontRef>
+        </p:style>
         <p:txBody>
-          <a:bodyPr>
-            <a:noAutofit/>
-          </a:bodyPr>
+          <a:bodyPr rtlCol="0" anchor="ctr"/>
           <a:lstStyle/>
           <a:p>
-            <a:endParaRPr lang="en-US" sz="2400" dirty="0"/>
-          </a:p>
-          <a:p>
-            <a:endParaRPr lang="en-US" sz="2400" dirty="0">
-              <a:cs typeface="Times New Roman" panose="02020603050405020304" pitchFamily="18" charset="0"/>
-            </a:endParaRPr>
+            <a:pPr algn="ctr"/>
+            <a:endParaRPr lang="en-US"/>
           </a:p>
         </p:txBody>
       </p:sp>
       <p:pic>
         <p:nvPicPr>
-          <p:cNvPr id="5" name="Picture 4">
+          <p:cNvPr id="1026" name="Picture 2" descr="Image">
             <a:extLst>
               <a:ext uri="{FF2B5EF4-FFF2-40B4-BE49-F238E27FC236}">
-                <a16:creationId xmlns:a16="http://schemas.microsoft.com/office/drawing/2014/main" id="{833DCAAB-5201-2614-1BED-604D92B24499}"/>
+                <a16:creationId xmlns:a16="http://schemas.microsoft.com/office/drawing/2014/main" id="{81B31AEC-7023-F3A0-903D-5E618E7D97D1}"/>
               </a:ext>
             </a:extLst>
           </p:cNvPr>
           <p:cNvPicPr>
-            <a:picLocks noChangeAspect="1"/>
+            <a:picLocks noGrp="1" noChangeAspect="1" noChangeArrowheads="1"/>
           </p:cNvPicPr>
-          <p:nvPr/>
+          <p:nvPr>
+            <p:ph idx="1"/>
+          </p:nvPr>
         </p:nvPicPr>
         <p:blipFill>
-          <a:blip r:embed="rId3"/>
+          <a:blip r:embed="rId3">
+            <a:extLst>
+              <a:ext uri="{28A0092B-C50C-407E-A947-70E740481C1C}">
+                <a14:useLocalDpi xmlns:a14="http://schemas.microsoft.com/office/drawing/2010/main" val="0"/>
+              </a:ext>
+            </a:extLst>
+          </a:blip>
           <a:stretch>
             <a:fillRect/>
           </a:stretch>
         </p:blipFill>
-        <p:spPr>
+        <p:spPr bwMode="auto">
           <a:xfrm>
-            <a:off x="685800" y="1013549"/>
-            <a:ext cx="4296375" cy="4201111"/>
+            <a:off x="924375" y="1018887"/>
+            <a:ext cx="6616823" cy="4813738"/>
           </a:xfrm>
           <a:prstGeom prst="rect">
             <a:avLst/>
           </a:prstGeom>
+          <a:noFill/>
+          <a:extLst>
+            <a:ext uri="{909E8E84-426E-40DD-AFC4-6F175D3DCCD1}">
+              <a14:hiddenFill xmlns:a14="http://schemas.microsoft.com/office/drawing/2010/main">
+                <a:solidFill>
+                  <a:srgbClr val="FFFFFF"/>
+                </a:solidFill>
+              </a14:hiddenFill>
+            </a:ext>
+          </a:extLst>
         </p:spPr>
       </p:pic>
+      <p:sp>
+        <p:nvSpPr>
+          <p:cNvPr id="1039" name="Rectangle 1038">
+            <a:extLst>
+              <a:ext uri="{FF2B5EF4-FFF2-40B4-BE49-F238E27FC236}">
+                <a16:creationId xmlns:a16="http://schemas.microsoft.com/office/drawing/2014/main" id="{121F5E60-4E89-4B16-A245-12BD9935998D}"/>
+              </a:ext>
+              <a:ext uri="{C183D7F6-B498-43B3-948B-1728B52AA6E4}">
+                <adec:decorative xmlns:adec="http://schemas.microsoft.com/office/drawing/2017/decorative" val="1"/>
+              </a:ext>
+            </a:extLst>
+          </p:cNvPr>
+          <p:cNvSpPr>
+            <a:spLocks noGrp="1" noRot="1" noChangeAspect="1" noMove="1" noResize="1" noEditPoints="1" noAdjustHandles="1" noChangeArrowheads="1" noChangeShapeType="1" noTextEdit="1"/>
+          </p:cNvSpPr>
+          <p:nvPr>
+            <p:extLst>
+              <p:ext uri="{386F3935-93C4-4BCD-93E2-E3B085C9AB24}">
+                <p16:designElem xmlns:p16="http://schemas.microsoft.com/office/powerpoint/2015/main" val="1"/>
+              </p:ext>
+            </p:extLst>
+          </p:nvPr>
+        </p:nvSpPr>
+        <p:spPr>
+          <a:xfrm>
+            <a:off x="11292840" y="0"/>
+            <a:ext cx="899160" cy="6858000"/>
+          </a:xfrm>
+          <a:prstGeom prst="rect">
+            <a:avLst/>
+          </a:prstGeom>
+          <a:solidFill>
+            <a:srgbClr val="353537"/>
+          </a:solidFill>
+          <a:ln>
+            <a:noFill/>
+          </a:ln>
+        </p:spPr>
+        <p:style>
+          <a:lnRef idx="2">
+            <a:schemeClr val="accent1">
+              <a:shade val="50000"/>
+            </a:schemeClr>
+          </a:lnRef>
+          <a:fillRef idx="1">
+            <a:schemeClr val="accent1"/>
+          </a:fillRef>
+          <a:effectRef idx="0">
+            <a:schemeClr val="accent1"/>
+          </a:effectRef>
+          <a:fontRef idx="minor">
+            <a:schemeClr val="lt1"/>
+          </a:fontRef>
+        </p:style>
+        <p:txBody>
+          <a:bodyPr rtlCol="0" anchor="ctr"/>
+          <a:lstStyle/>
+          <a:p>
+            <a:pPr algn="ctr"/>
+            <a:endParaRPr lang="en-US"/>
+          </a:p>
+        </p:txBody>
+      </p:sp>
     </p:spTree>
     <p:extLst>
       <p:ext uri="{BB962C8B-B14F-4D97-AF65-F5344CB8AC3E}">
-        <p14:creationId xmlns:p14="http://schemas.microsoft.com/office/powerpoint/2010/main" val="1790188087"/>
+        <p14:creationId xmlns:p14="http://schemas.microsoft.com/office/powerpoint/2010/main" val="373290842"/>
       </p:ext>
     </p:extLst>
   </p:cSld>
@@ -34797,8 +35180,134 @@
           </a:p>
         </p:txBody>
       </p:sp>
-      <mc:AlternateContent xmlns:mc="http://schemas.openxmlformats.org/markup-compatibility/2006">
-        <mc:Choice xmlns:a14="http://schemas.microsoft.com/office/drawing/2010/main" Requires="a14">
+      <p:sp>
+        <p:nvSpPr>
+          <p:cNvPr id="3" name="Content Placeholder 2"/>
+          <p:cNvSpPr>
+            <a:spLocks noGrp="1"/>
+          </p:cNvSpPr>
+          <p:nvPr>
+            <p:ph idx="1"/>
+          </p:nvPr>
+        </p:nvSpPr>
+        <p:spPr>
+          <a:xfrm>
+            <a:off x="5181600" y="962232"/>
+            <a:ext cx="5791201" cy="5141388"/>
+          </a:xfrm>
+        </p:spPr>
+        <p:txBody>
+          <a:bodyPr>
+            <a:noAutofit/>
+          </a:bodyPr>
+          <a:lstStyle/>
+          <a:p>
+            <a:endParaRPr lang="en-US" sz="2400" dirty="0"/>
+          </a:p>
+          <a:p>
+            <a:endParaRPr lang="en-US" sz="2400" dirty="0">
+              <a:cs typeface="Times New Roman" panose="02020603050405020304" pitchFamily="18" charset="0"/>
+            </a:endParaRPr>
+          </a:p>
+        </p:txBody>
+      </p:sp>
+      <p:pic>
+        <p:nvPicPr>
+          <p:cNvPr id="5" name="Picture 4">
+            <a:extLst>
+              <a:ext uri="{FF2B5EF4-FFF2-40B4-BE49-F238E27FC236}">
+                <a16:creationId xmlns:a16="http://schemas.microsoft.com/office/drawing/2014/main" id="{833DCAAB-5201-2614-1BED-604D92B24499}"/>
+              </a:ext>
+            </a:extLst>
+          </p:cNvPr>
+          <p:cNvPicPr>
+            <a:picLocks noChangeAspect="1"/>
+          </p:cNvPicPr>
+          <p:nvPr/>
+        </p:nvPicPr>
+        <p:blipFill>
+          <a:blip r:embed="rId3"/>
+          <a:stretch>
+            <a:fillRect/>
+          </a:stretch>
+        </p:blipFill>
+        <p:spPr>
+          <a:xfrm>
+            <a:off x="685800" y="1013549"/>
+            <a:ext cx="4296375" cy="4201111"/>
+          </a:xfrm>
+          <a:prstGeom prst="rect">
+            <a:avLst/>
+          </a:prstGeom>
+        </p:spPr>
+      </p:pic>
+    </p:spTree>
+    <p:extLst>
+      <p:ext uri="{BB962C8B-B14F-4D97-AF65-F5344CB8AC3E}">
+        <p14:creationId xmlns:p14="http://schemas.microsoft.com/office/powerpoint/2010/main" val="1790188087"/>
+      </p:ext>
+    </p:extLst>
+  </p:cSld>
+  <p:clrMapOvr>
+    <a:masterClrMapping/>
+  </p:clrMapOvr>
+</p:sld>
+</file>
+
+<file path=ppt/slides/slide61.xml><?xml version="1.0" encoding="utf-8"?>
+<p:sld xmlns:a="http://schemas.openxmlformats.org/drawingml/2006/main" xmlns:r="http://schemas.openxmlformats.org/officeDocument/2006/relationships" xmlns:p="http://schemas.openxmlformats.org/presentationml/2006/main">
+  <p:cSld>
+    <p:spTree>
+      <p:nvGrpSpPr>
+        <p:cNvPr id="1" name=""/>
+        <p:cNvGrpSpPr/>
+        <p:nvPr/>
+      </p:nvGrpSpPr>
+      <p:grpSpPr>
+        <a:xfrm>
+          <a:off x="0" y="0"/>
+          <a:ext cx="0" cy="0"/>
+          <a:chOff x="0" y="0"/>
+          <a:chExt cx="0" cy="0"/>
+        </a:xfrm>
+      </p:grpSpPr>
+      <p:sp>
+        <p:nvSpPr>
+          <p:cNvPr id="2" name="Title 1"/>
+          <p:cNvSpPr>
+            <a:spLocks noGrp="1"/>
+          </p:cNvSpPr>
+          <p:nvPr>
+            <p:ph type="title"/>
+          </p:nvPr>
+        </p:nvSpPr>
+        <p:spPr>
+          <a:xfrm>
+            <a:off x="609600" y="337392"/>
+            <a:ext cx="10439400" cy="624840"/>
+          </a:xfrm>
+        </p:spPr>
+        <p:txBody>
+          <a:bodyPr>
+            <a:noAutofit/>
+          </a:bodyPr>
+          <a:lstStyle/>
+          <a:p>
+            <a:r>
+              <a:rPr lang="en-US" sz="3600" dirty="0">
+                <a:cs typeface="Times New Roman" panose="02020603050405020304" pitchFamily="18" charset="0"/>
+              </a:rPr>
+              <a:t>Non-Classical Measurement Error: Examples</a:t>
+            </a:r>
+            <a:endParaRPr lang="en-US" sz="3600" dirty="0">
+              <a:latin typeface="Times New Roman" panose="02020603050405020304" pitchFamily="18" charset="0"/>
+              <a:cs typeface="Times New Roman" panose="02020603050405020304" pitchFamily="18" charset="0"/>
+            </a:endParaRPr>
+          </a:p>
+        </p:txBody>
+      </p:sp>
+      <mc:AlternateContent xmlns:mc="http://schemas.openxmlformats.org/markup-compatibility/2006" xmlns:a14="http://schemas.microsoft.com/office/drawing/2010/main">
+        <mc:Choice Requires="a14">
           <p:sp>
             <p:nvSpPr>
               <p:cNvPr id="3" name="Content Placeholder 2"/>
@@ -34857,7 +35366,7 @@
             </p:txBody>
           </p:sp>
         </mc:Choice>
-        <mc:Fallback>
+        <mc:Fallback xmlns="">
           <p:sp>
             <p:nvSpPr>
               <p:cNvPr id="3" name="Content Placeholder 2"/>
@@ -34938,7 +35447,7 @@
 </p:sld>
 </file>
 
-<file path=ppt/slides/slide61.xml><?xml version="1.0" encoding="utf-8"?>
+<file path=ppt/slides/slide62.xml><?xml version="1.0" encoding="utf-8"?>
 <p:sld xmlns:a="http://schemas.openxmlformats.org/drawingml/2006/main" xmlns:r="http://schemas.openxmlformats.org/officeDocument/2006/relationships" xmlns:p="http://schemas.openxmlformats.org/presentationml/2006/main">
   <p:cSld>
     <p:spTree>
@@ -35115,7 +35624,7 @@
 </p:sld>
 </file>
 
-<file path=ppt/slides/slide62.xml><?xml version="1.0" encoding="utf-8"?>
+<file path=ppt/slides/slide63.xml><?xml version="1.0" encoding="utf-8"?>
 <p:sld xmlns:a="http://schemas.openxmlformats.org/drawingml/2006/main" xmlns:r="http://schemas.openxmlformats.org/officeDocument/2006/relationships" xmlns:p="http://schemas.openxmlformats.org/presentationml/2006/main">
   <p:cSld>
     <p:spTree>
@@ -35638,7 +36147,7 @@
 </p:sld>
 </file>
 
-<file path=ppt/slides/slide63.xml><?xml version="1.0" encoding="utf-8"?>
+<file path=ppt/slides/slide64.xml><?xml version="1.0" encoding="utf-8"?>
 <p:sld xmlns:a="http://schemas.openxmlformats.org/drawingml/2006/main" xmlns:r="http://schemas.openxmlformats.org/officeDocument/2006/relationships" xmlns:p="http://schemas.openxmlformats.org/presentationml/2006/main">
   <p:cSld>
     <p:spTree>
